--- a/plan/design.pptx
+++ b/plan/design.pptx
@@ -107,6 +107,11 @@
       </a:defRPr>
     </a:lvl9pPr>
   </p:defaultTextStyle>
+  <p:extLst>
+    <p:ext uri="{EFAFB233-063F-42B5-8137-9DF3F51BA10A}">
+      <p15:sldGuideLst xmlns:p15="http://schemas.microsoft.com/office/powerpoint/2012/main"/>
+    </p:ext>
+  </p:extLst>
 </p:presentation>
 </file>
 
@@ -257,7 +262,7 @@
           <a:p>
             <a:fld id="{F0D91E45-F86E-4047-B1AC-17292945DDFC}" type="datetimeFigureOut">
               <a:rPr lang="ko-KR" altLang="en-US" smtClean="0"/>
-              <a:t>2023-09-11</a:t>
+              <a:t>2023-09-12</a:t>
             </a:fld>
             <a:endParaRPr lang="ko-KR" altLang="en-US"/>
           </a:p>
@@ -455,7 +460,7 @@
           <a:p>
             <a:fld id="{F0D91E45-F86E-4047-B1AC-17292945DDFC}" type="datetimeFigureOut">
               <a:rPr lang="ko-KR" altLang="en-US" smtClean="0"/>
-              <a:t>2023-09-11</a:t>
+              <a:t>2023-09-12</a:t>
             </a:fld>
             <a:endParaRPr lang="ko-KR" altLang="en-US"/>
           </a:p>
@@ -663,7 +668,7 @@
           <a:p>
             <a:fld id="{F0D91E45-F86E-4047-B1AC-17292945DDFC}" type="datetimeFigureOut">
               <a:rPr lang="ko-KR" altLang="en-US" smtClean="0"/>
-              <a:t>2023-09-11</a:t>
+              <a:t>2023-09-12</a:t>
             </a:fld>
             <a:endParaRPr lang="ko-KR" altLang="en-US"/>
           </a:p>
@@ -861,7 +866,7 @@
           <a:p>
             <a:fld id="{F0D91E45-F86E-4047-B1AC-17292945DDFC}" type="datetimeFigureOut">
               <a:rPr lang="ko-KR" altLang="en-US" smtClean="0"/>
-              <a:t>2023-09-11</a:t>
+              <a:t>2023-09-12</a:t>
             </a:fld>
             <a:endParaRPr lang="ko-KR" altLang="en-US"/>
           </a:p>
@@ -1136,7 +1141,7 @@
           <a:p>
             <a:fld id="{F0D91E45-F86E-4047-B1AC-17292945DDFC}" type="datetimeFigureOut">
               <a:rPr lang="ko-KR" altLang="en-US" smtClean="0"/>
-              <a:t>2023-09-11</a:t>
+              <a:t>2023-09-12</a:t>
             </a:fld>
             <a:endParaRPr lang="ko-KR" altLang="en-US"/>
           </a:p>
@@ -1401,7 +1406,7 @@
           <a:p>
             <a:fld id="{F0D91E45-F86E-4047-B1AC-17292945DDFC}" type="datetimeFigureOut">
               <a:rPr lang="ko-KR" altLang="en-US" smtClean="0"/>
-              <a:t>2023-09-11</a:t>
+              <a:t>2023-09-12</a:t>
             </a:fld>
             <a:endParaRPr lang="ko-KR" altLang="en-US"/>
           </a:p>
@@ -1813,7 +1818,7 @@
           <a:p>
             <a:fld id="{F0D91E45-F86E-4047-B1AC-17292945DDFC}" type="datetimeFigureOut">
               <a:rPr lang="ko-KR" altLang="en-US" smtClean="0"/>
-              <a:t>2023-09-11</a:t>
+              <a:t>2023-09-12</a:t>
             </a:fld>
             <a:endParaRPr lang="ko-KR" altLang="en-US"/>
           </a:p>
@@ -1954,7 +1959,7 @@
           <a:p>
             <a:fld id="{F0D91E45-F86E-4047-B1AC-17292945DDFC}" type="datetimeFigureOut">
               <a:rPr lang="ko-KR" altLang="en-US" smtClean="0"/>
-              <a:t>2023-09-11</a:t>
+              <a:t>2023-09-12</a:t>
             </a:fld>
             <a:endParaRPr lang="ko-KR" altLang="en-US"/>
           </a:p>
@@ -2067,7 +2072,7 @@
           <a:p>
             <a:fld id="{F0D91E45-F86E-4047-B1AC-17292945DDFC}" type="datetimeFigureOut">
               <a:rPr lang="ko-KR" altLang="en-US" smtClean="0"/>
-              <a:t>2023-09-11</a:t>
+              <a:t>2023-09-12</a:t>
             </a:fld>
             <a:endParaRPr lang="ko-KR" altLang="en-US"/>
           </a:p>
@@ -2378,7 +2383,7 @@
           <a:p>
             <a:fld id="{F0D91E45-F86E-4047-B1AC-17292945DDFC}" type="datetimeFigureOut">
               <a:rPr lang="ko-KR" altLang="en-US" smtClean="0"/>
-              <a:t>2023-09-11</a:t>
+              <a:t>2023-09-12</a:t>
             </a:fld>
             <a:endParaRPr lang="ko-KR" altLang="en-US"/>
           </a:p>
@@ -2666,7 +2671,7 @@
           <a:p>
             <a:fld id="{F0D91E45-F86E-4047-B1AC-17292945DDFC}" type="datetimeFigureOut">
               <a:rPr lang="ko-KR" altLang="en-US" smtClean="0"/>
-              <a:t>2023-09-11</a:t>
+              <a:t>2023-09-12</a:t>
             </a:fld>
             <a:endParaRPr lang="ko-KR" altLang="en-US"/>
           </a:p>
@@ -2907,7 +2912,7 @@
           <a:p>
             <a:fld id="{F0D91E45-F86E-4047-B1AC-17292945DDFC}" type="datetimeFigureOut">
               <a:rPr lang="ko-KR" altLang="en-US" smtClean="0"/>
-              <a:t>2023-09-11</a:t>
+              <a:t>2023-09-12</a:t>
             </a:fld>
             <a:endParaRPr lang="ko-KR" altLang="en-US"/>
           </a:p>
@@ -19420,8 +19425,8 @@
         </p:nvGrpSpPr>
         <p:grpSpPr>
           <a:xfrm>
-            <a:off x="-1308574" y="1008587"/>
-            <a:ext cx="13500574" cy="3868214"/>
+            <a:off x="1256601" y="2218793"/>
+            <a:ext cx="9052652" cy="2420413"/>
             <a:chOff x="-1308574" y="1008587"/>
             <a:chExt cx="13500574" cy="3868214"/>
           </a:xfrm>
@@ -19715,6 +19720,228 @@
           </p:spPr>
         </p:pic>
       </p:grpSp>
+      <p:sp>
+        <p:nvSpPr>
+          <p:cNvPr id="2" name="TextBox 1">
+            <a:extLst>
+              <a:ext uri="{FF2B5EF4-FFF2-40B4-BE49-F238E27FC236}">
+                <a16:creationId xmlns:a16="http://schemas.microsoft.com/office/drawing/2014/main" id="{6693B234-1802-9838-508D-70B01BC4EFE1}"/>
+              </a:ext>
+            </a:extLst>
+          </p:cNvPr>
+          <p:cNvSpPr txBox="1"/>
+          <p:nvPr/>
+        </p:nvSpPr>
+        <p:spPr>
+          <a:xfrm>
+            <a:off x="1603801" y="1849461"/>
+            <a:ext cx="585417" cy="307777"/>
+          </a:xfrm>
+          <a:prstGeom prst="rect">
+            <a:avLst/>
+          </a:prstGeom>
+          <a:noFill/>
+        </p:spPr>
+        <p:txBody>
+          <a:bodyPr wrap="none" rtlCol="0">
+            <a:spAutoFit/>
+          </a:bodyPr>
+          <a:lstStyle/>
+          <a:p>
+            <a:pPr algn="ctr"/>
+            <a:r>
+              <a:rPr lang="en-US" altLang="ko-KR" sz="1400" dirty="0"/>
+              <a:t>main</a:t>
+            </a:r>
+            <a:endParaRPr lang="ko-KR" altLang="en-US" sz="1400" dirty="0"/>
+          </a:p>
+        </p:txBody>
+      </p:sp>
+      <p:sp>
+        <p:nvSpPr>
+          <p:cNvPr id="3" name="TextBox 2">
+            <a:extLst>
+              <a:ext uri="{FF2B5EF4-FFF2-40B4-BE49-F238E27FC236}">
+                <a16:creationId xmlns:a16="http://schemas.microsoft.com/office/drawing/2014/main" id="{B62C8FCB-2749-11F8-B4D2-66E2CB69071F}"/>
+              </a:ext>
+            </a:extLst>
+          </p:cNvPr>
+          <p:cNvSpPr txBox="1"/>
+          <p:nvPr/>
+        </p:nvSpPr>
+        <p:spPr>
+          <a:xfrm>
+            <a:off x="4182952" y="1849461"/>
+            <a:ext cx="740908" cy="307777"/>
+          </a:xfrm>
+          <a:prstGeom prst="rect">
+            <a:avLst/>
+          </a:prstGeom>
+          <a:noFill/>
+        </p:spPr>
+        <p:txBody>
+          <a:bodyPr wrap="none" rtlCol="0">
+            <a:spAutoFit/>
+          </a:bodyPr>
+          <a:lstStyle/>
+          <a:p>
+            <a:pPr algn="ctr"/>
+            <a:r>
+              <a:rPr lang="en-US" altLang="ko-KR" sz="1400" dirty="0"/>
+              <a:t>setting</a:t>
+            </a:r>
+            <a:endParaRPr lang="ko-KR" altLang="en-US" sz="1400" dirty="0"/>
+          </a:p>
+        </p:txBody>
+      </p:sp>
+      <p:sp>
+        <p:nvSpPr>
+          <p:cNvPr id="4" name="TextBox 3">
+            <a:extLst>
+              <a:ext uri="{FF2B5EF4-FFF2-40B4-BE49-F238E27FC236}">
+                <a16:creationId xmlns:a16="http://schemas.microsoft.com/office/drawing/2014/main" id="{DBF01302-5FDD-2771-CF9B-DC13D0BD2112}"/>
+              </a:ext>
+            </a:extLst>
+          </p:cNvPr>
+          <p:cNvSpPr txBox="1"/>
+          <p:nvPr/>
+        </p:nvSpPr>
+        <p:spPr>
+          <a:xfrm>
+            <a:off x="5252687" y="1849461"/>
+            <a:ext cx="1156086" cy="307777"/>
+          </a:xfrm>
+          <a:prstGeom prst="rect">
+            <a:avLst/>
+          </a:prstGeom>
+          <a:noFill/>
+        </p:spPr>
+        <p:txBody>
+          <a:bodyPr wrap="none" rtlCol="0">
+            <a:spAutoFit/>
+          </a:bodyPr>
+          <a:lstStyle/>
+          <a:p>
+            <a:pPr algn="ctr"/>
+            <a:r>
+              <a:rPr lang="en-US" altLang="ko-KR" sz="1400" dirty="0" err="1"/>
+              <a:t>Setting_noti</a:t>
+            </a:r>
+            <a:endParaRPr lang="ko-KR" altLang="en-US" sz="1400" dirty="0"/>
+          </a:p>
+        </p:txBody>
+      </p:sp>
+      <p:sp>
+        <p:nvSpPr>
+          <p:cNvPr id="6" name="TextBox 5">
+            <a:extLst>
+              <a:ext uri="{FF2B5EF4-FFF2-40B4-BE49-F238E27FC236}">
+                <a16:creationId xmlns:a16="http://schemas.microsoft.com/office/drawing/2014/main" id="{507992BF-C4AB-9004-1DC9-F74439042D06}"/>
+              </a:ext>
+            </a:extLst>
+          </p:cNvPr>
+          <p:cNvSpPr txBox="1"/>
+          <p:nvPr/>
+        </p:nvSpPr>
+        <p:spPr>
+          <a:xfrm>
+            <a:off x="6515733" y="1849461"/>
+            <a:ext cx="1188146" cy="307777"/>
+          </a:xfrm>
+          <a:prstGeom prst="rect">
+            <a:avLst/>
+          </a:prstGeom>
+          <a:noFill/>
+        </p:spPr>
+        <p:txBody>
+          <a:bodyPr wrap="none" rtlCol="0">
+            <a:spAutoFit/>
+          </a:bodyPr>
+          <a:lstStyle/>
+          <a:p>
+            <a:pPr algn="ctr"/>
+            <a:r>
+              <a:rPr lang="en-US" altLang="ko-KR" sz="1400" dirty="0" err="1"/>
+              <a:t>Setting_dect</a:t>
+            </a:r>
+            <a:endParaRPr lang="ko-KR" altLang="en-US" sz="1400" dirty="0"/>
+          </a:p>
+        </p:txBody>
+      </p:sp>
+      <p:sp>
+        <p:nvSpPr>
+          <p:cNvPr id="8" name="TextBox 7">
+            <a:extLst>
+              <a:ext uri="{FF2B5EF4-FFF2-40B4-BE49-F238E27FC236}">
+                <a16:creationId xmlns:a16="http://schemas.microsoft.com/office/drawing/2014/main" id="{644157CB-DEEE-AF3C-0EA8-6C171F460ED9}"/>
+              </a:ext>
+            </a:extLst>
+          </p:cNvPr>
+          <p:cNvSpPr txBox="1"/>
+          <p:nvPr/>
+        </p:nvSpPr>
+        <p:spPr>
+          <a:xfrm>
+            <a:off x="7887619" y="1849461"/>
+            <a:ext cx="1053430" cy="307777"/>
+          </a:xfrm>
+          <a:prstGeom prst="rect">
+            <a:avLst/>
+          </a:prstGeom>
+          <a:noFill/>
+        </p:spPr>
+        <p:txBody>
+          <a:bodyPr wrap="none" rtlCol="0">
+            <a:spAutoFit/>
+          </a:bodyPr>
+          <a:lstStyle/>
+          <a:p>
+            <a:pPr algn="ctr"/>
+            <a:r>
+              <a:rPr lang="en-US" altLang="ko-KR" sz="1400" dirty="0" err="1"/>
+              <a:t>history_idx</a:t>
+            </a:r>
+            <a:endParaRPr lang="ko-KR" altLang="en-US" sz="1400" dirty="0"/>
+          </a:p>
+        </p:txBody>
+      </p:sp>
+      <p:sp>
+        <p:nvSpPr>
+          <p:cNvPr id="10" name="TextBox 9">
+            <a:extLst>
+              <a:ext uri="{FF2B5EF4-FFF2-40B4-BE49-F238E27FC236}">
+                <a16:creationId xmlns:a16="http://schemas.microsoft.com/office/drawing/2014/main" id="{3A715BC1-384C-6FD6-F31D-332099E56E75}"/>
+              </a:ext>
+            </a:extLst>
+          </p:cNvPr>
+          <p:cNvSpPr txBox="1"/>
+          <p:nvPr/>
+        </p:nvSpPr>
+        <p:spPr>
+          <a:xfrm>
+            <a:off x="9094052" y="1849461"/>
+            <a:ext cx="1178463" cy="307777"/>
+          </a:xfrm>
+          <a:prstGeom prst="rect">
+            <a:avLst/>
+          </a:prstGeom>
+          <a:noFill/>
+        </p:spPr>
+        <p:txBody>
+          <a:bodyPr wrap="none" rtlCol="0">
+            <a:spAutoFit/>
+          </a:bodyPr>
+          <a:lstStyle/>
+          <a:p>
+            <a:pPr algn="ctr"/>
+            <a:r>
+              <a:rPr lang="en-US" altLang="ko-KR" sz="1400" dirty="0" err="1"/>
+              <a:t>history_view</a:t>
+            </a:r>
+            <a:endParaRPr lang="ko-KR" altLang="en-US" sz="1400" dirty="0"/>
+          </a:p>
+        </p:txBody>
+      </p:sp>
     </p:spTree>
     <p:extLst>
       <p:ext uri="{BB962C8B-B14F-4D97-AF65-F5344CB8AC3E}">

--- a/plan/design.pptx
+++ b/plan/design.pptx
@@ -262,7 +262,7 @@
           <a:p>
             <a:fld id="{F0D91E45-F86E-4047-B1AC-17292945DDFC}" type="datetimeFigureOut">
               <a:rPr lang="ko-KR" altLang="en-US" smtClean="0"/>
-              <a:t>2023-09-12</a:t>
+              <a:t>2023-09-19</a:t>
             </a:fld>
             <a:endParaRPr lang="ko-KR" altLang="en-US"/>
           </a:p>
@@ -460,7 +460,7 @@
           <a:p>
             <a:fld id="{F0D91E45-F86E-4047-B1AC-17292945DDFC}" type="datetimeFigureOut">
               <a:rPr lang="ko-KR" altLang="en-US" smtClean="0"/>
-              <a:t>2023-09-12</a:t>
+              <a:t>2023-09-19</a:t>
             </a:fld>
             <a:endParaRPr lang="ko-KR" altLang="en-US"/>
           </a:p>
@@ -668,7 +668,7 @@
           <a:p>
             <a:fld id="{F0D91E45-F86E-4047-B1AC-17292945DDFC}" type="datetimeFigureOut">
               <a:rPr lang="ko-KR" altLang="en-US" smtClean="0"/>
-              <a:t>2023-09-12</a:t>
+              <a:t>2023-09-19</a:t>
             </a:fld>
             <a:endParaRPr lang="ko-KR" altLang="en-US"/>
           </a:p>
@@ -866,7 +866,7 @@
           <a:p>
             <a:fld id="{F0D91E45-F86E-4047-B1AC-17292945DDFC}" type="datetimeFigureOut">
               <a:rPr lang="ko-KR" altLang="en-US" smtClean="0"/>
-              <a:t>2023-09-12</a:t>
+              <a:t>2023-09-19</a:t>
             </a:fld>
             <a:endParaRPr lang="ko-KR" altLang="en-US"/>
           </a:p>
@@ -1141,7 +1141,7 @@
           <a:p>
             <a:fld id="{F0D91E45-F86E-4047-B1AC-17292945DDFC}" type="datetimeFigureOut">
               <a:rPr lang="ko-KR" altLang="en-US" smtClean="0"/>
-              <a:t>2023-09-12</a:t>
+              <a:t>2023-09-19</a:t>
             </a:fld>
             <a:endParaRPr lang="ko-KR" altLang="en-US"/>
           </a:p>
@@ -1406,7 +1406,7 @@
           <a:p>
             <a:fld id="{F0D91E45-F86E-4047-B1AC-17292945DDFC}" type="datetimeFigureOut">
               <a:rPr lang="ko-KR" altLang="en-US" smtClean="0"/>
-              <a:t>2023-09-12</a:t>
+              <a:t>2023-09-19</a:t>
             </a:fld>
             <a:endParaRPr lang="ko-KR" altLang="en-US"/>
           </a:p>
@@ -1818,7 +1818,7 @@
           <a:p>
             <a:fld id="{F0D91E45-F86E-4047-B1AC-17292945DDFC}" type="datetimeFigureOut">
               <a:rPr lang="ko-KR" altLang="en-US" smtClean="0"/>
-              <a:t>2023-09-12</a:t>
+              <a:t>2023-09-19</a:t>
             </a:fld>
             <a:endParaRPr lang="ko-KR" altLang="en-US"/>
           </a:p>
@@ -1959,7 +1959,7 @@
           <a:p>
             <a:fld id="{F0D91E45-F86E-4047-B1AC-17292945DDFC}" type="datetimeFigureOut">
               <a:rPr lang="ko-KR" altLang="en-US" smtClean="0"/>
-              <a:t>2023-09-12</a:t>
+              <a:t>2023-09-19</a:t>
             </a:fld>
             <a:endParaRPr lang="ko-KR" altLang="en-US"/>
           </a:p>
@@ -2072,7 +2072,7 @@
           <a:p>
             <a:fld id="{F0D91E45-F86E-4047-B1AC-17292945DDFC}" type="datetimeFigureOut">
               <a:rPr lang="ko-KR" altLang="en-US" smtClean="0"/>
-              <a:t>2023-09-12</a:t>
+              <a:t>2023-09-19</a:t>
             </a:fld>
             <a:endParaRPr lang="ko-KR" altLang="en-US"/>
           </a:p>
@@ -2383,7 +2383,7 @@
           <a:p>
             <a:fld id="{F0D91E45-F86E-4047-B1AC-17292945DDFC}" type="datetimeFigureOut">
               <a:rPr lang="ko-KR" altLang="en-US" smtClean="0"/>
-              <a:t>2023-09-12</a:t>
+              <a:t>2023-09-19</a:t>
             </a:fld>
             <a:endParaRPr lang="ko-KR" altLang="en-US"/>
           </a:p>
@@ -2671,7 +2671,7 @@
           <a:p>
             <a:fld id="{F0D91E45-F86E-4047-B1AC-17292945DDFC}" type="datetimeFigureOut">
               <a:rPr lang="ko-KR" altLang="en-US" smtClean="0"/>
-              <a:t>2023-09-12</a:t>
+              <a:t>2023-09-19</a:t>
             </a:fld>
             <a:endParaRPr lang="ko-KR" altLang="en-US"/>
           </a:p>
@@ -2912,7 +2912,7 @@
           <a:p>
             <a:fld id="{F0D91E45-F86E-4047-B1AC-17292945DDFC}" type="datetimeFigureOut">
               <a:rPr lang="ko-KR" altLang="en-US" smtClean="0"/>
-              <a:t>2023-09-12</a:t>
+              <a:t>2023-09-19</a:t>
             </a:fld>
             <a:endParaRPr lang="ko-KR" altLang="en-US"/>
           </a:p>
@@ -3742,7 +3742,7 @@
             <a:avLst/>
           </a:prstGeom>
           <a:solidFill>
-            <a:srgbClr val="223F47"/>
+            <a:srgbClr val="64A39B"/>
           </a:solidFill>
         </p:spPr>
         <p:style>
@@ -15868,3519 +15868,3498 @@
           </p:spPr>
         </p:pic>
       </p:grpSp>
-      <p:grpSp>
-        <p:nvGrpSpPr>
-          <p:cNvPr id="2185" name="그룹 2184">
+      <p:sp>
+        <p:nvSpPr>
+          <p:cNvPr id="2374" name="직사각형 2373">
             <a:extLst>
               <a:ext uri="{FF2B5EF4-FFF2-40B4-BE49-F238E27FC236}">
-                <a16:creationId xmlns:a16="http://schemas.microsoft.com/office/drawing/2014/main" id="{2D262ECB-1DEA-EA6B-0FC0-CABDA8CD64EE}"/>
+                <a16:creationId xmlns:a16="http://schemas.microsoft.com/office/drawing/2014/main" id="{DC862B7E-F461-F488-9B27-33FA466D4D3C}"/>
               </a:ext>
             </a:extLst>
           </p:cNvPr>
-          <p:cNvGrpSpPr/>
+          <p:cNvSpPr/>
           <p:nvPr/>
-        </p:nvGrpSpPr>
-        <p:grpSpPr>
+        </p:nvSpPr>
+        <p:spPr>
           <a:xfrm>
-            <a:off x="2703834" y="1009650"/>
-            <a:ext cx="2387600" cy="4838700"/>
-            <a:chOff x="2703834" y="1009650"/>
-            <a:chExt cx="2387600" cy="4838700"/>
+            <a:off x="2860686" y="1191658"/>
+            <a:ext cx="2073896" cy="4474685"/>
           </a:xfrm>
-        </p:grpSpPr>
-        <p:sp>
-          <p:nvSpPr>
-            <p:cNvPr id="2374" name="직사각형 2373">
-              <a:extLst>
-                <a:ext uri="{FF2B5EF4-FFF2-40B4-BE49-F238E27FC236}">
-                  <a16:creationId xmlns:a16="http://schemas.microsoft.com/office/drawing/2014/main" id="{DC862B7E-F461-F488-9B27-33FA466D4D3C}"/>
-                </a:ext>
-              </a:extLst>
-            </p:cNvPr>
-            <p:cNvSpPr/>
-            <p:nvPr/>
-          </p:nvSpPr>
-          <p:spPr>
-            <a:xfrm>
-              <a:off x="2860686" y="1191658"/>
-              <a:ext cx="2073896" cy="4474685"/>
-            </a:xfrm>
-            <a:prstGeom prst="rect">
-              <a:avLst/>
-            </a:prstGeom>
-            <a:solidFill>
-              <a:schemeClr val="bg1"/>
-            </a:solidFill>
-            <a:ln>
-              <a:noFill/>
-            </a:ln>
-          </p:spPr>
-          <p:style>
-            <a:lnRef idx="2">
-              <a:schemeClr val="accent1">
-                <a:shade val="15000"/>
-              </a:schemeClr>
-            </a:lnRef>
-            <a:fillRef idx="1">
-              <a:schemeClr val="accent1"/>
-            </a:fillRef>
-            <a:effectRef idx="0">
-              <a:schemeClr val="accent1"/>
-            </a:effectRef>
-            <a:fontRef idx="minor">
-              <a:schemeClr val="lt1"/>
-            </a:fontRef>
-          </p:style>
-          <p:txBody>
-            <a:bodyPr rtlCol="0" anchor="ctr"/>
-            <a:lstStyle/>
-            <a:p>
-              <a:pPr algn="ctr"/>
-              <a:endParaRPr lang="ko-KR" altLang="en-US" dirty="0"/>
-            </a:p>
-          </p:txBody>
-        </p:sp>
-        <p:pic>
-          <p:nvPicPr>
-            <p:cNvPr id="2375" name="그림 2374">
-              <a:extLst>
-                <a:ext uri="{FF2B5EF4-FFF2-40B4-BE49-F238E27FC236}">
-                  <a16:creationId xmlns:a16="http://schemas.microsoft.com/office/drawing/2014/main" id="{183A7FB8-00DA-A67E-29BA-622DE0A87822}"/>
-                </a:ext>
-              </a:extLst>
-            </p:cNvPr>
-            <p:cNvPicPr>
-              <a:picLocks noChangeAspect="1"/>
-            </p:cNvPicPr>
-            <p:nvPr/>
-          </p:nvPicPr>
-          <p:blipFill>
-            <a:blip r:embed="rId2">
-              <a:extLst>
-                <a:ext uri="{28A0092B-C50C-407E-A947-70E740481C1C}">
-                  <a14:useLocalDpi xmlns:a14="http://schemas.microsoft.com/office/drawing/2010/main" val="0"/>
-                </a:ext>
-              </a:extLst>
-            </a:blip>
-            <a:stretch>
-              <a:fillRect/>
-            </a:stretch>
-          </p:blipFill>
-          <p:spPr>
-            <a:xfrm>
-              <a:off x="4615103" y="1586263"/>
-              <a:ext cx="228835" cy="228835"/>
-            </a:xfrm>
-            <a:prstGeom prst="rect">
-              <a:avLst/>
-            </a:prstGeom>
-          </p:spPr>
-        </p:pic>
-        <p:pic>
-          <p:nvPicPr>
-            <p:cNvPr id="2376" name="Picture 6" descr="갤럭시 상단바 통신사 로고 제거하기 - 익스트림 매뉴얼">
-              <a:extLst>
-                <a:ext uri="{FF2B5EF4-FFF2-40B4-BE49-F238E27FC236}">
-                  <a16:creationId xmlns:a16="http://schemas.microsoft.com/office/drawing/2014/main" id="{22F21471-547B-7A89-41EB-0B3923621451}"/>
-                </a:ext>
-              </a:extLst>
-            </p:cNvPr>
-            <p:cNvPicPr>
-              <a:picLocks noChangeAspect="1" noChangeArrowheads="1"/>
-            </p:cNvPicPr>
-            <p:nvPr/>
-          </p:nvPicPr>
-          <p:blipFill rotWithShape="1">
-            <a:blip r:embed="rId3">
-              <a:clrChange>
-                <a:clrFrom>
-                  <a:srgbClr val="F1F1F1"/>
-                </a:clrFrom>
-                <a:clrTo>
-                  <a:srgbClr val="F1F1F1">
-                    <a:alpha val="0"/>
-                  </a:srgbClr>
-                </a:clrTo>
-              </a:clrChange>
-              <a:extLst>
-                <a:ext uri="{28A0092B-C50C-407E-A947-70E740481C1C}">
-                  <a14:useLocalDpi xmlns:a14="http://schemas.microsoft.com/office/drawing/2010/main" val="0"/>
-                </a:ext>
-              </a:extLst>
-            </a:blip>
-            <a:srcRect l="12584" t="23202" r="12788" b="67537"/>
-            <a:stretch/>
-          </p:blipFill>
-          <p:spPr bwMode="auto">
-            <a:xfrm>
-              <a:off x="2860687" y="1272098"/>
-              <a:ext cx="2092534" cy="146065"/>
-            </a:xfrm>
-            <a:prstGeom prst="rect">
-              <a:avLst/>
-            </a:prstGeom>
+          <a:prstGeom prst="rect">
+            <a:avLst/>
+          </a:prstGeom>
+          <a:solidFill>
+            <a:schemeClr val="bg1"/>
+          </a:solidFill>
+          <a:ln>
             <a:noFill/>
+          </a:ln>
+        </p:spPr>
+        <p:style>
+          <a:lnRef idx="2">
+            <a:schemeClr val="accent1">
+              <a:shade val="15000"/>
+            </a:schemeClr>
+          </a:lnRef>
+          <a:fillRef idx="1">
+            <a:schemeClr val="accent1"/>
+          </a:fillRef>
+          <a:effectRef idx="0">
+            <a:schemeClr val="accent1"/>
+          </a:effectRef>
+          <a:fontRef idx="minor">
+            <a:schemeClr val="lt1"/>
+          </a:fontRef>
+        </p:style>
+        <p:txBody>
+          <a:bodyPr rtlCol="0" anchor="ctr"/>
+          <a:lstStyle/>
+          <a:p>
+            <a:pPr algn="ctr"/>
+            <a:endParaRPr lang="ko-KR" altLang="en-US" dirty="0"/>
+          </a:p>
+        </p:txBody>
+      </p:sp>
+      <p:pic>
+        <p:nvPicPr>
+          <p:cNvPr id="2375" name="그림 2374">
             <a:extLst>
-              <a:ext uri="{909E8E84-426E-40DD-AFC4-6F175D3DCCD1}">
-                <a14:hiddenFill xmlns:a14="http://schemas.microsoft.com/office/drawing/2010/main">
-                  <a:solidFill>
-                    <a:srgbClr val="FFFFFF"/>
-                  </a:solidFill>
-                </a14:hiddenFill>
+              <a:ext uri="{FF2B5EF4-FFF2-40B4-BE49-F238E27FC236}">
+                <a16:creationId xmlns:a16="http://schemas.microsoft.com/office/drawing/2014/main" id="{183A7FB8-00DA-A67E-29BA-622DE0A87822}"/>
               </a:ext>
             </a:extLst>
-          </p:spPr>
-        </p:pic>
-        <p:sp>
-          <p:nvSpPr>
-            <p:cNvPr id="2377" name="TextBox 2376">
-              <a:extLst>
-                <a:ext uri="{FF2B5EF4-FFF2-40B4-BE49-F238E27FC236}">
-                  <a16:creationId xmlns:a16="http://schemas.microsoft.com/office/drawing/2014/main" id="{988C1E33-7B6D-B0EE-2686-ACCC153FF130}"/>
-                </a:ext>
-              </a:extLst>
-            </p:cNvPr>
-            <p:cNvSpPr txBox="1"/>
-            <p:nvPr/>
-          </p:nvSpPr>
-          <p:spPr>
-            <a:xfrm>
-              <a:off x="3010958" y="2006750"/>
-              <a:ext cx="766492" cy="307777"/>
-            </a:xfrm>
-            <a:prstGeom prst="rect">
-              <a:avLst/>
-            </a:prstGeom>
-            <a:noFill/>
-          </p:spPr>
-          <p:txBody>
-            <a:bodyPr wrap="none" rtlCol="0">
-              <a:spAutoFit/>
-            </a:bodyPr>
-            <a:lstStyle/>
-            <a:p>
-              <a:r>
-                <a:rPr lang="en-US" altLang="ko-KR" sz="1400" dirty="0">
-                  <a:solidFill>
-                    <a:schemeClr val="tx1">
-                      <a:lumMod val="65000"/>
-                      <a:lumOff val="35000"/>
-                    </a:schemeClr>
-                  </a:solidFill>
-                </a:rPr>
-                <a:t>History</a:t>
-              </a:r>
-              <a:endParaRPr lang="ko-KR" altLang="en-US" sz="1400" dirty="0">
+          </p:cNvPr>
+          <p:cNvPicPr>
+            <a:picLocks noChangeAspect="1"/>
+          </p:cNvPicPr>
+          <p:nvPr/>
+        </p:nvPicPr>
+        <p:blipFill>
+          <a:blip r:embed="rId2">
+            <a:extLst>
+              <a:ext uri="{28A0092B-C50C-407E-A947-70E740481C1C}">
+                <a14:useLocalDpi xmlns:a14="http://schemas.microsoft.com/office/drawing/2010/main" val="0"/>
+              </a:ext>
+            </a:extLst>
+          </a:blip>
+          <a:stretch>
+            <a:fillRect/>
+          </a:stretch>
+        </p:blipFill>
+        <p:spPr>
+          <a:xfrm>
+            <a:off x="4615103" y="1586263"/>
+            <a:ext cx="228835" cy="228835"/>
+          </a:xfrm>
+          <a:prstGeom prst="rect">
+            <a:avLst/>
+          </a:prstGeom>
+        </p:spPr>
+      </p:pic>
+      <p:pic>
+        <p:nvPicPr>
+          <p:cNvPr id="2376" name="Picture 6" descr="갤럭시 상단바 통신사 로고 제거하기 - 익스트림 매뉴얼">
+            <a:extLst>
+              <a:ext uri="{FF2B5EF4-FFF2-40B4-BE49-F238E27FC236}">
+                <a16:creationId xmlns:a16="http://schemas.microsoft.com/office/drawing/2014/main" id="{22F21471-547B-7A89-41EB-0B3923621451}"/>
+              </a:ext>
+            </a:extLst>
+          </p:cNvPr>
+          <p:cNvPicPr>
+            <a:picLocks noChangeAspect="1" noChangeArrowheads="1"/>
+          </p:cNvPicPr>
+          <p:nvPr/>
+        </p:nvPicPr>
+        <p:blipFill rotWithShape="1">
+          <a:blip r:embed="rId3">
+            <a:clrChange>
+              <a:clrFrom>
+                <a:srgbClr val="F1F1F1"/>
+              </a:clrFrom>
+              <a:clrTo>
+                <a:srgbClr val="F1F1F1">
+                  <a:alpha val="0"/>
+                </a:srgbClr>
+              </a:clrTo>
+            </a:clrChange>
+            <a:extLst>
+              <a:ext uri="{28A0092B-C50C-407E-A947-70E740481C1C}">
+                <a14:useLocalDpi xmlns:a14="http://schemas.microsoft.com/office/drawing/2010/main" val="0"/>
+              </a:ext>
+            </a:extLst>
+          </a:blip>
+          <a:srcRect l="12584" t="23202" r="12788" b="67537"/>
+          <a:stretch/>
+        </p:blipFill>
+        <p:spPr bwMode="auto">
+          <a:xfrm>
+            <a:off x="2860687" y="1272098"/>
+            <a:ext cx="2092534" cy="146065"/>
+          </a:xfrm>
+          <a:prstGeom prst="rect">
+            <a:avLst/>
+          </a:prstGeom>
+          <a:noFill/>
+          <a:extLst>
+            <a:ext uri="{909E8E84-426E-40DD-AFC4-6F175D3DCCD1}">
+              <a14:hiddenFill xmlns:a14="http://schemas.microsoft.com/office/drawing/2010/main">
+                <a:solidFill>
+                  <a:srgbClr val="FFFFFF"/>
+                </a:solidFill>
+              </a14:hiddenFill>
+            </a:ext>
+          </a:extLst>
+        </p:spPr>
+      </p:pic>
+      <p:sp>
+        <p:nvSpPr>
+          <p:cNvPr id="2377" name="TextBox 2376">
+            <a:extLst>
+              <a:ext uri="{FF2B5EF4-FFF2-40B4-BE49-F238E27FC236}">
+                <a16:creationId xmlns:a16="http://schemas.microsoft.com/office/drawing/2014/main" id="{988C1E33-7B6D-B0EE-2686-ACCC153FF130}"/>
+              </a:ext>
+            </a:extLst>
+          </p:cNvPr>
+          <p:cNvSpPr txBox="1"/>
+          <p:nvPr/>
+        </p:nvSpPr>
+        <p:spPr>
+          <a:xfrm>
+            <a:off x="3010958" y="2006750"/>
+            <a:ext cx="766492" cy="307777"/>
+          </a:xfrm>
+          <a:prstGeom prst="rect">
+            <a:avLst/>
+          </a:prstGeom>
+          <a:noFill/>
+        </p:spPr>
+        <p:txBody>
+          <a:bodyPr wrap="none" rtlCol="0">
+            <a:spAutoFit/>
+          </a:bodyPr>
+          <a:lstStyle/>
+          <a:p>
+            <a:r>
+              <a:rPr lang="en-US" altLang="ko-KR" sz="1400" dirty="0">
                 <a:solidFill>
                   <a:schemeClr val="tx1">
                     <a:lumMod val="65000"/>
                     <a:lumOff val="35000"/>
                   </a:schemeClr>
                 </a:solidFill>
-              </a:endParaRPr>
-            </a:p>
-          </p:txBody>
-        </p:sp>
-        <p:cxnSp>
-          <p:nvCxnSpPr>
-            <p:cNvPr id="2382" name="직선 연결선 2381">
-              <a:extLst>
-                <a:ext uri="{FF2B5EF4-FFF2-40B4-BE49-F238E27FC236}">
-                  <a16:creationId xmlns:a16="http://schemas.microsoft.com/office/drawing/2014/main" id="{160274E2-DB48-6CA0-1356-1D51E5449EDA}"/>
-                </a:ext>
-              </a:extLst>
-            </p:cNvPr>
-            <p:cNvCxnSpPr/>
-            <p:nvPr/>
-          </p:nvCxnSpPr>
-          <p:spPr>
-            <a:xfrm>
-              <a:off x="3094284" y="2301192"/>
-              <a:ext cx="1659170" cy="0"/>
-            </a:xfrm>
-            <a:prstGeom prst="line">
-              <a:avLst/>
-            </a:prstGeom>
-            <a:ln>
+              </a:rPr>
+              <a:t>History</a:t>
+            </a:r>
+            <a:endParaRPr lang="ko-KR" altLang="en-US" sz="1400" dirty="0">
               <a:solidFill>
-                <a:schemeClr val="bg1">
+                <a:schemeClr val="tx1">
                   <a:lumMod val="65000"/>
+                  <a:lumOff val="35000"/>
                 </a:schemeClr>
               </a:solidFill>
-            </a:ln>
-          </p:spPr>
-          <p:style>
-            <a:lnRef idx="1">
-              <a:schemeClr val="accent1"/>
-            </a:lnRef>
-            <a:fillRef idx="0">
-              <a:schemeClr val="accent1"/>
-            </a:fillRef>
-            <a:effectRef idx="0">
-              <a:schemeClr val="accent1"/>
-            </a:effectRef>
-            <a:fontRef idx="minor">
-              <a:schemeClr val="tx1"/>
-            </a:fontRef>
-          </p:style>
-        </p:cxnSp>
-        <p:sp>
-          <p:nvSpPr>
-            <p:cNvPr id="1071" name="TextBox 1070">
-              <a:extLst>
-                <a:ext uri="{FF2B5EF4-FFF2-40B4-BE49-F238E27FC236}">
-                  <a16:creationId xmlns:a16="http://schemas.microsoft.com/office/drawing/2014/main" id="{F4E8483D-BB12-DAFB-26E1-2C80CFD5F497}"/>
-                </a:ext>
-              </a:extLst>
-            </p:cNvPr>
-            <p:cNvSpPr txBox="1"/>
-            <p:nvPr/>
-          </p:nvSpPr>
-          <p:spPr>
-            <a:xfrm>
-              <a:off x="2889094" y="3940196"/>
-              <a:ext cx="649172" cy="215444"/>
-            </a:xfrm>
-            <a:prstGeom prst="rect">
-              <a:avLst/>
-            </a:prstGeom>
-            <a:noFill/>
-          </p:spPr>
-          <p:txBody>
-            <a:bodyPr wrap="square" rtlCol="0">
-              <a:spAutoFit/>
-            </a:bodyPr>
-            <a:lstStyle/>
-            <a:p>
-              <a:r>
-                <a:rPr lang="en-US" altLang="ko-KR" sz="800" b="1" dirty="0">
-                  <a:solidFill>
-                    <a:srgbClr val="434343"/>
-                  </a:solidFill>
-                </a:rPr>
-                <a:t>Car horn</a:t>
-              </a:r>
-              <a:endParaRPr lang="ko-KR" altLang="en-US" sz="800" b="1" dirty="0">
+            </a:endParaRPr>
+          </a:p>
+        </p:txBody>
+      </p:sp>
+      <p:cxnSp>
+        <p:nvCxnSpPr>
+          <p:cNvPr id="2382" name="직선 연결선 2381">
+            <a:extLst>
+              <a:ext uri="{FF2B5EF4-FFF2-40B4-BE49-F238E27FC236}">
+                <a16:creationId xmlns:a16="http://schemas.microsoft.com/office/drawing/2014/main" id="{160274E2-DB48-6CA0-1356-1D51E5449EDA}"/>
+              </a:ext>
+            </a:extLst>
+          </p:cNvPr>
+          <p:cNvCxnSpPr/>
+          <p:nvPr/>
+        </p:nvCxnSpPr>
+        <p:spPr>
+          <a:xfrm>
+            <a:off x="3094284" y="2301192"/>
+            <a:ext cx="1659170" cy="0"/>
+          </a:xfrm>
+          <a:prstGeom prst="line">
+            <a:avLst/>
+          </a:prstGeom>
+          <a:ln>
+            <a:solidFill>
+              <a:schemeClr val="bg1">
+                <a:lumMod val="65000"/>
+              </a:schemeClr>
+            </a:solidFill>
+          </a:ln>
+        </p:spPr>
+        <p:style>
+          <a:lnRef idx="1">
+            <a:schemeClr val="accent1"/>
+          </a:lnRef>
+          <a:fillRef idx="0">
+            <a:schemeClr val="accent1"/>
+          </a:fillRef>
+          <a:effectRef idx="0">
+            <a:schemeClr val="accent1"/>
+          </a:effectRef>
+          <a:fontRef idx="minor">
+            <a:schemeClr val="tx1"/>
+          </a:fontRef>
+        </p:style>
+      </p:cxnSp>
+      <p:sp>
+        <p:nvSpPr>
+          <p:cNvPr id="1071" name="TextBox 1070">
+            <a:extLst>
+              <a:ext uri="{FF2B5EF4-FFF2-40B4-BE49-F238E27FC236}">
+                <a16:creationId xmlns:a16="http://schemas.microsoft.com/office/drawing/2014/main" id="{F4E8483D-BB12-DAFB-26E1-2C80CFD5F497}"/>
+              </a:ext>
+            </a:extLst>
+          </p:cNvPr>
+          <p:cNvSpPr txBox="1"/>
+          <p:nvPr/>
+        </p:nvSpPr>
+        <p:spPr>
+          <a:xfrm>
+            <a:off x="2889094" y="3940196"/>
+            <a:ext cx="649172" cy="215444"/>
+          </a:xfrm>
+          <a:prstGeom prst="rect">
+            <a:avLst/>
+          </a:prstGeom>
+          <a:noFill/>
+        </p:spPr>
+        <p:txBody>
+          <a:bodyPr wrap="square" rtlCol="0">
+            <a:spAutoFit/>
+          </a:bodyPr>
+          <a:lstStyle/>
+          <a:p>
+            <a:r>
+              <a:rPr lang="en-US" altLang="ko-KR" sz="800" b="1" dirty="0">
                 <a:solidFill>
                   <a:srgbClr val="434343"/>
                 </a:solidFill>
-              </a:endParaRPr>
-            </a:p>
-          </p:txBody>
-        </p:sp>
-        <p:sp>
-          <p:nvSpPr>
-            <p:cNvPr id="1072" name="TextBox 1071">
-              <a:extLst>
-                <a:ext uri="{FF2B5EF4-FFF2-40B4-BE49-F238E27FC236}">
-                  <a16:creationId xmlns:a16="http://schemas.microsoft.com/office/drawing/2014/main" id="{79EDFD24-B173-7457-C74D-068A13910FE9}"/>
-                </a:ext>
-              </a:extLst>
-            </p:cNvPr>
-            <p:cNvSpPr txBox="1"/>
-            <p:nvPr/>
-          </p:nvSpPr>
-          <p:spPr>
-            <a:xfrm>
-              <a:off x="2889093" y="4122204"/>
-              <a:ext cx="725139" cy="215444"/>
-            </a:xfrm>
-            <a:prstGeom prst="rect">
-              <a:avLst/>
-            </a:prstGeom>
-            <a:noFill/>
-          </p:spPr>
-          <p:txBody>
-            <a:bodyPr wrap="square" rtlCol="0">
-              <a:spAutoFit/>
-            </a:bodyPr>
-            <a:lstStyle/>
-            <a:p>
-              <a:r>
-                <a:rPr lang="en-US" altLang="ko-KR" sz="800" b="1" dirty="0">
-                  <a:solidFill>
-                    <a:srgbClr val="434343"/>
-                  </a:solidFill>
-                </a:rPr>
-                <a:t>Dog bark</a:t>
-              </a:r>
-              <a:endParaRPr lang="ko-KR" altLang="en-US" sz="800" b="1" dirty="0">
+              </a:rPr>
+              <a:t>Car horn</a:t>
+            </a:r>
+            <a:endParaRPr lang="ko-KR" altLang="en-US" sz="800" b="1" dirty="0">
+              <a:solidFill>
+                <a:srgbClr val="434343"/>
+              </a:solidFill>
+            </a:endParaRPr>
+          </a:p>
+        </p:txBody>
+      </p:sp>
+      <p:sp>
+        <p:nvSpPr>
+          <p:cNvPr id="1072" name="TextBox 1071">
+            <a:extLst>
+              <a:ext uri="{FF2B5EF4-FFF2-40B4-BE49-F238E27FC236}">
+                <a16:creationId xmlns:a16="http://schemas.microsoft.com/office/drawing/2014/main" id="{79EDFD24-B173-7457-C74D-068A13910FE9}"/>
+              </a:ext>
+            </a:extLst>
+          </p:cNvPr>
+          <p:cNvSpPr txBox="1"/>
+          <p:nvPr/>
+        </p:nvSpPr>
+        <p:spPr>
+          <a:xfrm>
+            <a:off x="2889093" y="4122204"/>
+            <a:ext cx="725139" cy="215444"/>
+          </a:xfrm>
+          <a:prstGeom prst="rect">
+            <a:avLst/>
+          </a:prstGeom>
+          <a:noFill/>
+        </p:spPr>
+        <p:txBody>
+          <a:bodyPr wrap="square" rtlCol="0">
+            <a:spAutoFit/>
+          </a:bodyPr>
+          <a:lstStyle/>
+          <a:p>
+            <a:r>
+              <a:rPr lang="en-US" altLang="ko-KR" sz="800" b="1" dirty="0">
                 <a:solidFill>
                   <a:srgbClr val="434343"/>
                 </a:solidFill>
-              </a:endParaRPr>
-            </a:p>
-          </p:txBody>
-        </p:sp>
-        <p:sp>
-          <p:nvSpPr>
-            <p:cNvPr id="1073" name="TextBox 1072">
-              <a:extLst>
-                <a:ext uri="{FF2B5EF4-FFF2-40B4-BE49-F238E27FC236}">
-                  <a16:creationId xmlns:a16="http://schemas.microsoft.com/office/drawing/2014/main" id="{DFFC8856-C670-AF64-4AB7-F828CC750EC5}"/>
-                </a:ext>
-              </a:extLst>
-            </p:cNvPr>
-            <p:cNvSpPr txBox="1"/>
-            <p:nvPr/>
-          </p:nvSpPr>
-          <p:spPr>
-            <a:xfrm>
-              <a:off x="3949937" y="4122204"/>
-              <a:ext cx="725139" cy="215444"/>
-            </a:xfrm>
-            <a:prstGeom prst="rect">
-              <a:avLst/>
-            </a:prstGeom>
-            <a:noFill/>
-          </p:spPr>
-          <p:txBody>
-            <a:bodyPr wrap="square" rtlCol="0">
-              <a:spAutoFit/>
-            </a:bodyPr>
-            <a:lstStyle/>
-            <a:p>
-              <a:r>
-                <a:rPr lang="en-US" altLang="ko-KR" sz="800" b="1" dirty="0">
-                  <a:solidFill>
-                    <a:srgbClr val="434343"/>
-                  </a:solidFill>
-                </a:rPr>
-                <a:t>None</a:t>
-              </a:r>
-              <a:endParaRPr lang="ko-KR" altLang="en-US" sz="800" b="1" dirty="0">
+              </a:rPr>
+              <a:t>Dog bark</a:t>
+            </a:r>
+            <a:endParaRPr lang="ko-KR" altLang="en-US" sz="800" b="1" dirty="0">
+              <a:solidFill>
+                <a:srgbClr val="434343"/>
+              </a:solidFill>
+            </a:endParaRPr>
+          </a:p>
+        </p:txBody>
+      </p:sp>
+      <p:sp>
+        <p:nvSpPr>
+          <p:cNvPr id="1073" name="TextBox 1072">
+            <a:extLst>
+              <a:ext uri="{FF2B5EF4-FFF2-40B4-BE49-F238E27FC236}">
+                <a16:creationId xmlns:a16="http://schemas.microsoft.com/office/drawing/2014/main" id="{DFFC8856-C670-AF64-4AB7-F828CC750EC5}"/>
+              </a:ext>
+            </a:extLst>
+          </p:cNvPr>
+          <p:cNvSpPr txBox="1"/>
+          <p:nvPr/>
+        </p:nvSpPr>
+        <p:spPr>
+          <a:xfrm>
+            <a:off x="3949937" y="4122204"/>
+            <a:ext cx="725139" cy="215444"/>
+          </a:xfrm>
+          <a:prstGeom prst="rect">
+            <a:avLst/>
+          </a:prstGeom>
+          <a:noFill/>
+        </p:spPr>
+        <p:txBody>
+          <a:bodyPr wrap="square" rtlCol="0">
+            <a:spAutoFit/>
+          </a:bodyPr>
+          <a:lstStyle/>
+          <a:p>
+            <a:r>
+              <a:rPr lang="en-US" altLang="ko-KR" sz="800" b="1" dirty="0">
                 <a:solidFill>
                   <a:srgbClr val="434343"/>
                 </a:solidFill>
-              </a:endParaRPr>
-            </a:p>
-          </p:txBody>
-        </p:sp>
-        <p:sp>
-          <p:nvSpPr>
-            <p:cNvPr id="1074" name="TextBox 1073">
-              <a:extLst>
-                <a:ext uri="{FF2B5EF4-FFF2-40B4-BE49-F238E27FC236}">
-                  <a16:creationId xmlns:a16="http://schemas.microsoft.com/office/drawing/2014/main" id="{C7B940AE-7E1A-9554-41BD-15EC47E2BFEF}"/>
-                </a:ext>
-              </a:extLst>
-            </p:cNvPr>
-            <p:cNvSpPr txBox="1"/>
-            <p:nvPr/>
-          </p:nvSpPr>
-          <p:spPr>
-            <a:xfrm>
-              <a:off x="3949937" y="3945491"/>
-              <a:ext cx="725139" cy="215444"/>
-            </a:xfrm>
-            <a:prstGeom prst="rect">
-              <a:avLst/>
-            </a:prstGeom>
-            <a:noFill/>
-          </p:spPr>
-          <p:txBody>
-            <a:bodyPr wrap="square" rtlCol="0">
-              <a:spAutoFit/>
-            </a:bodyPr>
-            <a:lstStyle/>
-            <a:p>
-              <a:r>
-                <a:rPr lang="en-US" altLang="ko-KR" sz="800" b="1" dirty="0">
-                  <a:solidFill>
-                    <a:srgbClr val="434343"/>
-                  </a:solidFill>
-                </a:rPr>
-                <a:t>Siren</a:t>
-              </a:r>
-              <a:endParaRPr lang="ko-KR" altLang="en-US" sz="800" b="1" dirty="0">
+              </a:rPr>
+              <a:t>None</a:t>
+            </a:r>
+            <a:endParaRPr lang="ko-KR" altLang="en-US" sz="800" b="1" dirty="0">
+              <a:solidFill>
+                <a:srgbClr val="434343"/>
+              </a:solidFill>
+            </a:endParaRPr>
+          </a:p>
+        </p:txBody>
+      </p:sp>
+      <p:sp>
+        <p:nvSpPr>
+          <p:cNvPr id="1074" name="TextBox 1073">
+            <a:extLst>
+              <a:ext uri="{FF2B5EF4-FFF2-40B4-BE49-F238E27FC236}">
+                <a16:creationId xmlns:a16="http://schemas.microsoft.com/office/drawing/2014/main" id="{C7B940AE-7E1A-9554-41BD-15EC47E2BFEF}"/>
+              </a:ext>
+            </a:extLst>
+          </p:cNvPr>
+          <p:cNvSpPr txBox="1"/>
+          <p:nvPr/>
+        </p:nvSpPr>
+        <p:spPr>
+          <a:xfrm>
+            <a:off x="3949937" y="3945491"/>
+            <a:ext cx="725139" cy="215444"/>
+          </a:xfrm>
+          <a:prstGeom prst="rect">
+            <a:avLst/>
+          </a:prstGeom>
+          <a:noFill/>
+        </p:spPr>
+        <p:txBody>
+          <a:bodyPr wrap="square" rtlCol="0">
+            <a:spAutoFit/>
+          </a:bodyPr>
+          <a:lstStyle/>
+          <a:p>
+            <a:r>
+              <a:rPr lang="en-US" altLang="ko-KR" sz="800" b="1" dirty="0">
                 <a:solidFill>
                   <a:srgbClr val="434343"/>
                 </a:solidFill>
-              </a:endParaRPr>
-            </a:p>
-          </p:txBody>
-        </p:sp>
-        <p:sp>
-          <p:nvSpPr>
-            <p:cNvPr id="1075" name="TextBox 1074">
-              <a:extLst>
-                <a:ext uri="{FF2B5EF4-FFF2-40B4-BE49-F238E27FC236}">
-                  <a16:creationId xmlns:a16="http://schemas.microsoft.com/office/drawing/2014/main" id="{27D3001C-9971-17E9-1762-692FF1416586}"/>
-                </a:ext>
-              </a:extLst>
-            </p:cNvPr>
-            <p:cNvSpPr txBox="1"/>
-            <p:nvPr/>
-          </p:nvSpPr>
-          <p:spPr>
-            <a:xfrm>
-              <a:off x="3538267" y="3940196"/>
-              <a:ext cx="411670" cy="215444"/>
-            </a:xfrm>
-            <a:prstGeom prst="rect">
-              <a:avLst/>
-            </a:prstGeom>
-            <a:noFill/>
-          </p:spPr>
-          <p:txBody>
-            <a:bodyPr wrap="square" rtlCol="0">
-              <a:spAutoFit/>
-            </a:bodyPr>
-            <a:lstStyle/>
-            <a:p>
-              <a:pPr algn="r"/>
-              <a:r>
-                <a:rPr lang="en-US" altLang="ko-KR" sz="800" dirty="0">
-                  <a:solidFill>
-                    <a:srgbClr val="434343"/>
-                  </a:solidFill>
-                </a:rPr>
-                <a:t>94%</a:t>
-              </a:r>
-              <a:endParaRPr lang="ko-KR" altLang="en-US" sz="800" dirty="0">
+              </a:rPr>
+              <a:t>Siren</a:t>
+            </a:r>
+            <a:endParaRPr lang="ko-KR" altLang="en-US" sz="800" b="1" dirty="0">
+              <a:solidFill>
+                <a:srgbClr val="434343"/>
+              </a:solidFill>
+            </a:endParaRPr>
+          </a:p>
+        </p:txBody>
+      </p:sp>
+      <p:sp>
+        <p:nvSpPr>
+          <p:cNvPr id="1075" name="TextBox 1074">
+            <a:extLst>
+              <a:ext uri="{FF2B5EF4-FFF2-40B4-BE49-F238E27FC236}">
+                <a16:creationId xmlns:a16="http://schemas.microsoft.com/office/drawing/2014/main" id="{27D3001C-9971-17E9-1762-692FF1416586}"/>
+              </a:ext>
+            </a:extLst>
+          </p:cNvPr>
+          <p:cNvSpPr txBox="1"/>
+          <p:nvPr/>
+        </p:nvSpPr>
+        <p:spPr>
+          <a:xfrm>
+            <a:off x="3538267" y="3940196"/>
+            <a:ext cx="411670" cy="215444"/>
+          </a:xfrm>
+          <a:prstGeom prst="rect">
+            <a:avLst/>
+          </a:prstGeom>
+          <a:noFill/>
+        </p:spPr>
+        <p:txBody>
+          <a:bodyPr wrap="square" rtlCol="0">
+            <a:spAutoFit/>
+          </a:bodyPr>
+          <a:lstStyle/>
+          <a:p>
+            <a:pPr algn="r"/>
+            <a:r>
+              <a:rPr lang="en-US" altLang="ko-KR" sz="800" dirty="0">
                 <a:solidFill>
                   <a:srgbClr val="434343"/>
                 </a:solidFill>
-              </a:endParaRPr>
-            </a:p>
-          </p:txBody>
-        </p:sp>
-        <p:sp>
-          <p:nvSpPr>
-            <p:cNvPr id="1076" name="TextBox 1075">
-              <a:extLst>
-                <a:ext uri="{FF2B5EF4-FFF2-40B4-BE49-F238E27FC236}">
-                  <a16:creationId xmlns:a16="http://schemas.microsoft.com/office/drawing/2014/main" id="{4A4764AD-D8B1-0C72-A6C8-2F25C0ED4EF7}"/>
-                </a:ext>
-              </a:extLst>
-            </p:cNvPr>
-            <p:cNvSpPr txBox="1"/>
-            <p:nvPr/>
-          </p:nvSpPr>
-          <p:spPr>
-            <a:xfrm>
-              <a:off x="3538267" y="4116909"/>
-              <a:ext cx="411670" cy="215444"/>
-            </a:xfrm>
-            <a:prstGeom prst="rect">
-              <a:avLst/>
-            </a:prstGeom>
-            <a:noFill/>
-          </p:spPr>
-          <p:txBody>
-            <a:bodyPr wrap="square" rtlCol="0">
-              <a:spAutoFit/>
-            </a:bodyPr>
-            <a:lstStyle/>
-            <a:p>
-              <a:pPr algn="r"/>
-              <a:r>
-                <a:rPr lang="en-US" altLang="ko-KR" sz="800" dirty="0">
-                  <a:solidFill>
-                    <a:srgbClr val="434343"/>
-                  </a:solidFill>
-                </a:rPr>
-                <a:t>1%</a:t>
-              </a:r>
-              <a:endParaRPr lang="ko-KR" altLang="en-US" sz="800" dirty="0">
+              </a:rPr>
+              <a:t>94%</a:t>
+            </a:r>
+            <a:endParaRPr lang="ko-KR" altLang="en-US" sz="800" dirty="0">
+              <a:solidFill>
+                <a:srgbClr val="434343"/>
+              </a:solidFill>
+            </a:endParaRPr>
+          </a:p>
+        </p:txBody>
+      </p:sp>
+      <p:sp>
+        <p:nvSpPr>
+          <p:cNvPr id="1076" name="TextBox 1075">
+            <a:extLst>
+              <a:ext uri="{FF2B5EF4-FFF2-40B4-BE49-F238E27FC236}">
+                <a16:creationId xmlns:a16="http://schemas.microsoft.com/office/drawing/2014/main" id="{4A4764AD-D8B1-0C72-A6C8-2F25C0ED4EF7}"/>
+              </a:ext>
+            </a:extLst>
+          </p:cNvPr>
+          <p:cNvSpPr txBox="1"/>
+          <p:nvPr/>
+        </p:nvSpPr>
+        <p:spPr>
+          <a:xfrm>
+            <a:off x="3538267" y="4116909"/>
+            <a:ext cx="411670" cy="215444"/>
+          </a:xfrm>
+          <a:prstGeom prst="rect">
+            <a:avLst/>
+          </a:prstGeom>
+          <a:noFill/>
+        </p:spPr>
+        <p:txBody>
+          <a:bodyPr wrap="square" rtlCol="0">
+            <a:spAutoFit/>
+          </a:bodyPr>
+          <a:lstStyle/>
+          <a:p>
+            <a:pPr algn="r"/>
+            <a:r>
+              <a:rPr lang="en-US" altLang="ko-KR" sz="800" dirty="0">
                 <a:solidFill>
                   <a:srgbClr val="434343"/>
                 </a:solidFill>
-              </a:endParaRPr>
-            </a:p>
-          </p:txBody>
-        </p:sp>
-        <p:sp>
-          <p:nvSpPr>
-            <p:cNvPr id="1077" name="TextBox 1076">
-              <a:extLst>
-                <a:ext uri="{FF2B5EF4-FFF2-40B4-BE49-F238E27FC236}">
-                  <a16:creationId xmlns:a16="http://schemas.microsoft.com/office/drawing/2014/main" id="{63A58C73-C5B4-B171-E812-EDCABFF77B0E}"/>
-                </a:ext>
-              </a:extLst>
-            </p:cNvPr>
-            <p:cNvSpPr txBox="1"/>
-            <p:nvPr/>
-          </p:nvSpPr>
-          <p:spPr>
-            <a:xfrm>
-              <a:off x="4469492" y="3940196"/>
-              <a:ext cx="411670" cy="215444"/>
-            </a:xfrm>
-            <a:prstGeom prst="rect">
-              <a:avLst/>
-            </a:prstGeom>
-            <a:noFill/>
-          </p:spPr>
-          <p:txBody>
-            <a:bodyPr wrap="square" rtlCol="0">
-              <a:spAutoFit/>
-            </a:bodyPr>
-            <a:lstStyle/>
-            <a:p>
-              <a:pPr algn="r"/>
-              <a:r>
-                <a:rPr lang="en-US" altLang="ko-KR" sz="800" dirty="0">
-                  <a:solidFill>
-                    <a:srgbClr val="434343"/>
-                  </a:solidFill>
-                </a:rPr>
-                <a:t>2%</a:t>
-              </a:r>
-              <a:endParaRPr lang="ko-KR" altLang="en-US" sz="800" dirty="0">
+              </a:rPr>
+              <a:t>1%</a:t>
+            </a:r>
+            <a:endParaRPr lang="ko-KR" altLang="en-US" sz="800" dirty="0">
+              <a:solidFill>
+                <a:srgbClr val="434343"/>
+              </a:solidFill>
+            </a:endParaRPr>
+          </a:p>
+        </p:txBody>
+      </p:sp>
+      <p:sp>
+        <p:nvSpPr>
+          <p:cNvPr id="1077" name="TextBox 1076">
+            <a:extLst>
+              <a:ext uri="{FF2B5EF4-FFF2-40B4-BE49-F238E27FC236}">
+                <a16:creationId xmlns:a16="http://schemas.microsoft.com/office/drawing/2014/main" id="{63A58C73-C5B4-B171-E812-EDCABFF77B0E}"/>
+              </a:ext>
+            </a:extLst>
+          </p:cNvPr>
+          <p:cNvSpPr txBox="1"/>
+          <p:nvPr/>
+        </p:nvSpPr>
+        <p:spPr>
+          <a:xfrm>
+            <a:off x="4469492" y="3940196"/>
+            <a:ext cx="411670" cy="215444"/>
+          </a:xfrm>
+          <a:prstGeom prst="rect">
+            <a:avLst/>
+          </a:prstGeom>
+          <a:noFill/>
+        </p:spPr>
+        <p:txBody>
+          <a:bodyPr wrap="square" rtlCol="0">
+            <a:spAutoFit/>
+          </a:bodyPr>
+          <a:lstStyle/>
+          <a:p>
+            <a:pPr algn="r"/>
+            <a:r>
+              <a:rPr lang="en-US" altLang="ko-KR" sz="800" dirty="0">
                 <a:solidFill>
                   <a:srgbClr val="434343"/>
                 </a:solidFill>
-              </a:endParaRPr>
-            </a:p>
-          </p:txBody>
-        </p:sp>
-        <p:sp>
-          <p:nvSpPr>
-            <p:cNvPr id="1078" name="TextBox 1077">
-              <a:extLst>
-                <a:ext uri="{FF2B5EF4-FFF2-40B4-BE49-F238E27FC236}">
-                  <a16:creationId xmlns:a16="http://schemas.microsoft.com/office/drawing/2014/main" id="{7637972E-104F-BC7F-D929-89AA5910DDE5}"/>
-                </a:ext>
-              </a:extLst>
-            </p:cNvPr>
-            <p:cNvSpPr txBox="1"/>
-            <p:nvPr/>
-          </p:nvSpPr>
-          <p:spPr>
-            <a:xfrm>
-              <a:off x="4469492" y="4116909"/>
-              <a:ext cx="411670" cy="215444"/>
-            </a:xfrm>
-            <a:prstGeom prst="rect">
-              <a:avLst/>
-            </a:prstGeom>
-            <a:noFill/>
-          </p:spPr>
-          <p:txBody>
-            <a:bodyPr wrap="square" rtlCol="0">
-              <a:spAutoFit/>
-            </a:bodyPr>
-            <a:lstStyle/>
-            <a:p>
-              <a:pPr algn="r"/>
-              <a:r>
-                <a:rPr lang="en-US" altLang="ko-KR" sz="800" dirty="0">
-                  <a:solidFill>
-                    <a:srgbClr val="434343"/>
-                  </a:solidFill>
-                </a:rPr>
-                <a:t>3%</a:t>
-              </a:r>
-              <a:endParaRPr lang="ko-KR" altLang="en-US" sz="800" dirty="0">
+              </a:rPr>
+              <a:t>2%</a:t>
+            </a:r>
+            <a:endParaRPr lang="ko-KR" altLang="en-US" sz="800" dirty="0">
+              <a:solidFill>
+                <a:srgbClr val="434343"/>
+              </a:solidFill>
+            </a:endParaRPr>
+          </a:p>
+        </p:txBody>
+      </p:sp>
+      <p:sp>
+        <p:nvSpPr>
+          <p:cNvPr id="1078" name="TextBox 1077">
+            <a:extLst>
+              <a:ext uri="{FF2B5EF4-FFF2-40B4-BE49-F238E27FC236}">
+                <a16:creationId xmlns:a16="http://schemas.microsoft.com/office/drawing/2014/main" id="{7637972E-104F-BC7F-D929-89AA5910DDE5}"/>
+              </a:ext>
+            </a:extLst>
+          </p:cNvPr>
+          <p:cNvSpPr txBox="1"/>
+          <p:nvPr/>
+        </p:nvSpPr>
+        <p:spPr>
+          <a:xfrm>
+            <a:off x="4469492" y="4116909"/>
+            <a:ext cx="411670" cy="215444"/>
+          </a:xfrm>
+          <a:prstGeom prst="rect">
+            <a:avLst/>
+          </a:prstGeom>
+          <a:noFill/>
+        </p:spPr>
+        <p:txBody>
+          <a:bodyPr wrap="square" rtlCol="0">
+            <a:spAutoFit/>
+          </a:bodyPr>
+          <a:lstStyle/>
+          <a:p>
+            <a:pPr algn="r"/>
+            <a:r>
+              <a:rPr lang="en-US" altLang="ko-KR" sz="800" dirty="0">
                 <a:solidFill>
                   <a:srgbClr val="434343"/>
                 </a:solidFill>
-              </a:endParaRPr>
-            </a:p>
-          </p:txBody>
-        </p:sp>
-        <p:sp>
-          <p:nvSpPr>
-            <p:cNvPr id="1079" name="직사각형 1078">
-              <a:extLst>
-                <a:ext uri="{FF2B5EF4-FFF2-40B4-BE49-F238E27FC236}">
-                  <a16:creationId xmlns:a16="http://schemas.microsoft.com/office/drawing/2014/main" id="{D9A2B972-0113-9049-BD57-23CC2F90F4C0}"/>
-                </a:ext>
-              </a:extLst>
-            </p:cNvPr>
-            <p:cNvSpPr/>
-            <p:nvPr/>
-          </p:nvSpPr>
-          <p:spPr>
-            <a:xfrm>
-              <a:off x="2889094" y="2594457"/>
-              <a:ext cx="2045488" cy="1266333"/>
-            </a:xfrm>
-            <a:prstGeom prst="rect">
-              <a:avLst/>
-            </a:prstGeom>
+              </a:rPr>
+              <a:t>3%</a:t>
+            </a:r>
+            <a:endParaRPr lang="ko-KR" altLang="en-US" sz="800" dirty="0">
+              <a:solidFill>
+                <a:srgbClr val="434343"/>
+              </a:solidFill>
+            </a:endParaRPr>
+          </a:p>
+        </p:txBody>
+      </p:sp>
+      <p:sp>
+        <p:nvSpPr>
+          <p:cNvPr id="1079" name="직사각형 1078">
+            <a:extLst>
+              <a:ext uri="{FF2B5EF4-FFF2-40B4-BE49-F238E27FC236}">
+                <a16:creationId xmlns:a16="http://schemas.microsoft.com/office/drawing/2014/main" id="{D9A2B972-0113-9049-BD57-23CC2F90F4C0}"/>
+              </a:ext>
+            </a:extLst>
+          </p:cNvPr>
+          <p:cNvSpPr/>
+          <p:nvPr/>
+        </p:nvSpPr>
+        <p:spPr>
+          <a:xfrm>
+            <a:off x="2889094" y="2594457"/>
+            <a:ext cx="2045488" cy="1266333"/>
+          </a:xfrm>
+          <a:prstGeom prst="rect">
+            <a:avLst/>
+          </a:prstGeom>
+          <a:solidFill>
+            <a:srgbClr val="DADDFC"/>
+          </a:solidFill>
+          <a:ln>
+            <a:noFill/>
+          </a:ln>
+        </p:spPr>
+        <p:style>
+          <a:lnRef idx="2">
+            <a:schemeClr val="accent1">
+              <a:shade val="15000"/>
+            </a:schemeClr>
+          </a:lnRef>
+          <a:fillRef idx="1">
+            <a:schemeClr val="accent1"/>
+          </a:fillRef>
+          <a:effectRef idx="0">
+            <a:schemeClr val="accent1"/>
+          </a:effectRef>
+          <a:fontRef idx="minor">
+            <a:schemeClr val="lt1"/>
+          </a:fontRef>
+        </p:style>
+        <p:txBody>
+          <a:bodyPr rtlCol="0" anchor="ctr"/>
+          <a:lstStyle/>
+          <a:p>
+            <a:pPr algn="ctr"/>
+            <a:endParaRPr lang="ko-KR" altLang="en-US"/>
+          </a:p>
+        </p:txBody>
+      </p:sp>
+      <p:cxnSp>
+        <p:nvCxnSpPr>
+          <p:cNvPr id="1080" name="직선 연결선 1079">
+            <a:extLst>
+              <a:ext uri="{FF2B5EF4-FFF2-40B4-BE49-F238E27FC236}">
+                <a16:creationId xmlns:a16="http://schemas.microsoft.com/office/drawing/2014/main" id="{96532683-2864-CC4D-8A15-982777078ACB}"/>
+              </a:ext>
+            </a:extLst>
+          </p:cNvPr>
+          <p:cNvCxnSpPr>
+            <a:cxnSpLocks/>
+          </p:cNvCxnSpPr>
+          <p:nvPr/>
+        </p:nvCxnSpPr>
+        <p:spPr>
+          <a:xfrm>
+            <a:off x="2918462" y="3227623"/>
+            <a:ext cx="0" cy="57150"/>
+          </a:xfrm>
+          <a:prstGeom prst="line">
+            <a:avLst/>
+          </a:prstGeom>
+          <a:ln w="19050">
             <a:solidFill>
-              <a:srgbClr val="DADDFC"/>
+              <a:srgbClr val="64A39B"/>
             </a:solidFill>
-            <a:ln>
-              <a:noFill/>
-            </a:ln>
-          </p:spPr>
-          <p:style>
-            <a:lnRef idx="2">
-              <a:schemeClr val="accent1">
-                <a:shade val="15000"/>
-              </a:schemeClr>
-            </a:lnRef>
-            <a:fillRef idx="1">
-              <a:schemeClr val="accent1"/>
-            </a:fillRef>
-            <a:effectRef idx="0">
-              <a:schemeClr val="accent1"/>
-            </a:effectRef>
-            <a:fontRef idx="minor">
-              <a:schemeClr val="lt1"/>
-            </a:fontRef>
-          </p:style>
-          <p:txBody>
-            <a:bodyPr rtlCol="0" anchor="ctr"/>
-            <a:lstStyle/>
-            <a:p>
-              <a:pPr algn="ctr"/>
-              <a:endParaRPr lang="ko-KR" altLang="en-US"/>
-            </a:p>
-          </p:txBody>
-        </p:sp>
-        <p:cxnSp>
-          <p:nvCxnSpPr>
-            <p:cNvPr id="1080" name="직선 연결선 1079">
-              <a:extLst>
-                <a:ext uri="{FF2B5EF4-FFF2-40B4-BE49-F238E27FC236}">
-                  <a16:creationId xmlns:a16="http://schemas.microsoft.com/office/drawing/2014/main" id="{96532683-2864-CC4D-8A15-982777078ACB}"/>
-                </a:ext>
-              </a:extLst>
-            </p:cNvPr>
-            <p:cNvCxnSpPr>
-              <a:cxnSpLocks/>
-            </p:cNvCxnSpPr>
-            <p:nvPr/>
-          </p:nvCxnSpPr>
-          <p:spPr>
-            <a:xfrm>
-              <a:off x="2918462" y="3227623"/>
-              <a:ext cx="0" cy="57150"/>
-            </a:xfrm>
-            <a:prstGeom prst="line">
-              <a:avLst/>
-            </a:prstGeom>
-            <a:ln w="19050">
-              <a:solidFill>
-                <a:srgbClr val="234047"/>
-              </a:solidFill>
-            </a:ln>
-          </p:spPr>
-          <p:style>
-            <a:lnRef idx="1">
-              <a:schemeClr val="accent1"/>
-            </a:lnRef>
-            <a:fillRef idx="0">
-              <a:schemeClr val="accent1"/>
-            </a:fillRef>
-            <a:effectRef idx="0">
-              <a:schemeClr val="accent1"/>
-            </a:effectRef>
-            <a:fontRef idx="minor">
-              <a:schemeClr val="tx1"/>
-            </a:fontRef>
-          </p:style>
-        </p:cxnSp>
-        <p:cxnSp>
-          <p:nvCxnSpPr>
-            <p:cNvPr id="1081" name="직선 연결선 1080">
-              <a:extLst>
-                <a:ext uri="{FF2B5EF4-FFF2-40B4-BE49-F238E27FC236}">
-                  <a16:creationId xmlns:a16="http://schemas.microsoft.com/office/drawing/2014/main" id="{50EA9835-2346-06AF-4667-C10EA0E4247C}"/>
-                </a:ext>
-              </a:extLst>
-            </p:cNvPr>
-            <p:cNvCxnSpPr>
-              <a:cxnSpLocks/>
-            </p:cNvCxnSpPr>
-            <p:nvPr/>
-          </p:nvCxnSpPr>
-          <p:spPr>
-            <a:xfrm>
-              <a:off x="2954181" y="3227623"/>
-              <a:ext cx="0" cy="57150"/>
-            </a:xfrm>
-            <a:prstGeom prst="line">
-              <a:avLst/>
-            </a:prstGeom>
-            <a:ln w="19050">
-              <a:solidFill>
-                <a:srgbClr val="234047"/>
-              </a:solidFill>
-            </a:ln>
-          </p:spPr>
-          <p:style>
-            <a:lnRef idx="1">
-              <a:schemeClr val="accent1"/>
-            </a:lnRef>
-            <a:fillRef idx="0">
-              <a:schemeClr val="accent1"/>
-            </a:fillRef>
-            <a:effectRef idx="0">
-              <a:schemeClr val="accent1"/>
-            </a:effectRef>
-            <a:fontRef idx="minor">
-              <a:schemeClr val="tx1"/>
-            </a:fontRef>
-          </p:style>
-        </p:cxnSp>
-        <p:cxnSp>
-          <p:nvCxnSpPr>
-            <p:cNvPr id="1082" name="직선 연결선 1081">
-              <a:extLst>
-                <a:ext uri="{FF2B5EF4-FFF2-40B4-BE49-F238E27FC236}">
-                  <a16:creationId xmlns:a16="http://schemas.microsoft.com/office/drawing/2014/main" id="{00BCACB3-28F9-315B-C6D1-8AC65A21D6B5}"/>
-                </a:ext>
-              </a:extLst>
-            </p:cNvPr>
-            <p:cNvCxnSpPr>
-              <a:cxnSpLocks/>
-            </p:cNvCxnSpPr>
-            <p:nvPr/>
-          </p:nvCxnSpPr>
-          <p:spPr>
-            <a:xfrm>
-              <a:off x="2987518" y="3227623"/>
-              <a:ext cx="0" cy="57150"/>
-            </a:xfrm>
-            <a:prstGeom prst="line">
-              <a:avLst/>
-            </a:prstGeom>
-            <a:ln w="19050">
-              <a:solidFill>
-                <a:srgbClr val="234047"/>
-              </a:solidFill>
-            </a:ln>
-          </p:spPr>
-          <p:style>
-            <a:lnRef idx="1">
-              <a:schemeClr val="accent1"/>
-            </a:lnRef>
-            <a:fillRef idx="0">
-              <a:schemeClr val="accent1"/>
-            </a:fillRef>
-            <a:effectRef idx="0">
-              <a:schemeClr val="accent1"/>
-            </a:effectRef>
-            <a:fontRef idx="minor">
-              <a:schemeClr val="tx1"/>
-            </a:fontRef>
-          </p:style>
-        </p:cxnSp>
-        <p:cxnSp>
-          <p:nvCxnSpPr>
-            <p:cNvPr id="1083" name="직선 연결선 1082">
-              <a:extLst>
-                <a:ext uri="{FF2B5EF4-FFF2-40B4-BE49-F238E27FC236}">
-                  <a16:creationId xmlns:a16="http://schemas.microsoft.com/office/drawing/2014/main" id="{70766EC7-833E-CB62-07E1-76FA5CEE97F3}"/>
-                </a:ext>
-              </a:extLst>
-            </p:cNvPr>
-            <p:cNvCxnSpPr>
-              <a:cxnSpLocks/>
-            </p:cNvCxnSpPr>
-            <p:nvPr/>
-          </p:nvCxnSpPr>
-          <p:spPr>
-            <a:xfrm>
-              <a:off x="3023237" y="3227623"/>
-              <a:ext cx="0" cy="57150"/>
-            </a:xfrm>
-            <a:prstGeom prst="line">
-              <a:avLst/>
-            </a:prstGeom>
-            <a:ln w="19050">
-              <a:solidFill>
-                <a:srgbClr val="234047"/>
-              </a:solidFill>
-            </a:ln>
-          </p:spPr>
-          <p:style>
-            <a:lnRef idx="1">
-              <a:schemeClr val="accent1"/>
-            </a:lnRef>
-            <a:fillRef idx="0">
-              <a:schemeClr val="accent1"/>
-            </a:fillRef>
-            <a:effectRef idx="0">
-              <a:schemeClr val="accent1"/>
-            </a:effectRef>
-            <a:fontRef idx="minor">
-              <a:schemeClr val="tx1"/>
-            </a:fontRef>
-          </p:style>
-        </p:cxnSp>
-        <p:cxnSp>
-          <p:nvCxnSpPr>
-            <p:cNvPr id="1084" name="직선 연결선 1083">
-              <a:extLst>
-                <a:ext uri="{FF2B5EF4-FFF2-40B4-BE49-F238E27FC236}">
-                  <a16:creationId xmlns:a16="http://schemas.microsoft.com/office/drawing/2014/main" id="{5B7B67EA-44BB-3403-70D1-B012E3DBA0E6}"/>
-                </a:ext>
-              </a:extLst>
-            </p:cNvPr>
-            <p:cNvCxnSpPr>
-              <a:cxnSpLocks/>
-            </p:cNvCxnSpPr>
-            <p:nvPr/>
-          </p:nvCxnSpPr>
-          <p:spPr>
-            <a:xfrm>
-              <a:off x="3058956" y="3216368"/>
-              <a:ext cx="0" cy="78295"/>
-            </a:xfrm>
-            <a:prstGeom prst="line">
-              <a:avLst/>
-            </a:prstGeom>
-            <a:ln w="19050">
-              <a:solidFill>
-                <a:srgbClr val="234047"/>
-              </a:solidFill>
-            </a:ln>
-          </p:spPr>
-          <p:style>
-            <a:lnRef idx="1">
-              <a:schemeClr val="accent1"/>
-            </a:lnRef>
-            <a:fillRef idx="0">
-              <a:schemeClr val="accent1"/>
-            </a:fillRef>
-            <a:effectRef idx="0">
-              <a:schemeClr val="accent1"/>
-            </a:effectRef>
-            <a:fontRef idx="minor">
-              <a:schemeClr val="tx1"/>
-            </a:fontRef>
-          </p:style>
-        </p:cxnSp>
-        <p:cxnSp>
-          <p:nvCxnSpPr>
-            <p:cNvPr id="1085" name="직선 연결선 1084">
-              <a:extLst>
-                <a:ext uri="{FF2B5EF4-FFF2-40B4-BE49-F238E27FC236}">
-                  <a16:creationId xmlns:a16="http://schemas.microsoft.com/office/drawing/2014/main" id="{600B07CD-0DC7-6B1C-4384-AF945D620DC3}"/>
-                </a:ext>
-              </a:extLst>
-            </p:cNvPr>
-            <p:cNvCxnSpPr>
-              <a:cxnSpLocks/>
-            </p:cNvCxnSpPr>
-            <p:nvPr/>
-          </p:nvCxnSpPr>
-          <p:spPr>
-            <a:xfrm>
-              <a:off x="3094675" y="3199191"/>
-              <a:ext cx="0" cy="114014"/>
-            </a:xfrm>
-            <a:prstGeom prst="line">
-              <a:avLst/>
-            </a:prstGeom>
-            <a:ln w="19050">
-              <a:solidFill>
-                <a:srgbClr val="234047"/>
-              </a:solidFill>
-            </a:ln>
-          </p:spPr>
-          <p:style>
-            <a:lnRef idx="1">
-              <a:schemeClr val="accent1"/>
-            </a:lnRef>
-            <a:fillRef idx="0">
-              <a:schemeClr val="accent1"/>
-            </a:fillRef>
-            <a:effectRef idx="0">
-              <a:schemeClr val="accent1"/>
-            </a:effectRef>
-            <a:fontRef idx="minor">
-              <a:schemeClr val="tx1"/>
-            </a:fontRef>
-          </p:style>
-        </p:cxnSp>
-        <p:cxnSp>
-          <p:nvCxnSpPr>
-            <p:cNvPr id="1086" name="직선 연결선 1085">
-              <a:extLst>
-                <a:ext uri="{FF2B5EF4-FFF2-40B4-BE49-F238E27FC236}">
-                  <a16:creationId xmlns:a16="http://schemas.microsoft.com/office/drawing/2014/main" id="{8941A7E9-D770-5C10-81F1-F53AFBFD70AA}"/>
-                </a:ext>
-              </a:extLst>
-            </p:cNvPr>
-            <p:cNvCxnSpPr>
-              <a:cxnSpLocks/>
-            </p:cNvCxnSpPr>
-            <p:nvPr/>
-          </p:nvCxnSpPr>
-          <p:spPr>
-            <a:xfrm>
-              <a:off x="3128012" y="3180141"/>
-              <a:ext cx="0" cy="154352"/>
-            </a:xfrm>
-            <a:prstGeom prst="line">
-              <a:avLst/>
-            </a:prstGeom>
-            <a:ln w="19050">
-              <a:solidFill>
-                <a:srgbClr val="234047"/>
-              </a:solidFill>
-            </a:ln>
-          </p:spPr>
-          <p:style>
-            <a:lnRef idx="1">
-              <a:schemeClr val="accent1"/>
-            </a:lnRef>
-            <a:fillRef idx="0">
-              <a:schemeClr val="accent1"/>
-            </a:fillRef>
-            <a:effectRef idx="0">
-              <a:schemeClr val="accent1"/>
-            </a:effectRef>
-            <a:fontRef idx="minor">
-              <a:schemeClr val="tx1"/>
-            </a:fontRef>
-          </p:style>
-        </p:cxnSp>
-        <p:cxnSp>
-          <p:nvCxnSpPr>
-            <p:cNvPr id="1087" name="직선 연결선 1086">
-              <a:extLst>
-                <a:ext uri="{FF2B5EF4-FFF2-40B4-BE49-F238E27FC236}">
-                  <a16:creationId xmlns:a16="http://schemas.microsoft.com/office/drawing/2014/main" id="{5DEDC3B1-2984-A504-7B44-350EED8C1621}"/>
-                </a:ext>
-              </a:extLst>
-            </p:cNvPr>
-            <p:cNvCxnSpPr>
-              <a:cxnSpLocks/>
-            </p:cNvCxnSpPr>
-            <p:nvPr/>
-          </p:nvCxnSpPr>
-          <p:spPr>
-            <a:xfrm>
-              <a:off x="3163731" y="3203953"/>
-              <a:ext cx="0" cy="104489"/>
-            </a:xfrm>
-            <a:prstGeom prst="line">
-              <a:avLst/>
-            </a:prstGeom>
-            <a:ln w="19050">
-              <a:solidFill>
-                <a:srgbClr val="234047"/>
-              </a:solidFill>
-            </a:ln>
-          </p:spPr>
-          <p:style>
-            <a:lnRef idx="1">
-              <a:schemeClr val="accent1"/>
-            </a:lnRef>
-            <a:fillRef idx="0">
-              <a:schemeClr val="accent1"/>
-            </a:fillRef>
-            <a:effectRef idx="0">
-              <a:schemeClr val="accent1"/>
-            </a:effectRef>
-            <a:fontRef idx="minor">
-              <a:schemeClr val="tx1"/>
-            </a:fontRef>
-          </p:style>
-        </p:cxnSp>
-        <p:cxnSp>
-          <p:nvCxnSpPr>
-            <p:cNvPr id="2434" name="직선 연결선 2433">
-              <a:extLst>
-                <a:ext uri="{FF2B5EF4-FFF2-40B4-BE49-F238E27FC236}">
-                  <a16:creationId xmlns:a16="http://schemas.microsoft.com/office/drawing/2014/main" id="{F81BE180-A962-DFA4-2709-5117CC7A4F10}"/>
-                </a:ext>
-              </a:extLst>
-            </p:cNvPr>
-            <p:cNvCxnSpPr>
-              <a:cxnSpLocks/>
-            </p:cNvCxnSpPr>
-            <p:nvPr/>
-          </p:nvCxnSpPr>
-          <p:spPr>
-            <a:xfrm>
-              <a:off x="3197068" y="3222861"/>
-              <a:ext cx="0" cy="71580"/>
-            </a:xfrm>
-            <a:prstGeom prst="line">
-              <a:avLst/>
-            </a:prstGeom>
-            <a:ln w="19050">
-              <a:solidFill>
-                <a:srgbClr val="234047"/>
-              </a:solidFill>
-            </a:ln>
-          </p:spPr>
-          <p:style>
-            <a:lnRef idx="1">
-              <a:schemeClr val="accent1"/>
-            </a:lnRef>
-            <a:fillRef idx="0">
-              <a:schemeClr val="accent1"/>
-            </a:fillRef>
-            <a:effectRef idx="0">
-              <a:schemeClr val="accent1"/>
-            </a:effectRef>
-            <a:fontRef idx="minor">
-              <a:schemeClr val="tx1"/>
-            </a:fontRef>
-          </p:style>
-        </p:cxnSp>
-        <p:cxnSp>
-          <p:nvCxnSpPr>
-            <p:cNvPr id="2437" name="직선 연결선 2436">
-              <a:extLst>
-                <a:ext uri="{FF2B5EF4-FFF2-40B4-BE49-F238E27FC236}">
-                  <a16:creationId xmlns:a16="http://schemas.microsoft.com/office/drawing/2014/main" id="{3128E1CD-0D9D-6159-C760-8F857C06D817}"/>
-                </a:ext>
-              </a:extLst>
-            </p:cNvPr>
-            <p:cNvCxnSpPr>
-              <a:cxnSpLocks/>
-            </p:cNvCxnSpPr>
-            <p:nvPr/>
-          </p:nvCxnSpPr>
-          <p:spPr>
-            <a:xfrm>
-              <a:off x="3232787" y="3227623"/>
-              <a:ext cx="0" cy="57150"/>
-            </a:xfrm>
-            <a:prstGeom prst="line">
-              <a:avLst/>
-            </a:prstGeom>
-            <a:ln w="19050">
-              <a:solidFill>
-                <a:srgbClr val="234047"/>
-              </a:solidFill>
-            </a:ln>
-          </p:spPr>
-          <p:style>
-            <a:lnRef idx="1">
-              <a:schemeClr val="accent1"/>
-            </a:lnRef>
-            <a:fillRef idx="0">
-              <a:schemeClr val="accent1"/>
-            </a:fillRef>
-            <a:effectRef idx="0">
-              <a:schemeClr val="accent1"/>
-            </a:effectRef>
-            <a:fontRef idx="minor">
-              <a:schemeClr val="tx1"/>
-            </a:fontRef>
-          </p:style>
-        </p:cxnSp>
-        <p:cxnSp>
-          <p:nvCxnSpPr>
-            <p:cNvPr id="2441" name="직선 연결선 2440">
-              <a:extLst>
-                <a:ext uri="{FF2B5EF4-FFF2-40B4-BE49-F238E27FC236}">
-                  <a16:creationId xmlns:a16="http://schemas.microsoft.com/office/drawing/2014/main" id="{BEB62FC1-6644-C7A8-3D73-4962965F0D18}"/>
-                </a:ext>
-              </a:extLst>
-            </p:cNvPr>
-            <p:cNvCxnSpPr>
-              <a:cxnSpLocks/>
-            </p:cNvCxnSpPr>
-            <p:nvPr/>
-          </p:nvCxnSpPr>
-          <p:spPr>
-            <a:xfrm>
-              <a:off x="3266124" y="3227623"/>
-              <a:ext cx="0" cy="57150"/>
-            </a:xfrm>
-            <a:prstGeom prst="line">
-              <a:avLst/>
-            </a:prstGeom>
-            <a:ln w="19050">
-              <a:solidFill>
-                <a:srgbClr val="234047"/>
-              </a:solidFill>
-            </a:ln>
-          </p:spPr>
-          <p:style>
-            <a:lnRef idx="1">
-              <a:schemeClr val="accent1"/>
-            </a:lnRef>
-            <a:fillRef idx="0">
-              <a:schemeClr val="accent1"/>
-            </a:fillRef>
-            <a:effectRef idx="0">
-              <a:schemeClr val="accent1"/>
-            </a:effectRef>
-            <a:fontRef idx="minor">
-              <a:schemeClr val="tx1"/>
-            </a:fontRef>
-          </p:style>
-        </p:cxnSp>
-        <p:cxnSp>
-          <p:nvCxnSpPr>
-            <p:cNvPr id="2442" name="직선 연결선 2441">
-              <a:extLst>
-                <a:ext uri="{FF2B5EF4-FFF2-40B4-BE49-F238E27FC236}">
-                  <a16:creationId xmlns:a16="http://schemas.microsoft.com/office/drawing/2014/main" id="{A7FA5971-602B-9125-4F35-7779512577D3}"/>
-                </a:ext>
-              </a:extLst>
-            </p:cNvPr>
-            <p:cNvCxnSpPr>
-              <a:cxnSpLocks/>
-            </p:cNvCxnSpPr>
-            <p:nvPr/>
-          </p:nvCxnSpPr>
-          <p:spPr>
-            <a:xfrm>
-              <a:off x="3301843" y="3227623"/>
-              <a:ext cx="0" cy="57150"/>
-            </a:xfrm>
-            <a:prstGeom prst="line">
-              <a:avLst/>
-            </a:prstGeom>
-            <a:ln w="19050">
-              <a:solidFill>
-                <a:srgbClr val="234047"/>
-              </a:solidFill>
-            </a:ln>
-          </p:spPr>
-          <p:style>
-            <a:lnRef idx="1">
-              <a:schemeClr val="accent1"/>
-            </a:lnRef>
-            <a:fillRef idx="0">
-              <a:schemeClr val="accent1"/>
-            </a:fillRef>
-            <a:effectRef idx="0">
-              <a:schemeClr val="accent1"/>
-            </a:effectRef>
-            <a:fontRef idx="minor">
-              <a:schemeClr val="tx1"/>
-            </a:fontRef>
-          </p:style>
-        </p:cxnSp>
-        <p:cxnSp>
-          <p:nvCxnSpPr>
-            <p:cNvPr id="2451" name="직선 연결선 2450">
-              <a:extLst>
-                <a:ext uri="{FF2B5EF4-FFF2-40B4-BE49-F238E27FC236}">
-                  <a16:creationId xmlns:a16="http://schemas.microsoft.com/office/drawing/2014/main" id="{950F4AD2-AAA6-950B-31AD-3D1112BF7E7A}"/>
-                </a:ext>
-              </a:extLst>
-            </p:cNvPr>
-            <p:cNvCxnSpPr>
-              <a:cxnSpLocks/>
-            </p:cNvCxnSpPr>
-            <p:nvPr/>
-          </p:nvCxnSpPr>
-          <p:spPr>
-            <a:xfrm>
-              <a:off x="3337562" y="3227623"/>
-              <a:ext cx="0" cy="57150"/>
-            </a:xfrm>
-            <a:prstGeom prst="line">
-              <a:avLst/>
-            </a:prstGeom>
-            <a:ln w="19050">
-              <a:solidFill>
-                <a:srgbClr val="234047"/>
-              </a:solidFill>
-            </a:ln>
-          </p:spPr>
-          <p:style>
-            <a:lnRef idx="1">
-              <a:schemeClr val="accent1"/>
-            </a:lnRef>
-            <a:fillRef idx="0">
-              <a:schemeClr val="accent1"/>
-            </a:fillRef>
-            <a:effectRef idx="0">
-              <a:schemeClr val="accent1"/>
-            </a:effectRef>
-            <a:fontRef idx="minor">
-              <a:schemeClr val="tx1"/>
-            </a:fontRef>
-          </p:style>
-        </p:cxnSp>
-        <p:cxnSp>
-          <p:nvCxnSpPr>
-            <p:cNvPr id="2452" name="직선 연결선 2451">
-              <a:extLst>
-                <a:ext uri="{FF2B5EF4-FFF2-40B4-BE49-F238E27FC236}">
-                  <a16:creationId xmlns:a16="http://schemas.microsoft.com/office/drawing/2014/main" id="{2364FC5F-9A4B-4282-AC29-8E28F077CB40}"/>
-                </a:ext>
-              </a:extLst>
-            </p:cNvPr>
-            <p:cNvCxnSpPr>
-              <a:cxnSpLocks/>
-            </p:cNvCxnSpPr>
-            <p:nvPr/>
-          </p:nvCxnSpPr>
-          <p:spPr>
-            <a:xfrm>
-              <a:off x="3373281" y="3227623"/>
-              <a:ext cx="0" cy="57150"/>
-            </a:xfrm>
-            <a:prstGeom prst="line">
-              <a:avLst/>
-            </a:prstGeom>
-            <a:ln w="19050">
-              <a:solidFill>
-                <a:srgbClr val="234047"/>
-              </a:solidFill>
-            </a:ln>
-          </p:spPr>
-          <p:style>
-            <a:lnRef idx="1">
-              <a:schemeClr val="accent1"/>
-            </a:lnRef>
-            <a:fillRef idx="0">
-              <a:schemeClr val="accent1"/>
-            </a:fillRef>
-            <a:effectRef idx="0">
-              <a:schemeClr val="accent1"/>
-            </a:effectRef>
-            <a:fontRef idx="minor">
-              <a:schemeClr val="tx1"/>
-            </a:fontRef>
-          </p:style>
-        </p:cxnSp>
-        <p:cxnSp>
-          <p:nvCxnSpPr>
-            <p:cNvPr id="2453" name="직선 연결선 2452">
-              <a:extLst>
-                <a:ext uri="{FF2B5EF4-FFF2-40B4-BE49-F238E27FC236}">
-                  <a16:creationId xmlns:a16="http://schemas.microsoft.com/office/drawing/2014/main" id="{2A645C31-6C19-116D-A984-C589A70198D0}"/>
-                </a:ext>
-              </a:extLst>
-            </p:cNvPr>
-            <p:cNvCxnSpPr>
-              <a:cxnSpLocks/>
-            </p:cNvCxnSpPr>
-            <p:nvPr/>
-          </p:nvCxnSpPr>
-          <p:spPr>
-            <a:xfrm>
-              <a:off x="3406618" y="3202366"/>
-              <a:ext cx="0" cy="101457"/>
-            </a:xfrm>
-            <a:prstGeom prst="line">
-              <a:avLst/>
-            </a:prstGeom>
-            <a:ln w="19050">
-              <a:solidFill>
-                <a:srgbClr val="234047"/>
-              </a:solidFill>
-            </a:ln>
-          </p:spPr>
-          <p:style>
-            <a:lnRef idx="1">
-              <a:schemeClr val="accent1"/>
-            </a:lnRef>
-            <a:fillRef idx="0">
-              <a:schemeClr val="accent1"/>
-            </a:fillRef>
-            <a:effectRef idx="0">
-              <a:schemeClr val="accent1"/>
-            </a:effectRef>
-            <a:fontRef idx="minor">
-              <a:schemeClr val="tx1"/>
-            </a:fontRef>
-          </p:style>
-        </p:cxnSp>
-        <p:cxnSp>
-          <p:nvCxnSpPr>
-            <p:cNvPr id="2455" name="직선 연결선 2454">
-              <a:extLst>
-                <a:ext uri="{FF2B5EF4-FFF2-40B4-BE49-F238E27FC236}">
-                  <a16:creationId xmlns:a16="http://schemas.microsoft.com/office/drawing/2014/main" id="{35AB4970-1650-2D6E-B639-C8C8B8DEC1C3}"/>
-                </a:ext>
-              </a:extLst>
-            </p:cNvPr>
-            <p:cNvCxnSpPr>
-              <a:cxnSpLocks/>
-            </p:cNvCxnSpPr>
-            <p:nvPr/>
-          </p:nvCxnSpPr>
-          <p:spPr>
-            <a:xfrm>
-              <a:off x="3442337" y="3183459"/>
-              <a:ext cx="0" cy="136239"/>
-            </a:xfrm>
-            <a:prstGeom prst="line">
-              <a:avLst/>
-            </a:prstGeom>
-            <a:ln w="19050">
-              <a:solidFill>
-                <a:srgbClr val="234047"/>
-              </a:solidFill>
-            </a:ln>
-          </p:spPr>
-          <p:style>
-            <a:lnRef idx="1">
-              <a:schemeClr val="accent1"/>
-            </a:lnRef>
-            <a:fillRef idx="0">
-              <a:schemeClr val="accent1"/>
-            </a:fillRef>
-            <a:effectRef idx="0">
-              <a:schemeClr val="accent1"/>
-            </a:effectRef>
-            <a:fontRef idx="minor">
-              <a:schemeClr val="tx1"/>
-            </a:fontRef>
-          </p:style>
-        </p:cxnSp>
-        <p:cxnSp>
-          <p:nvCxnSpPr>
-            <p:cNvPr id="2456" name="직선 연결선 2455">
-              <a:extLst>
-                <a:ext uri="{FF2B5EF4-FFF2-40B4-BE49-F238E27FC236}">
-                  <a16:creationId xmlns:a16="http://schemas.microsoft.com/office/drawing/2014/main" id="{355816A0-6E65-D51A-9A06-06AD1DB91F7F}"/>
-                </a:ext>
-              </a:extLst>
-            </p:cNvPr>
-            <p:cNvCxnSpPr>
-              <a:cxnSpLocks/>
-            </p:cNvCxnSpPr>
-            <p:nvPr/>
-          </p:nvCxnSpPr>
-          <p:spPr>
-            <a:xfrm>
-              <a:off x="3478056" y="3177109"/>
-              <a:ext cx="0" cy="136239"/>
-            </a:xfrm>
-            <a:prstGeom prst="line">
-              <a:avLst/>
-            </a:prstGeom>
-            <a:ln w="19050">
-              <a:solidFill>
-                <a:srgbClr val="234047"/>
-              </a:solidFill>
-            </a:ln>
-          </p:spPr>
-          <p:style>
-            <a:lnRef idx="1">
-              <a:schemeClr val="accent1"/>
-            </a:lnRef>
-            <a:fillRef idx="0">
-              <a:schemeClr val="accent1"/>
-            </a:fillRef>
-            <a:effectRef idx="0">
-              <a:schemeClr val="accent1"/>
-            </a:effectRef>
-            <a:fontRef idx="minor">
-              <a:schemeClr val="tx1"/>
-            </a:fontRef>
-          </p:style>
-        </p:cxnSp>
-        <p:cxnSp>
-          <p:nvCxnSpPr>
-            <p:cNvPr id="2457" name="직선 연결선 2456">
-              <a:extLst>
-                <a:ext uri="{FF2B5EF4-FFF2-40B4-BE49-F238E27FC236}">
-                  <a16:creationId xmlns:a16="http://schemas.microsoft.com/office/drawing/2014/main" id="{1E205F0E-7EC9-AFA5-9BC4-EABE2DDAB352}"/>
-                </a:ext>
-              </a:extLst>
-            </p:cNvPr>
-            <p:cNvCxnSpPr>
-              <a:cxnSpLocks/>
-            </p:cNvCxnSpPr>
-            <p:nvPr/>
-          </p:nvCxnSpPr>
-          <p:spPr>
-            <a:xfrm>
-              <a:off x="3513775" y="3192841"/>
-              <a:ext cx="0" cy="101457"/>
-            </a:xfrm>
-            <a:prstGeom prst="line">
-              <a:avLst/>
-            </a:prstGeom>
-            <a:ln w="19050">
-              <a:solidFill>
-                <a:srgbClr val="234047"/>
-              </a:solidFill>
-            </a:ln>
-          </p:spPr>
-          <p:style>
-            <a:lnRef idx="1">
-              <a:schemeClr val="accent1"/>
-            </a:lnRef>
-            <a:fillRef idx="0">
-              <a:schemeClr val="accent1"/>
-            </a:fillRef>
-            <a:effectRef idx="0">
-              <a:schemeClr val="accent1"/>
-            </a:effectRef>
-            <a:fontRef idx="minor">
-              <a:schemeClr val="tx1"/>
-            </a:fontRef>
-          </p:style>
-        </p:cxnSp>
-        <p:cxnSp>
-          <p:nvCxnSpPr>
-            <p:cNvPr id="2458" name="직선 연결선 2457">
-              <a:extLst>
-                <a:ext uri="{FF2B5EF4-FFF2-40B4-BE49-F238E27FC236}">
-                  <a16:creationId xmlns:a16="http://schemas.microsoft.com/office/drawing/2014/main" id="{6705834F-6C4E-338E-0051-CBF1F94DDE62}"/>
-                </a:ext>
-              </a:extLst>
-            </p:cNvPr>
-            <p:cNvCxnSpPr>
-              <a:cxnSpLocks/>
-            </p:cNvCxnSpPr>
-            <p:nvPr/>
-          </p:nvCxnSpPr>
-          <p:spPr>
-            <a:xfrm>
-              <a:off x="3547112" y="3216368"/>
-              <a:ext cx="0" cy="68405"/>
-            </a:xfrm>
-            <a:prstGeom prst="line">
-              <a:avLst/>
-            </a:prstGeom>
-            <a:ln w="19050">
-              <a:solidFill>
-                <a:srgbClr val="234047"/>
-              </a:solidFill>
-            </a:ln>
-          </p:spPr>
-          <p:style>
-            <a:lnRef idx="1">
-              <a:schemeClr val="accent1"/>
-            </a:lnRef>
-            <a:fillRef idx="0">
-              <a:schemeClr val="accent1"/>
-            </a:fillRef>
-            <a:effectRef idx="0">
-              <a:schemeClr val="accent1"/>
-            </a:effectRef>
-            <a:fontRef idx="minor">
-              <a:schemeClr val="tx1"/>
-            </a:fontRef>
-          </p:style>
-        </p:cxnSp>
-        <p:cxnSp>
-          <p:nvCxnSpPr>
-            <p:cNvPr id="2459" name="직선 연결선 2458">
-              <a:extLst>
-                <a:ext uri="{FF2B5EF4-FFF2-40B4-BE49-F238E27FC236}">
-                  <a16:creationId xmlns:a16="http://schemas.microsoft.com/office/drawing/2014/main" id="{300FBD7F-7044-A3A2-3CD5-6CA87452A81A}"/>
-                </a:ext>
-              </a:extLst>
-            </p:cNvPr>
-            <p:cNvCxnSpPr>
-              <a:cxnSpLocks/>
-            </p:cNvCxnSpPr>
-            <p:nvPr/>
-          </p:nvCxnSpPr>
-          <p:spPr>
-            <a:xfrm>
-              <a:off x="3582831" y="3205541"/>
-              <a:ext cx="0" cy="85582"/>
-            </a:xfrm>
-            <a:prstGeom prst="line">
-              <a:avLst/>
-            </a:prstGeom>
-            <a:ln w="19050">
-              <a:solidFill>
-                <a:srgbClr val="234047"/>
-              </a:solidFill>
-            </a:ln>
-          </p:spPr>
-          <p:style>
-            <a:lnRef idx="1">
-              <a:schemeClr val="accent1"/>
-            </a:lnRef>
-            <a:fillRef idx="0">
-              <a:schemeClr val="accent1"/>
-            </a:fillRef>
-            <a:effectRef idx="0">
-              <a:schemeClr val="accent1"/>
-            </a:effectRef>
-            <a:fontRef idx="minor">
-              <a:schemeClr val="tx1"/>
-            </a:fontRef>
-          </p:style>
-        </p:cxnSp>
-        <p:cxnSp>
-          <p:nvCxnSpPr>
-            <p:cNvPr id="2460" name="직선 연결선 2459">
-              <a:extLst>
-                <a:ext uri="{FF2B5EF4-FFF2-40B4-BE49-F238E27FC236}">
-                  <a16:creationId xmlns:a16="http://schemas.microsoft.com/office/drawing/2014/main" id="{8BFCABEA-9380-02D0-EDA3-5D6FD452D5AB}"/>
-                </a:ext>
-              </a:extLst>
-            </p:cNvPr>
-            <p:cNvCxnSpPr>
-              <a:cxnSpLocks/>
-            </p:cNvCxnSpPr>
-            <p:nvPr/>
-          </p:nvCxnSpPr>
-          <p:spPr>
-            <a:xfrm>
-              <a:off x="3618550" y="3192841"/>
-              <a:ext cx="0" cy="101457"/>
-            </a:xfrm>
-            <a:prstGeom prst="line">
-              <a:avLst/>
-            </a:prstGeom>
-            <a:ln w="19050">
-              <a:solidFill>
-                <a:srgbClr val="234047"/>
-              </a:solidFill>
-            </a:ln>
-          </p:spPr>
-          <p:style>
-            <a:lnRef idx="1">
-              <a:schemeClr val="accent1"/>
-            </a:lnRef>
-            <a:fillRef idx="0">
-              <a:schemeClr val="accent1"/>
-            </a:fillRef>
-            <a:effectRef idx="0">
-              <a:schemeClr val="accent1"/>
-            </a:effectRef>
-            <a:fontRef idx="minor">
-              <a:schemeClr val="tx1"/>
-            </a:fontRef>
-          </p:style>
-        </p:cxnSp>
-        <p:cxnSp>
-          <p:nvCxnSpPr>
-            <p:cNvPr id="2461" name="직선 연결선 2460">
-              <a:extLst>
-                <a:ext uri="{FF2B5EF4-FFF2-40B4-BE49-F238E27FC236}">
-                  <a16:creationId xmlns:a16="http://schemas.microsoft.com/office/drawing/2014/main" id="{18A67306-9FCB-B7A8-98E0-B7DC67C44030}"/>
-                </a:ext>
-              </a:extLst>
-            </p:cNvPr>
-            <p:cNvCxnSpPr>
-              <a:cxnSpLocks/>
-            </p:cNvCxnSpPr>
-            <p:nvPr/>
-          </p:nvCxnSpPr>
-          <p:spPr>
-            <a:xfrm>
-              <a:off x="3655539" y="3135834"/>
-              <a:ext cx="0" cy="202914"/>
-            </a:xfrm>
-            <a:prstGeom prst="line">
-              <a:avLst/>
-            </a:prstGeom>
-            <a:ln w="19050">
-              <a:solidFill>
-                <a:srgbClr val="234047"/>
-              </a:solidFill>
-            </a:ln>
-          </p:spPr>
-          <p:style>
-            <a:lnRef idx="1">
-              <a:schemeClr val="accent1"/>
-            </a:lnRef>
-            <a:fillRef idx="0">
-              <a:schemeClr val="accent1"/>
-            </a:fillRef>
-            <a:effectRef idx="0">
-              <a:schemeClr val="accent1"/>
-            </a:effectRef>
-            <a:fontRef idx="minor">
-              <a:schemeClr val="tx1"/>
-            </a:fontRef>
-          </p:style>
-        </p:cxnSp>
-        <p:cxnSp>
-          <p:nvCxnSpPr>
-            <p:cNvPr id="2462" name="직선 연결선 2461">
-              <a:extLst>
-                <a:ext uri="{FF2B5EF4-FFF2-40B4-BE49-F238E27FC236}">
-                  <a16:creationId xmlns:a16="http://schemas.microsoft.com/office/drawing/2014/main" id="{831893A7-7FEC-CA6E-CC53-B1BDEAB14B0D}"/>
-                </a:ext>
-              </a:extLst>
-            </p:cNvPr>
-            <p:cNvCxnSpPr>
-              <a:cxnSpLocks/>
-            </p:cNvCxnSpPr>
-            <p:nvPr/>
-          </p:nvCxnSpPr>
-          <p:spPr>
-            <a:xfrm>
-              <a:off x="3687606" y="3154884"/>
-              <a:ext cx="0" cy="174339"/>
-            </a:xfrm>
-            <a:prstGeom prst="line">
-              <a:avLst/>
-            </a:prstGeom>
-            <a:ln w="19050">
-              <a:solidFill>
-                <a:srgbClr val="234047"/>
-              </a:solidFill>
-            </a:ln>
-          </p:spPr>
-          <p:style>
-            <a:lnRef idx="1">
-              <a:schemeClr val="accent1"/>
-            </a:lnRef>
-            <a:fillRef idx="0">
-              <a:schemeClr val="accent1"/>
-            </a:fillRef>
-            <a:effectRef idx="0">
-              <a:schemeClr val="accent1"/>
-            </a:effectRef>
-            <a:fontRef idx="minor">
-              <a:schemeClr val="tx1"/>
-            </a:fontRef>
-          </p:style>
-        </p:cxnSp>
-        <p:cxnSp>
-          <p:nvCxnSpPr>
-            <p:cNvPr id="2463" name="직선 연결선 2462">
-              <a:extLst>
-                <a:ext uri="{FF2B5EF4-FFF2-40B4-BE49-F238E27FC236}">
-                  <a16:creationId xmlns:a16="http://schemas.microsoft.com/office/drawing/2014/main" id="{3BE2581E-ECDD-568C-8F8E-9A7B42285B0F}"/>
-                </a:ext>
-              </a:extLst>
-            </p:cNvPr>
-            <p:cNvCxnSpPr>
-              <a:cxnSpLocks/>
-            </p:cNvCxnSpPr>
-            <p:nvPr/>
-          </p:nvCxnSpPr>
-          <p:spPr>
-            <a:xfrm>
-              <a:off x="3723325" y="3178379"/>
-              <a:ext cx="0" cy="136239"/>
-            </a:xfrm>
-            <a:prstGeom prst="line">
-              <a:avLst/>
-            </a:prstGeom>
-            <a:ln w="19050">
-              <a:solidFill>
-                <a:srgbClr val="234047"/>
-              </a:solidFill>
-            </a:ln>
-          </p:spPr>
-          <p:style>
-            <a:lnRef idx="1">
-              <a:schemeClr val="accent1"/>
-            </a:lnRef>
-            <a:fillRef idx="0">
-              <a:schemeClr val="accent1"/>
-            </a:fillRef>
-            <a:effectRef idx="0">
-              <a:schemeClr val="accent1"/>
-            </a:effectRef>
-            <a:fontRef idx="minor">
-              <a:schemeClr val="tx1"/>
-            </a:fontRef>
-          </p:style>
-        </p:cxnSp>
-        <p:cxnSp>
-          <p:nvCxnSpPr>
-            <p:cNvPr id="2464" name="직선 연결선 2463">
-              <a:extLst>
-                <a:ext uri="{FF2B5EF4-FFF2-40B4-BE49-F238E27FC236}">
-                  <a16:creationId xmlns:a16="http://schemas.microsoft.com/office/drawing/2014/main" id="{4963A904-9926-DE59-0406-AFCF36A1A5E1}"/>
-                </a:ext>
-              </a:extLst>
-            </p:cNvPr>
-            <p:cNvCxnSpPr>
-              <a:cxnSpLocks/>
-            </p:cNvCxnSpPr>
-            <p:nvPr/>
-          </p:nvCxnSpPr>
-          <p:spPr>
-            <a:xfrm>
-              <a:off x="3756662" y="3152979"/>
-              <a:ext cx="0" cy="174339"/>
-            </a:xfrm>
-            <a:prstGeom prst="line">
-              <a:avLst/>
-            </a:prstGeom>
-            <a:ln w="19050">
-              <a:solidFill>
-                <a:srgbClr val="234047"/>
-              </a:solidFill>
-            </a:ln>
-          </p:spPr>
-          <p:style>
-            <a:lnRef idx="1">
-              <a:schemeClr val="accent1"/>
-            </a:lnRef>
-            <a:fillRef idx="0">
-              <a:schemeClr val="accent1"/>
-            </a:fillRef>
-            <a:effectRef idx="0">
-              <a:schemeClr val="accent1"/>
-            </a:effectRef>
-            <a:fontRef idx="minor">
-              <a:schemeClr val="tx1"/>
-            </a:fontRef>
-          </p:style>
-        </p:cxnSp>
-        <p:cxnSp>
-          <p:nvCxnSpPr>
-            <p:cNvPr id="2465" name="직선 연결선 2464">
-              <a:extLst>
-                <a:ext uri="{FF2B5EF4-FFF2-40B4-BE49-F238E27FC236}">
-                  <a16:creationId xmlns:a16="http://schemas.microsoft.com/office/drawing/2014/main" id="{F9F9051D-9203-9F25-6FAD-89FBA971A5DF}"/>
-                </a:ext>
-              </a:extLst>
-            </p:cNvPr>
-            <p:cNvCxnSpPr>
-              <a:cxnSpLocks/>
-            </p:cNvCxnSpPr>
-            <p:nvPr/>
-          </p:nvCxnSpPr>
-          <p:spPr>
-            <a:xfrm>
-              <a:off x="3792381" y="3133929"/>
-              <a:ext cx="0" cy="202914"/>
-            </a:xfrm>
-            <a:prstGeom prst="line">
-              <a:avLst/>
-            </a:prstGeom>
-            <a:ln w="19050">
-              <a:solidFill>
-                <a:srgbClr val="234047"/>
-              </a:solidFill>
-            </a:ln>
-          </p:spPr>
-          <p:style>
-            <a:lnRef idx="1">
-              <a:schemeClr val="accent1"/>
-            </a:lnRef>
-            <a:fillRef idx="0">
-              <a:schemeClr val="accent1"/>
-            </a:fillRef>
-            <a:effectRef idx="0">
-              <a:schemeClr val="accent1"/>
-            </a:effectRef>
-            <a:fontRef idx="minor">
-              <a:schemeClr val="tx1"/>
-            </a:fontRef>
-          </p:style>
-        </p:cxnSp>
-        <p:cxnSp>
-          <p:nvCxnSpPr>
-            <p:cNvPr id="2466" name="직선 연결선 2465">
-              <a:extLst>
-                <a:ext uri="{FF2B5EF4-FFF2-40B4-BE49-F238E27FC236}">
-                  <a16:creationId xmlns:a16="http://schemas.microsoft.com/office/drawing/2014/main" id="{41788456-8ACE-3D54-0F43-F926BF7E7672}"/>
-                </a:ext>
-              </a:extLst>
-            </p:cNvPr>
-            <p:cNvCxnSpPr>
-              <a:cxnSpLocks/>
-            </p:cNvCxnSpPr>
-            <p:nvPr/>
-          </p:nvCxnSpPr>
-          <p:spPr>
-            <a:xfrm>
-              <a:off x="3825718" y="3152979"/>
-              <a:ext cx="0" cy="174339"/>
-            </a:xfrm>
-            <a:prstGeom prst="line">
-              <a:avLst/>
-            </a:prstGeom>
-            <a:ln w="19050">
-              <a:solidFill>
-                <a:srgbClr val="234047"/>
-              </a:solidFill>
-            </a:ln>
-          </p:spPr>
-          <p:style>
-            <a:lnRef idx="1">
-              <a:schemeClr val="accent1"/>
-            </a:lnRef>
-            <a:fillRef idx="0">
-              <a:schemeClr val="accent1"/>
-            </a:fillRef>
-            <a:effectRef idx="0">
-              <a:schemeClr val="accent1"/>
-            </a:effectRef>
-            <a:fontRef idx="minor">
-              <a:schemeClr val="tx1"/>
-            </a:fontRef>
-          </p:style>
-        </p:cxnSp>
-        <p:cxnSp>
-          <p:nvCxnSpPr>
-            <p:cNvPr id="2467" name="직선 연결선 2466">
-              <a:extLst>
-                <a:ext uri="{FF2B5EF4-FFF2-40B4-BE49-F238E27FC236}">
-                  <a16:creationId xmlns:a16="http://schemas.microsoft.com/office/drawing/2014/main" id="{18A0768A-9E0B-550C-EBBC-2CC95834EEBF}"/>
-                </a:ext>
-              </a:extLst>
-            </p:cNvPr>
-            <p:cNvCxnSpPr>
-              <a:cxnSpLocks/>
-            </p:cNvCxnSpPr>
-            <p:nvPr/>
-          </p:nvCxnSpPr>
-          <p:spPr>
-            <a:xfrm>
-              <a:off x="3861437" y="3184729"/>
-              <a:ext cx="0" cy="136239"/>
-            </a:xfrm>
-            <a:prstGeom prst="line">
-              <a:avLst/>
-            </a:prstGeom>
-            <a:ln w="19050">
-              <a:solidFill>
-                <a:srgbClr val="234047"/>
-              </a:solidFill>
-            </a:ln>
-          </p:spPr>
-          <p:style>
-            <a:lnRef idx="1">
-              <a:schemeClr val="accent1"/>
-            </a:lnRef>
-            <a:fillRef idx="0">
-              <a:schemeClr val="accent1"/>
-            </a:fillRef>
-            <a:effectRef idx="0">
-              <a:schemeClr val="accent1"/>
-            </a:effectRef>
-            <a:fontRef idx="minor">
-              <a:schemeClr val="tx1"/>
-            </a:fontRef>
-          </p:style>
-        </p:cxnSp>
-        <p:cxnSp>
-          <p:nvCxnSpPr>
-            <p:cNvPr id="2468" name="직선 연결선 2467">
-              <a:extLst>
-                <a:ext uri="{FF2B5EF4-FFF2-40B4-BE49-F238E27FC236}">
-                  <a16:creationId xmlns:a16="http://schemas.microsoft.com/office/drawing/2014/main" id="{B2E26AE3-2C02-E304-DE0D-7D027238A326}"/>
-                </a:ext>
-              </a:extLst>
-            </p:cNvPr>
-            <p:cNvCxnSpPr>
-              <a:cxnSpLocks/>
-            </p:cNvCxnSpPr>
-            <p:nvPr/>
-          </p:nvCxnSpPr>
-          <p:spPr>
-            <a:xfrm>
-              <a:off x="3897156" y="3219828"/>
-              <a:ext cx="0" cy="80820"/>
-            </a:xfrm>
-            <a:prstGeom prst="line">
-              <a:avLst/>
-            </a:prstGeom>
-            <a:ln w="19050">
-              <a:solidFill>
-                <a:srgbClr val="234047"/>
-              </a:solidFill>
-            </a:ln>
-          </p:spPr>
-          <p:style>
-            <a:lnRef idx="1">
-              <a:schemeClr val="accent1"/>
-            </a:lnRef>
-            <a:fillRef idx="0">
-              <a:schemeClr val="accent1"/>
-            </a:fillRef>
-            <a:effectRef idx="0">
-              <a:schemeClr val="accent1"/>
-            </a:effectRef>
-            <a:fontRef idx="minor">
-              <a:schemeClr val="tx1"/>
-            </a:fontRef>
-          </p:style>
-        </p:cxnSp>
-        <p:cxnSp>
-          <p:nvCxnSpPr>
-            <p:cNvPr id="2469" name="직선 연결선 2468">
-              <a:extLst>
-                <a:ext uri="{FF2B5EF4-FFF2-40B4-BE49-F238E27FC236}">
-                  <a16:creationId xmlns:a16="http://schemas.microsoft.com/office/drawing/2014/main" id="{2941A516-8A9D-455B-F6BB-12E38F73EA0A}"/>
-                </a:ext>
-              </a:extLst>
-            </p:cNvPr>
-            <p:cNvCxnSpPr>
-              <a:cxnSpLocks/>
-            </p:cNvCxnSpPr>
-            <p:nvPr/>
-          </p:nvCxnSpPr>
-          <p:spPr>
-            <a:xfrm>
-              <a:off x="3932875" y="3227623"/>
-              <a:ext cx="0" cy="57150"/>
-            </a:xfrm>
-            <a:prstGeom prst="line">
-              <a:avLst/>
-            </a:prstGeom>
-            <a:ln w="19050">
-              <a:solidFill>
-                <a:srgbClr val="234047"/>
-              </a:solidFill>
-            </a:ln>
-          </p:spPr>
-          <p:style>
-            <a:lnRef idx="1">
-              <a:schemeClr val="accent1"/>
-            </a:lnRef>
-            <a:fillRef idx="0">
-              <a:schemeClr val="accent1"/>
-            </a:fillRef>
-            <a:effectRef idx="0">
-              <a:schemeClr val="accent1"/>
-            </a:effectRef>
-            <a:fontRef idx="minor">
-              <a:schemeClr val="tx1"/>
-            </a:fontRef>
-          </p:style>
-        </p:cxnSp>
-        <p:cxnSp>
-          <p:nvCxnSpPr>
-            <p:cNvPr id="2470" name="직선 연결선 2469">
-              <a:extLst>
-                <a:ext uri="{FF2B5EF4-FFF2-40B4-BE49-F238E27FC236}">
-                  <a16:creationId xmlns:a16="http://schemas.microsoft.com/office/drawing/2014/main" id="{D844F90B-2C3A-2050-C86D-A1B0F883045B}"/>
-                </a:ext>
-              </a:extLst>
-            </p:cNvPr>
-            <p:cNvCxnSpPr>
-              <a:cxnSpLocks/>
-            </p:cNvCxnSpPr>
-            <p:nvPr/>
-          </p:nvCxnSpPr>
-          <p:spPr>
-            <a:xfrm>
-              <a:off x="3966212" y="3227623"/>
-              <a:ext cx="0" cy="57150"/>
-            </a:xfrm>
-            <a:prstGeom prst="line">
-              <a:avLst/>
-            </a:prstGeom>
-            <a:ln w="19050">
-              <a:solidFill>
-                <a:srgbClr val="234047"/>
-              </a:solidFill>
-            </a:ln>
-          </p:spPr>
-          <p:style>
-            <a:lnRef idx="1">
-              <a:schemeClr val="accent1"/>
-            </a:lnRef>
-            <a:fillRef idx="0">
-              <a:schemeClr val="accent1"/>
-            </a:fillRef>
-            <a:effectRef idx="0">
-              <a:schemeClr val="accent1"/>
-            </a:effectRef>
-            <a:fontRef idx="minor">
-              <a:schemeClr val="tx1"/>
-            </a:fontRef>
-          </p:style>
-        </p:cxnSp>
-        <p:cxnSp>
-          <p:nvCxnSpPr>
-            <p:cNvPr id="2471" name="직선 연결선 2470">
-              <a:extLst>
-                <a:ext uri="{FF2B5EF4-FFF2-40B4-BE49-F238E27FC236}">
-                  <a16:creationId xmlns:a16="http://schemas.microsoft.com/office/drawing/2014/main" id="{A6A2B6F4-302E-A19D-00D1-E777236C8020}"/>
-                </a:ext>
-              </a:extLst>
-            </p:cNvPr>
-            <p:cNvCxnSpPr>
-              <a:cxnSpLocks/>
-            </p:cNvCxnSpPr>
-            <p:nvPr/>
-          </p:nvCxnSpPr>
-          <p:spPr>
-            <a:xfrm>
-              <a:off x="4001931" y="3227623"/>
-              <a:ext cx="0" cy="57150"/>
-            </a:xfrm>
-            <a:prstGeom prst="line">
-              <a:avLst/>
-            </a:prstGeom>
-            <a:ln w="19050">
-              <a:solidFill>
-                <a:srgbClr val="234047"/>
-              </a:solidFill>
-            </a:ln>
-          </p:spPr>
-          <p:style>
-            <a:lnRef idx="1">
-              <a:schemeClr val="accent1"/>
-            </a:lnRef>
-            <a:fillRef idx="0">
-              <a:schemeClr val="accent1"/>
-            </a:fillRef>
-            <a:effectRef idx="0">
-              <a:schemeClr val="accent1"/>
-            </a:effectRef>
-            <a:fontRef idx="minor">
-              <a:schemeClr val="tx1"/>
-            </a:fontRef>
-          </p:style>
-        </p:cxnSp>
-        <p:cxnSp>
-          <p:nvCxnSpPr>
-            <p:cNvPr id="2472" name="직선 연결선 2471">
-              <a:extLst>
-                <a:ext uri="{FF2B5EF4-FFF2-40B4-BE49-F238E27FC236}">
-                  <a16:creationId xmlns:a16="http://schemas.microsoft.com/office/drawing/2014/main" id="{98882D5B-00B5-CCE3-D2EF-6E802DCDCAA8}"/>
-                </a:ext>
-              </a:extLst>
-            </p:cNvPr>
-            <p:cNvCxnSpPr>
-              <a:cxnSpLocks/>
-            </p:cNvCxnSpPr>
-            <p:nvPr/>
-          </p:nvCxnSpPr>
-          <p:spPr>
-            <a:xfrm>
-              <a:off x="4035269" y="3227623"/>
-              <a:ext cx="0" cy="57150"/>
-            </a:xfrm>
-            <a:prstGeom prst="line">
-              <a:avLst/>
-            </a:prstGeom>
-            <a:ln w="19050">
-              <a:solidFill>
-                <a:srgbClr val="234047"/>
-              </a:solidFill>
-            </a:ln>
-          </p:spPr>
-          <p:style>
-            <a:lnRef idx="1">
-              <a:schemeClr val="accent1"/>
-            </a:lnRef>
-            <a:fillRef idx="0">
-              <a:schemeClr val="accent1"/>
-            </a:fillRef>
-            <a:effectRef idx="0">
-              <a:schemeClr val="accent1"/>
-            </a:effectRef>
-            <a:fontRef idx="minor">
-              <a:schemeClr val="tx1"/>
-            </a:fontRef>
-          </p:style>
-        </p:cxnSp>
-        <p:cxnSp>
-          <p:nvCxnSpPr>
-            <p:cNvPr id="2473" name="직선 연결선 2472">
-              <a:extLst>
-                <a:ext uri="{FF2B5EF4-FFF2-40B4-BE49-F238E27FC236}">
-                  <a16:creationId xmlns:a16="http://schemas.microsoft.com/office/drawing/2014/main" id="{599922AF-B6BA-F5FD-8DEB-28D96A2C6CBD}"/>
-                </a:ext>
-              </a:extLst>
-            </p:cNvPr>
-            <p:cNvCxnSpPr>
-              <a:cxnSpLocks/>
-            </p:cNvCxnSpPr>
-            <p:nvPr/>
-          </p:nvCxnSpPr>
-          <p:spPr>
-            <a:xfrm>
-              <a:off x="4070988" y="3227623"/>
-              <a:ext cx="0" cy="57150"/>
-            </a:xfrm>
-            <a:prstGeom prst="line">
-              <a:avLst/>
-            </a:prstGeom>
-            <a:ln w="19050">
-              <a:solidFill>
-                <a:srgbClr val="234047"/>
-              </a:solidFill>
-            </a:ln>
-          </p:spPr>
-          <p:style>
-            <a:lnRef idx="1">
-              <a:schemeClr val="accent1"/>
-            </a:lnRef>
-            <a:fillRef idx="0">
-              <a:schemeClr val="accent1"/>
-            </a:fillRef>
-            <a:effectRef idx="0">
-              <a:schemeClr val="accent1"/>
-            </a:effectRef>
-            <a:fontRef idx="minor">
-              <a:schemeClr val="tx1"/>
-            </a:fontRef>
-          </p:style>
-        </p:cxnSp>
-        <p:cxnSp>
-          <p:nvCxnSpPr>
-            <p:cNvPr id="2474" name="직선 연결선 2473">
-              <a:extLst>
-                <a:ext uri="{FF2B5EF4-FFF2-40B4-BE49-F238E27FC236}">
-                  <a16:creationId xmlns:a16="http://schemas.microsoft.com/office/drawing/2014/main" id="{3BBEDEE7-FB97-D21C-2ECD-95456B624D3E}"/>
-                </a:ext>
-              </a:extLst>
-            </p:cNvPr>
-            <p:cNvCxnSpPr>
-              <a:cxnSpLocks/>
-            </p:cNvCxnSpPr>
-            <p:nvPr/>
-          </p:nvCxnSpPr>
-          <p:spPr>
-            <a:xfrm>
-              <a:off x="4104325" y="3205541"/>
-              <a:ext cx="0" cy="101457"/>
-            </a:xfrm>
-            <a:prstGeom prst="line">
-              <a:avLst/>
-            </a:prstGeom>
-            <a:ln w="19050">
-              <a:solidFill>
-                <a:srgbClr val="234047"/>
-              </a:solidFill>
-            </a:ln>
-          </p:spPr>
-          <p:style>
-            <a:lnRef idx="1">
-              <a:schemeClr val="accent1"/>
-            </a:lnRef>
-            <a:fillRef idx="0">
-              <a:schemeClr val="accent1"/>
-            </a:fillRef>
-            <a:effectRef idx="0">
-              <a:schemeClr val="accent1"/>
-            </a:effectRef>
-            <a:fontRef idx="minor">
-              <a:schemeClr val="tx1"/>
-            </a:fontRef>
-          </p:style>
-        </p:cxnSp>
-        <p:cxnSp>
-          <p:nvCxnSpPr>
-            <p:cNvPr id="2475" name="직선 연결선 2474">
-              <a:extLst>
-                <a:ext uri="{FF2B5EF4-FFF2-40B4-BE49-F238E27FC236}">
-                  <a16:creationId xmlns:a16="http://schemas.microsoft.com/office/drawing/2014/main" id="{D9A61491-6497-052A-C226-B623CD85FECC}"/>
-                </a:ext>
-              </a:extLst>
-            </p:cNvPr>
-            <p:cNvCxnSpPr>
-              <a:cxnSpLocks/>
-            </p:cNvCxnSpPr>
-            <p:nvPr/>
-          </p:nvCxnSpPr>
-          <p:spPr>
-            <a:xfrm>
-              <a:off x="4140044" y="3202366"/>
-              <a:ext cx="0" cy="101457"/>
-            </a:xfrm>
-            <a:prstGeom prst="line">
-              <a:avLst/>
-            </a:prstGeom>
-            <a:ln w="19050">
-              <a:solidFill>
-                <a:srgbClr val="234047"/>
-              </a:solidFill>
-            </a:ln>
-          </p:spPr>
-          <p:style>
-            <a:lnRef idx="1">
-              <a:schemeClr val="accent1"/>
-            </a:lnRef>
-            <a:fillRef idx="0">
-              <a:schemeClr val="accent1"/>
-            </a:fillRef>
-            <a:effectRef idx="0">
-              <a:schemeClr val="accent1"/>
-            </a:effectRef>
-            <a:fontRef idx="minor">
-              <a:schemeClr val="tx1"/>
-            </a:fontRef>
-          </p:style>
-        </p:cxnSp>
-        <p:cxnSp>
-          <p:nvCxnSpPr>
-            <p:cNvPr id="2476" name="직선 연결선 2475">
-              <a:extLst>
-                <a:ext uri="{FF2B5EF4-FFF2-40B4-BE49-F238E27FC236}">
-                  <a16:creationId xmlns:a16="http://schemas.microsoft.com/office/drawing/2014/main" id="{B53500C2-7C7C-8050-FA58-54E374CB8370}"/>
-                </a:ext>
-              </a:extLst>
-            </p:cNvPr>
-            <p:cNvCxnSpPr>
-              <a:cxnSpLocks/>
-            </p:cNvCxnSpPr>
-            <p:nvPr/>
-          </p:nvCxnSpPr>
-          <p:spPr>
-            <a:xfrm>
-              <a:off x="4175763" y="3183459"/>
-              <a:ext cx="0" cy="136239"/>
-            </a:xfrm>
-            <a:prstGeom prst="line">
-              <a:avLst/>
-            </a:prstGeom>
-            <a:ln w="19050">
-              <a:solidFill>
-                <a:srgbClr val="234047"/>
-              </a:solidFill>
-            </a:ln>
-          </p:spPr>
-          <p:style>
-            <a:lnRef idx="1">
-              <a:schemeClr val="accent1"/>
-            </a:lnRef>
-            <a:fillRef idx="0">
-              <a:schemeClr val="accent1"/>
-            </a:fillRef>
-            <a:effectRef idx="0">
-              <a:schemeClr val="accent1"/>
-            </a:effectRef>
-            <a:fontRef idx="minor">
-              <a:schemeClr val="tx1"/>
-            </a:fontRef>
-          </p:style>
-        </p:cxnSp>
-        <p:cxnSp>
-          <p:nvCxnSpPr>
-            <p:cNvPr id="2477" name="직선 연결선 2476">
-              <a:extLst>
-                <a:ext uri="{FF2B5EF4-FFF2-40B4-BE49-F238E27FC236}">
-                  <a16:creationId xmlns:a16="http://schemas.microsoft.com/office/drawing/2014/main" id="{25C83CCA-4EF1-83DF-A722-06AD363E734C}"/>
-                </a:ext>
-              </a:extLst>
-            </p:cNvPr>
-            <p:cNvCxnSpPr>
-              <a:cxnSpLocks/>
-            </p:cNvCxnSpPr>
-            <p:nvPr/>
-          </p:nvCxnSpPr>
-          <p:spPr>
-            <a:xfrm>
-              <a:off x="4211482" y="3213478"/>
-              <a:ext cx="0" cy="87170"/>
-            </a:xfrm>
-            <a:prstGeom prst="line">
-              <a:avLst/>
-            </a:prstGeom>
-            <a:ln w="19050">
-              <a:solidFill>
-                <a:srgbClr val="234047"/>
-              </a:solidFill>
-            </a:ln>
-          </p:spPr>
-          <p:style>
-            <a:lnRef idx="1">
-              <a:schemeClr val="accent1"/>
-            </a:lnRef>
-            <a:fillRef idx="0">
-              <a:schemeClr val="accent1"/>
-            </a:fillRef>
-            <a:effectRef idx="0">
-              <a:schemeClr val="accent1"/>
-            </a:effectRef>
-            <a:fontRef idx="minor">
-              <a:schemeClr val="tx1"/>
-            </a:fontRef>
-          </p:style>
-        </p:cxnSp>
-        <p:cxnSp>
-          <p:nvCxnSpPr>
-            <p:cNvPr id="2478" name="직선 연결선 2477">
-              <a:extLst>
-                <a:ext uri="{FF2B5EF4-FFF2-40B4-BE49-F238E27FC236}">
-                  <a16:creationId xmlns:a16="http://schemas.microsoft.com/office/drawing/2014/main" id="{0460D38F-E93D-61AC-C57E-48146C0C274B}"/>
-                </a:ext>
-              </a:extLst>
-            </p:cNvPr>
-            <p:cNvCxnSpPr>
-              <a:cxnSpLocks/>
-            </p:cNvCxnSpPr>
-            <p:nvPr/>
-          </p:nvCxnSpPr>
-          <p:spPr>
-            <a:xfrm>
-              <a:off x="4244819" y="3183459"/>
-              <a:ext cx="0" cy="136239"/>
-            </a:xfrm>
-            <a:prstGeom prst="line">
-              <a:avLst/>
-            </a:prstGeom>
-            <a:ln w="19050">
-              <a:solidFill>
-                <a:srgbClr val="234047"/>
-              </a:solidFill>
-            </a:ln>
-          </p:spPr>
-          <p:style>
-            <a:lnRef idx="1">
-              <a:schemeClr val="accent1"/>
-            </a:lnRef>
-            <a:fillRef idx="0">
-              <a:schemeClr val="accent1"/>
-            </a:fillRef>
-            <a:effectRef idx="0">
-              <a:schemeClr val="accent1"/>
-            </a:effectRef>
-            <a:fontRef idx="minor">
-              <a:schemeClr val="tx1"/>
-            </a:fontRef>
-          </p:style>
-        </p:cxnSp>
-        <p:cxnSp>
-          <p:nvCxnSpPr>
-            <p:cNvPr id="2479" name="직선 연결선 2478">
-              <a:extLst>
-                <a:ext uri="{FF2B5EF4-FFF2-40B4-BE49-F238E27FC236}">
-                  <a16:creationId xmlns:a16="http://schemas.microsoft.com/office/drawing/2014/main" id="{38542CB9-0DAD-A37F-7C88-1F3064A4006C}"/>
-                </a:ext>
-              </a:extLst>
-            </p:cNvPr>
-            <p:cNvCxnSpPr>
-              <a:cxnSpLocks/>
-            </p:cNvCxnSpPr>
-            <p:nvPr/>
-          </p:nvCxnSpPr>
-          <p:spPr>
-            <a:xfrm>
-              <a:off x="4280538" y="3199191"/>
-              <a:ext cx="0" cy="101457"/>
-            </a:xfrm>
-            <a:prstGeom prst="line">
-              <a:avLst/>
-            </a:prstGeom>
-            <a:ln w="19050">
-              <a:solidFill>
-                <a:srgbClr val="234047"/>
-              </a:solidFill>
-            </a:ln>
-          </p:spPr>
-          <p:style>
-            <a:lnRef idx="1">
-              <a:schemeClr val="accent1"/>
-            </a:lnRef>
-            <a:fillRef idx="0">
-              <a:schemeClr val="accent1"/>
-            </a:fillRef>
-            <a:effectRef idx="0">
-              <a:schemeClr val="accent1"/>
-            </a:effectRef>
-            <a:fontRef idx="minor">
-              <a:schemeClr val="tx1"/>
-            </a:fontRef>
-          </p:style>
-        </p:cxnSp>
-        <p:cxnSp>
-          <p:nvCxnSpPr>
-            <p:cNvPr id="2480" name="직선 연결선 2479">
-              <a:extLst>
-                <a:ext uri="{FF2B5EF4-FFF2-40B4-BE49-F238E27FC236}">
-                  <a16:creationId xmlns:a16="http://schemas.microsoft.com/office/drawing/2014/main" id="{7534F271-1CF3-A50B-384D-F532E8FB3CE5}"/>
-                </a:ext>
-              </a:extLst>
-            </p:cNvPr>
-            <p:cNvCxnSpPr>
-              <a:cxnSpLocks/>
-            </p:cNvCxnSpPr>
-            <p:nvPr/>
-          </p:nvCxnSpPr>
-          <p:spPr>
-            <a:xfrm>
-              <a:off x="4313875" y="3227623"/>
-              <a:ext cx="0" cy="57150"/>
-            </a:xfrm>
-            <a:prstGeom prst="line">
-              <a:avLst/>
-            </a:prstGeom>
-            <a:ln w="19050">
-              <a:solidFill>
-                <a:srgbClr val="234047"/>
-              </a:solidFill>
-            </a:ln>
-          </p:spPr>
-          <p:style>
-            <a:lnRef idx="1">
-              <a:schemeClr val="accent1"/>
-            </a:lnRef>
-            <a:fillRef idx="0">
-              <a:schemeClr val="accent1"/>
-            </a:fillRef>
-            <a:effectRef idx="0">
-              <a:schemeClr val="accent1"/>
-            </a:effectRef>
-            <a:fontRef idx="minor">
-              <a:schemeClr val="tx1"/>
-            </a:fontRef>
-          </p:style>
-        </p:cxnSp>
-        <p:cxnSp>
-          <p:nvCxnSpPr>
-            <p:cNvPr id="2481" name="직선 연결선 2480">
-              <a:extLst>
-                <a:ext uri="{FF2B5EF4-FFF2-40B4-BE49-F238E27FC236}">
-                  <a16:creationId xmlns:a16="http://schemas.microsoft.com/office/drawing/2014/main" id="{339EEA90-1E43-1191-8E19-D529E9505CA6}"/>
-                </a:ext>
-              </a:extLst>
-            </p:cNvPr>
-            <p:cNvCxnSpPr>
-              <a:cxnSpLocks/>
-            </p:cNvCxnSpPr>
-            <p:nvPr/>
-          </p:nvCxnSpPr>
-          <p:spPr>
-            <a:xfrm>
-              <a:off x="4349594" y="3227623"/>
-              <a:ext cx="0" cy="57150"/>
-            </a:xfrm>
-            <a:prstGeom prst="line">
-              <a:avLst/>
-            </a:prstGeom>
-            <a:ln w="19050">
-              <a:solidFill>
-                <a:srgbClr val="234047"/>
-              </a:solidFill>
-            </a:ln>
-          </p:spPr>
-          <p:style>
-            <a:lnRef idx="1">
-              <a:schemeClr val="accent1"/>
-            </a:lnRef>
-            <a:fillRef idx="0">
-              <a:schemeClr val="accent1"/>
-            </a:fillRef>
-            <a:effectRef idx="0">
-              <a:schemeClr val="accent1"/>
-            </a:effectRef>
-            <a:fontRef idx="minor">
-              <a:schemeClr val="tx1"/>
-            </a:fontRef>
-          </p:style>
-        </p:cxnSp>
-        <p:cxnSp>
-          <p:nvCxnSpPr>
-            <p:cNvPr id="2482" name="직선 연결선 2481">
-              <a:extLst>
-                <a:ext uri="{FF2B5EF4-FFF2-40B4-BE49-F238E27FC236}">
-                  <a16:creationId xmlns:a16="http://schemas.microsoft.com/office/drawing/2014/main" id="{C1CEF9CD-D14B-D975-F508-8C0222678AEC}"/>
-                </a:ext>
-              </a:extLst>
-            </p:cNvPr>
-            <p:cNvCxnSpPr>
-              <a:cxnSpLocks/>
-            </p:cNvCxnSpPr>
-            <p:nvPr/>
-          </p:nvCxnSpPr>
-          <p:spPr>
-            <a:xfrm>
-              <a:off x="4382931" y="3227623"/>
-              <a:ext cx="0" cy="57150"/>
-            </a:xfrm>
-            <a:prstGeom prst="line">
-              <a:avLst/>
-            </a:prstGeom>
-            <a:ln w="19050">
-              <a:solidFill>
-                <a:srgbClr val="234047"/>
-              </a:solidFill>
-            </a:ln>
-          </p:spPr>
-          <p:style>
-            <a:lnRef idx="1">
-              <a:schemeClr val="accent1"/>
-            </a:lnRef>
-            <a:fillRef idx="0">
-              <a:schemeClr val="accent1"/>
-            </a:fillRef>
-            <a:effectRef idx="0">
-              <a:schemeClr val="accent1"/>
-            </a:effectRef>
-            <a:fontRef idx="minor">
-              <a:schemeClr val="tx1"/>
-            </a:fontRef>
-          </p:style>
-        </p:cxnSp>
-        <p:cxnSp>
-          <p:nvCxnSpPr>
-            <p:cNvPr id="2483" name="직선 연결선 2482">
-              <a:extLst>
-                <a:ext uri="{FF2B5EF4-FFF2-40B4-BE49-F238E27FC236}">
-                  <a16:creationId xmlns:a16="http://schemas.microsoft.com/office/drawing/2014/main" id="{C25AA7AC-6B04-7DE7-7CBC-59CA5A94A5F5}"/>
-                </a:ext>
-              </a:extLst>
-            </p:cNvPr>
-            <p:cNvCxnSpPr>
-              <a:cxnSpLocks/>
-            </p:cNvCxnSpPr>
-            <p:nvPr/>
-          </p:nvCxnSpPr>
-          <p:spPr>
-            <a:xfrm>
-              <a:off x="4418650" y="3227623"/>
-              <a:ext cx="0" cy="57150"/>
-            </a:xfrm>
-            <a:prstGeom prst="line">
-              <a:avLst/>
-            </a:prstGeom>
-            <a:ln w="19050">
-              <a:solidFill>
-                <a:srgbClr val="234047"/>
-              </a:solidFill>
-            </a:ln>
-          </p:spPr>
-          <p:style>
-            <a:lnRef idx="1">
-              <a:schemeClr val="accent1"/>
-            </a:lnRef>
-            <a:fillRef idx="0">
-              <a:schemeClr val="accent1"/>
-            </a:fillRef>
-            <a:effectRef idx="0">
-              <a:schemeClr val="accent1"/>
-            </a:effectRef>
-            <a:fontRef idx="minor">
-              <a:schemeClr val="tx1"/>
-            </a:fontRef>
-          </p:style>
-        </p:cxnSp>
-        <p:cxnSp>
-          <p:nvCxnSpPr>
-            <p:cNvPr id="2484" name="직선 연결선 2483">
-              <a:extLst>
-                <a:ext uri="{FF2B5EF4-FFF2-40B4-BE49-F238E27FC236}">
-                  <a16:creationId xmlns:a16="http://schemas.microsoft.com/office/drawing/2014/main" id="{E40CED60-D1ED-17F5-477D-6C4E5DCADB2B}"/>
-                </a:ext>
-              </a:extLst>
-            </p:cNvPr>
-            <p:cNvCxnSpPr>
-              <a:cxnSpLocks/>
-            </p:cNvCxnSpPr>
-            <p:nvPr/>
-          </p:nvCxnSpPr>
-          <p:spPr>
-            <a:xfrm>
-              <a:off x="4454369" y="3227623"/>
-              <a:ext cx="0" cy="57150"/>
-            </a:xfrm>
-            <a:prstGeom prst="line">
-              <a:avLst/>
-            </a:prstGeom>
-            <a:ln w="19050">
-              <a:solidFill>
-                <a:srgbClr val="234047"/>
-              </a:solidFill>
-            </a:ln>
-          </p:spPr>
-          <p:style>
-            <a:lnRef idx="1">
-              <a:schemeClr val="accent1"/>
-            </a:lnRef>
-            <a:fillRef idx="0">
-              <a:schemeClr val="accent1"/>
-            </a:fillRef>
-            <a:effectRef idx="0">
-              <a:schemeClr val="accent1"/>
-            </a:effectRef>
-            <a:fontRef idx="minor">
-              <a:schemeClr val="tx1"/>
-            </a:fontRef>
-          </p:style>
-        </p:cxnSp>
-        <p:cxnSp>
-          <p:nvCxnSpPr>
-            <p:cNvPr id="2485" name="직선 연결선 2484">
-              <a:extLst>
-                <a:ext uri="{FF2B5EF4-FFF2-40B4-BE49-F238E27FC236}">
-                  <a16:creationId xmlns:a16="http://schemas.microsoft.com/office/drawing/2014/main" id="{F757556F-A4C2-9018-26A9-82F88DC2E6F7}"/>
-                </a:ext>
-              </a:extLst>
-            </p:cNvPr>
-            <p:cNvCxnSpPr>
-              <a:cxnSpLocks/>
-            </p:cNvCxnSpPr>
-            <p:nvPr/>
-          </p:nvCxnSpPr>
-          <p:spPr>
-            <a:xfrm>
-              <a:off x="4490088" y="3210303"/>
-              <a:ext cx="0" cy="87170"/>
-            </a:xfrm>
-            <a:prstGeom prst="line">
-              <a:avLst/>
-            </a:prstGeom>
-            <a:ln w="19050">
-              <a:solidFill>
-                <a:srgbClr val="234047"/>
-              </a:solidFill>
-            </a:ln>
-          </p:spPr>
-          <p:style>
-            <a:lnRef idx="1">
-              <a:schemeClr val="accent1"/>
-            </a:lnRef>
-            <a:fillRef idx="0">
-              <a:schemeClr val="accent1"/>
-            </a:fillRef>
-            <a:effectRef idx="0">
-              <a:schemeClr val="accent1"/>
-            </a:effectRef>
-            <a:fontRef idx="minor">
-              <a:schemeClr val="tx1"/>
-            </a:fontRef>
-          </p:style>
-        </p:cxnSp>
-        <p:cxnSp>
-          <p:nvCxnSpPr>
-            <p:cNvPr id="2486" name="직선 연결선 2485">
-              <a:extLst>
-                <a:ext uri="{FF2B5EF4-FFF2-40B4-BE49-F238E27FC236}">
-                  <a16:creationId xmlns:a16="http://schemas.microsoft.com/office/drawing/2014/main" id="{78E9C79F-EAAC-1D81-91CE-B83271DAB157}"/>
-                </a:ext>
-              </a:extLst>
-            </p:cNvPr>
-            <p:cNvCxnSpPr>
-              <a:cxnSpLocks/>
-            </p:cNvCxnSpPr>
-            <p:nvPr/>
-          </p:nvCxnSpPr>
-          <p:spPr>
-            <a:xfrm>
-              <a:off x="4523425" y="3205541"/>
-              <a:ext cx="0" cy="101457"/>
-            </a:xfrm>
-            <a:prstGeom prst="line">
-              <a:avLst/>
-            </a:prstGeom>
-            <a:ln w="19050">
-              <a:solidFill>
-                <a:srgbClr val="234047"/>
-              </a:solidFill>
-            </a:ln>
-          </p:spPr>
-          <p:style>
-            <a:lnRef idx="1">
-              <a:schemeClr val="accent1"/>
-            </a:lnRef>
-            <a:fillRef idx="0">
-              <a:schemeClr val="accent1"/>
-            </a:fillRef>
-            <a:effectRef idx="0">
-              <a:schemeClr val="accent1"/>
-            </a:effectRef>
-            <a:fontRef idx="minor">
-              <a:schemeClr val="tx1"/>
-            </a:fontRef>
-          </p:style>
-        </p:cxnSp>
-        <p:cxnSp>
-          <p:nvCxnSpPr>
-            <p:cNvPr id="2487" name="직선 연결선 2486">
-              <a:extLst>
-                <a:ext uri="{FF2B5EF4-FFF2-40B4-BE49-F238E27FC236}">
-                  <a16:creationId xmlns:a16="http://schemas.microsoft.com/office/drawing/2014/main" id="{45BE677F-5A1B-B9A0-6F5E-912FDDC58B4E}"/>
-                </a:ext>
-              </a:extLst>
-            </p:cNvPr>
-            <p:cNvCxnSpPr>
-              <a:cxnSpLocks/>
-            </p:cNvCxnSpPr>
-            <p:nvPr/>
-          </p:nvCxnSpPr>
-          <p:spPr>
-            <a:xfrm>
-              <a:off x="4559144" y="3186634"/>
-              <a:ext cx="0" cy="136239"/>
-            </a:xfrm>
-            <a:prstGeom prst="line">
-              <a:avLst/>
-            </a:prstGeom>
-            <a:ln w="19050">
-              <a:solidFill>
-                <a:srgbClr val="234047"/>
-              </a:solidFill>
-            </a:ln>
-          </p:spPr>
-          <p:style>
-            <a:lnRef idx="1">
-              <a:schemeClr val="accent1"/>
-            </a:lnRef>
-            <a:fillRef idx="0">
-              <a:schemeClr val="accent1"/>
-            </a:fillRef>
-            <a:effectRef idx="0">
-              <a:schemeClr val="accent1"/>
-            </a:effectRef>
-            <a:fontRef idx="minor">
-              <a:schemeClr val="tx1"/>
-            </a:fontRef>
-          </p:style>
-        </p:cxnSp>
-        <p:cxnSp>
-          <p:nvCxnSpPr>
-            <p:cNvPr id="2488" name="직선 연결선 2487">
-              <a:extLst>
-                <a:ext uri="{FF2B5EF4-FFF2-40B4-BE49-F238E27FC236}">
-                  <a16:creationId xmlns:a16="http://schemas.microsoft.com/office/drawing/2014/main" id="{1C0A7F78-BF9B-2C1D-9BF0-BC1D2087792E}"/>
-                </a:ext>
-              </a:extLst>
-            </p:cNvPr>
-            <p:cNvCxnSpPr>
-              <a:cxnSpLocks/>
-            </p:cNvCxnSpPr>
-            <p:nvPr/>
-          </p:nvCxnSpPr>
-          <p:spPr>
-            <a:xfrm>
-              <a:off x="4594863" y="3177109"/>
-              <a:ext cx="0" cy="136239"/>
-            </a:xfrm>
-            <a:prstGeom prst="line">
-              <a:avLst/>
-            </a:prstGeom>
-            <a:ln w="19050">
-              <a:solidFill>
-                <a:srgbClr val="234047"/>
-              </a:solidFill>
-            </a:ln>
-          </p:spPr>
-          <p:style>
-            <a:lnRef idx="1">
-              <a:schemeClr val="accent1"/>
-            </a:lnRef>
-            <a:fillRef idx="0">
-              <a:schemeClr val="accent1"/>
-            </a:fillRef>
-            <a:effectRef idx="0">
-              <a:schemeClr val="accent1"/>
-            </a:effectRef>
-            <a:fontRef idx="minor">
-              <a:schemeClr val="tx1"/>
-            </a:fontRef>
-          </p:style>
-        </p:cxnSp>
-        <p:cxnSp>
-          <p:nvCxnSpPr>
-            <p:cNvPr id="2489" name="직선 연결선 2488">
-              <a:extLst>
-                <a:ext uri="{FF2B5EF4-FFF2-40B4-BE49-F238E27FC236}">
-                  <a16:creationId xmlns:a16="http://schemas.microsoft.com/office/drawing/2014/main" id="{B1CBA163-593D-B5A0-686C-5E6759FF467C}"/>
-                </a:ext>
-              </a:extLst>
-            </p:cNvPr>
-            <p:cNvCxnSpPr>
-              <a:cxnSpLocks/>
-            </p:cNvCxnSpPr>
-            <p:nvPr/>
-          </p:nvCxnSpPr>
-          <p:spPr>
-            <a:xfrm>
-              <a:off x="4630582" y="3202366"/>
-              <a:ext cx="0" cy="101457"/>
-            </a:xfrm>
-            <a:prstGeom prst="line">
-              <a:avLst/>
-            </a:prstGeom>
-            <a:ln w="19050">
-              <a:solidFill>
-                <a:srgbClr val="234047"/>
-              </a:solidFill>
-            </a:ln>
-          </p:spPr>
-          <p:style>
-            <a:lnRef idx="1">
-              <a:schemeClr val="accent1"/>
-            </a:lnRef>
-            <a:fillRef idx="0">
-              <a:schemeClr val="accent1"/>
-            </a:fillRef>
-            <a:effectRef idx="0">
-              <a:schemeClr val="accent1"/>
-            </a:effectRef>
-            <a:fontRef idx="minor">
-              <a:schemeClr val="tx1"/>
-            </a:fontRef>
-          </p:style>
-        </p:cxnSp>
-        <p:cxnSp>
-          <p:nvCxnSpPr>
-            <p:cNvPr id="2490" name="직선 연결선 2489">
-              <a:extLst>
-                <a:ext uri="{FF2B5EF4-FFF2-40B4-BE49-F238E27FC236}">
-                  <a16:creationId xmlns:a16="http://schemas.microsoft.com/office/drawing/2014/main" id="{A90B819D-84DF-5F7A-62E7-160E608CE36C}"/>
-                </a:ext>
-              </a:extLst>
-            </p:cNvPr>
-            <p:cNvCxnSpPr>
-              <a:cxnSpLocks/>
-            </p:cNvCxnSpPr>
-            <p:nvPr/>
-          </p:nvCxnSpPr>
-          <p:spPr>
-            <a:xfrm>
-              <a:off x="4663919" y="3222718"/>
-              <a:ext cx="0" cy="68405"/>
-            </a:xfrm>
-            <a:prstGeom prst="line">
-              <a:avLst/>
-            </a:prstGeom>
-            <a:ln w="19050">
-              <a:solidFill>
-                <a:srgbClr val="234047"/>
-              </a:solidFill>
-            </a:ln>
-          </p:spPr>
-          <p:style>
-            <a:lnRef idx="1">
-              <a:schemeClr val="accent1"/>
-            </a:lnRef>
-            <a:fillRef idx="0">
-              <a:schemeClr val="accent1"/>
-            </a:fillRef>
-            <a:effectRef idx="0">
-              <a:schemeClr val="accent1"/>
-            </a:effectRef>
-            <a:fontRef idx="minor">
-              <a:schemeClr val="tx1"/>
-            </a:fontRef>
-          </p:style>
-        </p:cxnSp>
-        <p:cxnSp>
-          <p:nvCxnSpPr>
-            <p:cNvPr id="2491" name="직선 연결선 2490">
-              <a:extLst>
-                <a:ext uri="{FF2B5EF4-FFF2-40B4-BE49-F238E27FC236}">
-                  <a16:creationId xmlns:a16="http://schemas.microsoft.com/office/drawing/2014/main" id="{C51EA70A-52D3-108A-A424-94446A1CE37D}"/>
-                </a:ext>
-              </a:extLst>
-            </p:cNvPr>
-            <p:cNvCxnSpPr>
-              <a:cxnSpLocks/>
-            </p:cNvCxnSpPr>
-            <p:nvPr/>
-          </p:nvCxnSpPr>
-          <p:spPr>
-            <a:xfrm>
-              <a:off x="4699638" y="3227623"/>
-              <a:ext cx="0" cy="57150"/>
-            </a:xfrm>
-            <a:prstGeom prst="line">
-              <a:avLst/>
-            </a:prstGeom>
-            <a:ln w="19050">
-              <a:solidFill>
-                <a:srgbClr val="234047"/>
-              </a:solidFill>
-            </a:ln>
-          </p:spPr>
-          <p:style>
-            <a:lnRef idx="1">
-              <a:schemeClr val="accent1"/>
-            </a:lnRef>
-            <a:fillRef idx="0">
-              <a:schemeClr val="accent1"/>
-            </a:fillRef>
-            <a:effectRef idx="0">
-              <a:schemeClr val="accent1"/>
-            </a:effectRef>
-            <a:fontRef idx="minor">
-              <a:schemeClr val="tx1"/>
-            </a:fontRef>
-          </p:style>
-        </p:cxnSp>
-        <p:cxnSp>
-          <p:nvCxnSpPr>
-            <p:cNvPr id="2492" name="직선 연결선 2491">
-              <a:extLst>
-                <a:ext uri="{FF2B5EF4-FFF2-40B4-BE49-F238E27FC236}">
-                  <a16:creationId xmlns:a16="http://schemas.microsoft.com/office/drawing/2014/main" id="{C7C754DC-7F2A-3896-EB9F-8C9780A364A7}"/>
-                </a:ext>
-              </a:extLst>
-            </p:cNvPr>
-            <p:cNvCxnSpPr>
-              <a:cxnSpLocks/>
-            </p:cNvCxnSpPr>
-            <p:nvPr/>
-          </p:nvCxnSpPr>
-          <p:spPr>
-            <a:xfrm>
-              <a:off x="4735357" y="3227623"/>
-              <a:ext cx="0" cy="57150"/>
-            </a:xfrm>
-            <a:prstGeom prst="line">
-              <a:avLst/>
-            </a:prstGeom>
-            <a:ln w="19050">
-              <a:solidFill>
-                <a:srgbClr val="234047"/>
-              </a:solidFill>
-            </a:ln>
-          </p:spPr>
-          <p:style>
-            <a:lnRef idx="1">
-              <a:schemeClr val="accent1"/>
-            </a:lnRef>
-            <a:fillRef idx="0">
-              <a:schemeClr val="accent1"/>
-            </a:fillRef>
-            <a:effectRef idx="0">
-              <a:schemeClr val="accent1"/>
-            </a:effectRef>
-            <a:fontRef idx="minor">
-              <a:schemeClr val="tx1"/>
-            </a:fontRef>
-          </p:style>
-        </p:cxnSp>
-        <p:cxnSp>
-          <p:nvCxnSpPr>
-            <p:cNvPr id="2493" name="직선 연결선 2492">
-              <a:extLst>
-                <a:ext uri="{FF2B5EF4-FFF2-40B4-BE49-F238E27FC236}">
-                  <a16:creationId xmlns:a16="http://schemas.microsoft.com/office/drawing/2014/main" id="{DD36A9B6-4CA5-B0D0-57AD-450610E89584}"/>
-                </a:ext>
-              </a:extLst>
-            </p:cNvPr>
-            <p:cNvCxnSpPr>
-              <a:cxnSpLocks/>
-            </p:cNvCxnSpPr>
-            <p:nvPr/>
-          </p:nvCxnSpPr>
-          <p:spPr>
-            <a:xfrm>
-              <a:off x="4771076" y="3227623"/>
-              <a:ext cx="0" cy="57150"/>
-            </a:xfrm>
-            <a:prstGeom prst="line">
-              <a:avLst/>
-            </a:prstGeom>
-            <a:ln w="19050">
-              <a:solidFill>
-                <a:srgbClr val="234047"/>
-              </a:solidFill>
-            </a:ln>
-          </p:spPr>
-          <p:style>
-            <a:lnRef idx="1">
-              <a:schemeClr val="accent1"/>
-            </a:lnRef>
-            <a:fillRef idx="0">
-              <a:schemeClr val="accent1"/>
-            </a:fillRef>
-            <a:effectRef idx="0">
-              <a:schemeClr val="accent1"/>
-            </a:effectRef>
-            <a:fontRef idx="minor">
-              <a:schemeClr val="tx1"/>
-            </a:fontRef>
-          </p:style>
-        </p:cxnSp>
-        <p:cxnSp>
-          <p:nvCxnSpPr>
-            <p:cNvPr id="2494" name="직선 연결선 2493">
-              <a:extLst>
-                <a:ext uri="{FF2B5EF4-FFF2-40B4-BE49-F238E27FC236}">
-                  <a16:creationId xmlns:a16="http://schemas.microsoft.com/office/drawing/2014/main" id="{46D7CF17-285D-F987-56AC-042E937A4A17}"/>
-                </a:ext>
-              </a:extLst>
-            </p:cNvPr>
-            <p:cNvCxnSpPr>
-              <a:cxnSpLocks/>
-            </p:cNvCxnSpPr>
-            <p:nvPr/>
-          </p:nvCxnSpPr>
-          <p:spPr>
-            <a:xfrm>
-              <a:off x="4804413" y="3205541"/>
-              <a:ext cx="0" cy="101457"/>
-            </a:xfrm>
-            <a:prstGeom prst="line">
-              <a:avLst/>
-            </a:prstGeom>
-            <a:ln w="19050">
-              <a:solidFill>
-                <a:srgbClr val="234047"/>
-              </a:solidFill>
-            </a:ln>
-          </p:spPr>
-          <p:style>
-            <a:lnRef idx="1">
-              <a:schemeClr val="accent1"/>
-            </a:lnRef>
-            <a:fillRef idx="0">
-              <a:schemeClr val="accent1"/>
-            </a:fillRef>
-            <a:effectRef idx="0">
-              <a:schemeClr val="accent1"/>
-            </a:effectRef>
-            <a:fontRef idx="minor">
-              <a:schemeClr val="tx1"/>
-            </a:fontRef>
-          </p:style>
-        </p:cxnSp>
-        <p:cxnSp>
-          <p:nvCxnSpPr>
-            <p:cNvPr id="2495" name="직선 연결선 2494">
-              <a:extLst>
-                <a:ext uri="{FF2B5EF4-FFF2-40B4-BE49-F238E27FC236}">
-                  <a16:creationId xmlns:a16="http://schemas.microsoft.com/office/drawing/2014/main" id="{029DABBC-BFF5-54EE-218C-7863E2374A18}"/>
-                </a:ext>
-              </a:extLst>
-            </p:cNvPr>
-            <p:cNvCxnSpPr>
-              <a:cxnSpLocks/>
-            </p:cNvCxnSpPr>
-            <p:nvPr/>
-          </p:nvCxnSpPr>
-          <p:spPr>
-            <a:xfrm>
-              <a:off x="4840132" y="3186634"/>
-              <a:ext cx="0" cy="136239"/>
-            </a:xfrm>
-            <a:prstGeom prst="line">
-              <a:avLst/>
-            </a:prstGeom>
-            <a:ln w="19050">
-              <a:solidFill>
-                <a:srgbClr val="234047"/>
-              </a:solidFill>
-            </a:ln>
-          </p:spPr>
-          <p:style>
-            <a:lnRef idx="1">
-              <a:schemeClr val="accent1"/>
-            </a:lnRef>
-            <a:fillRef idx="0">
-              <a:schemeClr val="accent1"/>
-            </a:fillRef>
-            <a:effectRef idx="0">
-              <a:schemeClr val="accent1"/>
-            </a:effectRef>
-            <a:fontRef idx="minor">
-              <a:schemeClr val="tx1"/>
-            </a:fontRef>
-          </p:style>
-        </p:cxnSp>
-        <p:cxnSp>
-          <p:nvCxnSpPr>
-            <p:cNvPr id="2176" name="직선 연결선 2175">
-              <a:extLst>
-                <a:ext uri="{FF2B5EF4-FFF2-40B4-BE49-F238E27FC236}">
-                  <a16:creationId xmlns:a16="http://schemas.microsoft.com/office/drawing/2014/main" id="{7F7BBE89-1498-2DF7-4F40-AC9DC2FF4B48}"/>
-                </a:ext>
-              </a:extLst>
-            </p:cNvPr>
-            <p:cNvCxnSpPr>
-              <a:cxnSpLocks/>
-            </p:cNvCxnSpPr>
-            <p:nvPr/>
-          </p:nvCxnSpPr>
-          <p:spPr>
-            <a:xfrm>
-              <a:off x="4882359" y="3158059"/>
-              <a:ext cx="0" cy="174339"/>
-            </a:xfrm>
-            <a:prstGeom prst="line">
-              <a:avLst/>
-            </a:prstGeom>
-            <a:ln w="19050">
-              <a:solidFill>
-                <a:srgbClr val="234047"/>
-              </a:solidFill>
-            </a:ln>
-          </p:spPr>
-          <p:style>
-            <a:lnRef idx="1">
-              <a:schemeClr val="accent1"/>
-            </a:lnRef>
-            <a:fillRef idx="0">
-              <a:schemeClr val="accent1"/>
-            </a:fillRef>
-            <a:effectRef idx="0">
-              <a:schemeClr val="accent1"/>
-            </a:effectRef>
-            <a:fontRef idx="minor">
-              <a:schemeClr val="tx1"/>
-            </a:fontRef>
-          </p:style>
-        </p:cxnSp>
-        <p:cxnSp>
-          <p:nvCxnSpPr>
-            <p:cNvPr id="2177" name="직선 연결선 2176">
-              <a:extLst>
-                <a:ext uri="{FF2B5EF4-FFF2-40B4-BE49-F238E27FC236}">
-                  <a16:creationId xmlns:a16="http://schemas.microsoft.com/office/drawing/2014/main" id="{DBE27516-9E7A-BCFC-BE44-B5C613890733}"/>
-                </a:ext>
-              </a:extLst>
-            </p:cNvPr>
-            <p:cNvCxnSpPr>
-              <a:cxnSpLocks/>
-            </p:cNvCxnSpPr>
-            <p:nvPr/>
-          </p:nvCxnSpPr>
-          <p:spPr>
-            <a:xfrm>
-              <a:off x="4909188" y="3227623"/>
-              <a:ext cx="0" cy="57150"/>
-            </a:xfrm>
-            <a:prstGeom prst="line">
-              <a:avLst/>
-            </a:prstGeom>
-            <a:ln w="19050">
-              <a:solidFill>
-                <a:srgbClr val="234047"/>
-              </a:solidFill>
-            </a:ln>
-          </p:spPr>
-          <p:style>
-            <a:lnRef idx="1">
-              <a:schemeClr val="accent1"/>
-            </a:lnRef>
-            <a:fillRef idx="0">
-              <a:schemeClr val="accent1"/>
-            </a:fillRef>
-            <a:effectRef idx="0">
-              <a:schemeClr val="accent1"/>
-            </a:effectRef>
-            <a:fontRef idx="minor">
-              <a:schemeClr val="tx1"/>
-            </a:fontRef>
-          </p:style>
-        </p:cxnSp>
-        <p:sp>
-          <p:nvSpPr>
-            <p:cNvPr id="2178" name="사각형: 둥근 모서리 2177">
-              <a:extLst>
-                <a:ext uri="{FF2B5EF4-FFF2-40B4-BE49-F238E27FC236}">
-                  <a16:creationId xmlns:a16="http://schemas.microsoft.com/office/drawing/2014/main" id="{2A4C6E23-F355-C8A6-8177-C0AF8D535A6C}"/>
-                </a:ext>
-              </a:extLst>
-            </p:cNvPr>
-            <p:cNvSpPr/>
-            <p:nvPr/>
-          </p:nvSpPr>
-          <p:spPr>
-            <a:xfrm>
-              <a:off x="3232787" y="4434689"/>
-              <a:ext cx="1251488" cy="321518"/>
-            </a:xfrm>
-            <a:prstGeom prst="roundRect">
-              <a:avLst>
-                <a:gd name="adj" fmla="val 34120"/>
-              </a:avLst>
-            </a:prstGeom>
+          </a:ln>
+        </p:spPr>
+        <p:style>
+          <a:lnRef idx="1">
+            <a:schemeClr val="accent1"/>
+          </a:lnRef>
+          <a:fillRef idx="0">
+            <a:schemeClr val="accent1"/>
+          </a:fillRef>
+          <a:effectRef idx="0">
+            <a:schemeClr val="accent1"/>
+          </a:effectRef>
+          <a:fontRef idx="minor">
+            <a:schemeClr val="tx1"/>
+          </a:fontRef>
+        </p:style>
+      </p:cxnSp>
+      <p:cxnSp>
+        <p:nvCxnSpPr>
+          <p:cNvPr id="1081" name="직선 연결선 1080">
+            <a:extLst>
+              <a:ext uri="{FF2B5EF4-FFF2-40B4-BE49-F238E27FC236}">
+                <a16:creationId xmlns:a16="http://schemas.microsoft.com/office/drawing/2014/main" id="{50EA9835-2346-06AF-4667-C10EA0E4247C}"/>
+              </a:ext>
+            </a:extLst>
+          </p:cNvPr>
+          <p:cNvCxnSpPr>
+            <a:cxnSpLocks/>
+          </p:cNvCxnSpPr>
+          <p:nvPr/>
+        </p:nvCxnSpPr>
+        <p:spPr>
+          <a:xfrm>
+            <a:off x="2954181" y="3227623"/>
+            <a:ext cx="0" cy="57150"/>
+          </a:xfrm>
+          <a:prstGeom prst="line">
+            <a:avLst/>
+          </a:prstGeom>
+          <a:ln w="19050">
             <a:solidFill>
-              <a:srgbClr val="9B94C8"/>
+              <a:srgbClr val="64A39B"/>
             </a:solidFill>
-            <a:ln>
-              <a:noFill/>
-            </a:ln>
-          </p:spPr>
-          <p:style>
-            <a:lnRef idx="2">
-              <a:schemeClr val="accent1">
-                <a:shade val="15000"/>
-              </a:schemeClr>
-            </a:lnRef>
-            <a:fillRef idx="1">
-              <a:schemeClr val="accent1"/>
-            </a:fillRef>
-            <a:effectRef idx="0">
-              <a:schemeClr val="accent1"/>
-            </a:effectRef>
-            <a:fontRef idx="minor">
-              <a:schemeClr val="lt1"/>
-            </a:fontRef>
-          </p:style>
-          <p:txBody>
-            <a:bodyPr rtlCol="0" anchor="ctr"/>
-            <a:lstStyle/>
-            <a:p>
-              <a:pPr algn="ctr"/>
-              <a:r>
-                <a:rPr lang="en-US" altLang="ko-KR" sz="1200" b="1" dirty="0"/>
-                <a:t>Play</a:t>
-              </a:r>
-              <a:endParaRPr lang="ko-KR" altLang="en-US" sz="1200" b="1" dirty="0"/>
-            </a:p>
-          </p:txBody>
-        </p:sp>
-        <p:sp>
-          <p:nvSpPr>
-            <p:cNvPr id="2180" name="TextBox 2179">
-              <a:extLst>
-                <a:ext uri="{FF2B5EF4-FFF2-40B4-BE49-F238E27FC236}">
-                  <a16:creationId xmlns:a16="http://schemas.microsoft.com/office/drawing/2014/main" id="{9C56AC39-83DE-92EB-3BE0-019B8339B909}"/>
-                </a:ext>
-              </a:extLst>
-            </p:cNvPr>
-            <p:cNvSpPr txBox="1"/>
-            <p:nvPr/>
-          </p:nvSpPr>
-          <p:spPr>
-            <a:xfrm>
-              <a:off x="4140044" y="2320998"/>
-              <a:ext cx="673582" cy="169277"/>
-            </a:xfrm>
-            <a:prstGeom prst="rect">
-              <a:avLst/>
-            </a:prstGeom>
+          </a:ln>
+        </p:spPr>
+        <p:style>
+          <a:lnRef idx="1">
+            <a:schemeClr val="accent1"/>
+          </a:lnRef>
+          <a:fillRef idx="0">
+            <a:schemeClr val="accent1"/>
+          </a:fillRef>
+          <a:effectRef idx="0">
+            <a:schemeClr val="accent1"/>
+          </a:effectRef>
+          <a:fontRef idx="minor">
+            <a:schemeClr val="tx1"/>
+          </a:fontRef>
+        </p:style>
+      </p:cxnSp>
+      <p:cxnSp>
+        <p:nvCxnSpPr>
+          <p:cNvPr id="1082" name="직선 연결선 1081">
+            <a:extLst>
+              <a:ext uri="{FF2B5EF4-FFF2-40B4-BE49-F238E27FC236}">
+                <a16:creationId xmlns:a16="http://schemas.microsoft.com/office/drawing/2014/main" id="{00BCACB3-28F9-315B-C6D1-8AC65A21D6B5}"/>
+              </a:ext>
+            </a:extLst>
+          </p:cNvPr>
+          <p:cNvCxnSpPr>
+            <a:cxnSpLocks/>
+          </p:cNvCxnSpPr>
+          <p:nvPr/>
+        </p:nvCxnSpPr>
+        <p:spPr>
+          <a:xfrm>
+            <a:off x="2987518" y="3227623"/>
+            <a:ext cx="0" cy="57150"/>
+          </a:xfrm>
+          <a:prstGeom prst="line">
+            <a:avLst/>
+          </a:prstGeom>
+          <a:ln w="19050">
+            <a:solidFill>
+              <a:srgbClr val="64A39B"/>
+            </a:solidFill>
+          </a:ln>
+        </p:spPr>
+        <p:style>
+          <a:lnRef idx="1">
+            <a:schemeClr val="accent1"/>
+          </a:lnRef>
+          <a:fillRef idx="0">
+            <a:schemeClr val="accent1"/>
+          </a:fillRef>
+          <a:effectRef idx="0">
+            <a:schemeClr val="accent1"/>
+          </a:effectRef>
+          <a:fontRef idx="minor">
+            <a:schemeClr val="tx1"/>
+          </a:fontRef>
+        </p:style>
+      </p:cxnSp>
+      <p:cxnSp>
+        <p:nvCxnSpPr>
+          <p:cNvPr id="1083" name="직선 연결선 1082">
+            <a:extLst>
+              <a:ext uri="{FF2B5EF4-FFF2-40B4-BE49-F238E27FC236}">
+                <a16:creationId xmlns:a16="http://schemas.microsoft.com/office/drawing/2014/main" id="{70766EC7-833E-CB62-07E1-76FA5CEE97F3}"/>
+              </a:ext>
+            </a:extLst>
+          </p:cNvPr>
+          <p:cNvCxnSpPr>
+            <a:cxnSpLocks/>
+          </p:cNvCxnSpPr>
+          <p:nvPr/>
+        </p:nvCxnSpPr>
+        <p:spPr>
+          <a:xfrm>
+            <a:off x="3023237" y="3227623"/>
+            <a:ext cx="0" cy="57150"/>
+          </a:xfrm>
+          <a:prstGeom prst="line">
+            <a:avLst/>
+          </a:prstGeom>
+          <a:ln w="19050">
+            <a:solidFill>
+              <a:srgbClr val="64A39B"/>
+            </a:solidFill>
+          </a:ln>
+        </p:spPr>
+        <p:style>
+          <a:lnRef idx="1">
+            <a:schemeClr val="accent1"/>
+          </a:lnRef>
+          <a:fillRef idx="0">
+            <a:schemeClr val="accent1"/>
+          </a:fillRef>
+          <a:effectRef idx="0">
+            <a:schemeClr val="accent1"/>
+          </a:effectRef>
+          <a:fontRef idx="minor">
+            <a:schemeClr val="tx1"/>
+          </a:fontRef>
+        </p:style>
+      </p:cxnSp>
+      <p:cxnSp>
+        <p:nvCxnSpPr>
+          <p:cNvPr id="1084" name="직선 연결선 1083">
+            <a:extLst>
+              <a:ext uri="{FF2B5EF4-FFF2-40B4-BE49-F238E27FC236}">
+                <a16:creationId xmlns:a16="http://schemas.microsoft.com/office/drawing/2014/main" id="{5B7B67EA-44BB-3403-70D1-B012E3DBA0E6}"/>
+              </a:ext>
+            </a:extLst>
+          </p:cNvPr>
+          <p:cNvCxnSpPr>
+            <a:cxnSpLocks/>
+          </p:cNvCxnSpPr>
+          <p:nvPr/>
+        </p:nvCxnSpPr>
+        <p:spPr>
+          <a:xfrm>
+            <a:off x="3058956" y="3216368"/>
+            <a:ext cx="0" cy="78295"/>
+          </a:xfrm>
+          <a:prstGeom prst="line">
+            <a:avLst/>
+          </a:prstGeom>
+          <a:ln w="19050">
+            <a:solidFill>
+              <a:srgbClr val="64A39B"/>
+            </a:solidFill>
+          </a:ln>
+        </p:spPr>
+        <p:style>
+          <a:lnRef idx="1">
+            <a:schemeClr val="accent1"/>
+          </a:lnRef>
+          <a:fillRef idx="0">
+            <a:schemeClr val="accent1"/>
+          </a:fillRef>
+          <a:effectRef idx="0">
+            <a:schemeClr val="accent1"/>
+          </a:effectRef>
+          <a:fontRef idx="minor">
+            <a:schemeClr val="tx1"/>
+          </a:fontRef>
+        </p:style>
+      </p:cxnSp>
+      <p:cxnSp>
+        <p:nvCxnSpPr>
+          <p:cNvPr id="1085" name="직선 연결선 1084">
+            <a:extLst>
+              <a:ext uri="{FF2B5EF4-FFF2-40B4-BE49-F238E27FC236}">
+                <a16:creationId xmlns:a16="http://schemas.microsoft.com/office/drawing/2014/main" id="{600B07CD-0DC7-6B1C-4384-AF945D620DC3}"/>
+              </a:ext>
+            </a:extLst>
+          </p:cNvPr>
+          <p:cNvCxnSpPr>
+            <a:cxnSpLocks/>
+          </p:cNvCxnSpPr>
+          <p:nvPr/>
+        </p:nvCxnSpPr>
+        <p:spPr>
+          <a:xfrm>
+            <a:off x="3094675" y="3199191"/>
+            <a:ext cx="0" cy="114014"/>
+          </a:xfrm>
+          <a:prstGeom prst="line">
+            <a:avLst/>
+          </a:prstGeom>
+          <a:ln w="19050">
+            <a:solidFill>
+              <a:srgbClr val="64A39B"/>
+            </a:solidFill>
+          </a:ln>
+        </p:spPr>
+        <p:style>
+          <a:lnRef idx="1">
+            <a:schemeClr val="accent1"/>
+          </a:lnRef>
+          <a:fillRef idx="0">
+            <a:schemeClr val="accent1"/>
+          </a:fillRef>
+          <a:effectRef idx="0">
+            <a:schemeClr val="accent1"/>
+          </a:effectRef>
+          <a:fontRef idx="minor">
+            <a:schemeClr val="tx1"/>
+          </a:fontRef>
+        </p:style>
+      </p:cxnSp>
+      <p:cxnSp>
+        <p:nvCxnSpPr>
+          <p:cNvPr id="1086" name="직선 연결선 1085">
+            <a:extLst>
+              <a:ext uri="{FF2B5EF4-FFF2-40B4-BE49-F238E27FC236}">
+                <a16:creationId xmlns:a16="http://schemas.microsoft.com/office/drawing/2014/main" id="{8941A7E9-D770-5C10-81F1-F53AFBFD70AA}"/>
+              </a:ext>
+            </a:extLst>
+          </p:cNvPr>
+          <p:cNvCxnSpPr>
+            <a:cxnSpLocks/>
+          </p:cNvCxnSpPr>
+          <p:nvPr/>
+        </p:nvCxnSpPr>
+        <p:spPr>
+          <a:xfrm>
+            <a:off x="3128012" y="3180141"/>
+            <a:ext cx="0" cy="154352"/>
+          </a:xfrm>
+          <a:prstGeom prst="line">
+            <a:avLst/>
+          </a:prstGeom>
+          <a:ln w="19050">
+            <a:solidFill>
+              <a:srgbClr val="64A39B"/>
+            </a:solidFill>
+          </a:ln>
+        </p:spPr>
+        <p:style>
+          <a:lnRef idx="1">
+            <a:schemeClr val="accent1"/>
+          </a:lnRef>
+          <a:fillRef idx="0">
+            <a:schemeClr val="accent1"/>
+          </a:fillRef>
+          <a:effectRef idx="0">
+            <a:schemeClr val="accent1"/>
+          </a:effectRef>
+          <a:fontRef idx="minor">
+            <a:schemeClr val="tx1"/>
+          </a:fontRef>
+        </p:style>
+      </p:cxnSp>
+      <p:cxnSp>
+        <p:nvCxnSpPr>
+          <p:cNvPr id="1087" name="직선 연결선 1086">
+            <a:extLst>
+              <a:ext uri="{FF2B5EF4-FFF2-40B4-BE49-F238E27FC236}">
+                <a16:creationId xmlns:a16="http://schemas.microsoft.com/office/drawing/2014/main" id="{5DEDC3B1-2984-A504-7B44-350EED8C1621}"/>
+              </a:ext>
+            </a:extLst>
+          </p:cNvPr>
+          <p:cNvCxnSpPr>
+            <a:cxnSpLocks/>
+          </p:cNvCxnSpPr>
+          <p:nvPr/>
+        </p:nvCxnSpPr>
+        <p:spPr>
+          <a:xfrm>
+            <a:off x="3163731" y="3203953"/>
+            <a:ext cx="0" cy="104489"/>
+          </a:xfrm>
+          <a:prstGeom prst="line">
+            <a:avLst/>
+          </a:prstGeom>
+          <a:ln w="19050">
+            <a:solidFill>
+              <a:srgbClr val="64A39B"/>
+            </a:solidFill>
+          </a:ln>
+        </p:spPr>
+        <p:style>
+          <a:lnRef idx="1">
+            <a:schemeClr val="accent1"/>
+          </a:lnRef>
+          <a:fillRef idx="0">
+            <a:schemeClr val="accent1"/>
+          </a:fillRef>
+          <a:effectRef idx="0">
+            <a:schemeClr val="accent1"/>
+          </a:effectRef>
+          <a:fontRef idx="minor">
+            <a:schemeClr val="tx1"/>
+          </a:fontRef>
+        </p:style>
+      </p:cxnSp>
+      <p:cxnSp>
+        <p:nvCxnSpPr>
+          <p:cNvPr id="2434" name="직선 연결선 2433">
+            <a:extLst>
+              <a:ext uri="{FF2B5EF4-FFF2-40B4-BE49-F238E27FC236}">
+                <a16:creationId xmlns:a16="http://schemas.microsoft.com/office/drawing/2014/main" id="{F81BE180-A962-DFA4-2709-5117CC7A4F10}"/>
+              </a:ext>
+            </a:extLst>
+          </p:cNvPr>
+          <p:cNvCxnSpPr>
+            <a:cxnSpLocks/>
+          </p:cNvCxnSpPr>
+          <p:nvPr/>
+        </p:nvCxnSpPr>
+        <p:spPr>
+          <a:xfrm>
+            <a:off x="3197068" y="3222861"/>
+            <a:ext cx="0" cy="71580"/>
+          </a:xfrm>
+          <a:prstGeom prst="line">
+            <a:avLst/>
+          </a:prstGeom>
+          <a:ln w="19050">
+            <a:solidFill>
+              <a:srgbClr val="64A39B"/>
+            </a:solidFill>
+          </a:ln>
+        </p:spPr>
+        <p:style>
+          <a:lnRef idx="1">
+            <a:schemeClr val="accent1"/>
+          </a:lnRef>
+          <a:fillRef idx="0">
+            <a:schemeClr val="accent1"/>
+          </a:fillRef>
+          <a:effectRef idx="0">
+            <a:schemeClr val="accent1"/>
+          </a:effectRef>
+          <a:fontRef idx="minor">
+            <a:schemeClr val="tx1"/>
+          </a:fontRef>
+        </p:style>
+      </p:cxnSp>
+      <p:cxnSp>
+        <p:nvCxnSpPr>
+          <p:cNvPr id="2437" name="직선 연결선 2436">
+            <a:extLst>
+              <a:ext uri="{FF2B5EF4-FFF2-40B4-BE49-F238E27FC236}">
+                <a16:creationId xmlns:a16="http://schemas.microsoft.com/office/drawing/2014/main" id="{3128E1CD-0D9D-6159-C760-8F857C06D817}"/>
+              </a:ext>
+            </a:extLst>
+          </p:cNvPr>
+          <p:cNvCxnSpPr>
+            <a:cxnSpLocks/>
+          </p:cNvCxnSpPr>
+          <p:nvPr/>
+        </p:nvCxnSpPr>
+        <p:spPr>
+          <a:xfrm>
+            <a:off x="3232787" y="3227623"/>
+            <a:ext cx="0" cy="57150"/>
+          </a:xfrm>
+          <a:prstGeom prst="line">
+            <a:avLst/>
+          </a:prstGeom>
+          <a:ln w="19050">
+            <a:solidFill>
+              <a:srgbClr val="64A39B"/>
+            </a:solidFill>
+          </a:ln>
+        </p:spPr>
+        <p:style>
+          <a:lnRef idx="1">
+            <a:schemeClr val="accent1"/>
+          </a:lnRef>
+          <a:fillRef idx="0">
+            <a:schemeClr val="accent1"/>
+          </a:fillRef>
+          <a:effectRef idx="0">
+            <a:schemeClr val="accent1"/>
+          </a:effectRef>
+          <a:fontRef idx="minor">
+            <a:schemeClr val="tx1"/>
+          </a:fontRef>
+        </p:style>
+      </p:cxnSp>
+      <p:cxnSp>
+        <p:nvCxnSpPr>
+          <p:cNvPr id="2441" name="직선 연결선 2440">
+            <a:extLst>
+              <a:ext uri="{FF2B5EF4-FFF2-40B4-BE49-F238E27FC236}">
+                <a16:creationId xmlns:a16="http://schemas.microsoft.com/office/drawing/2014/main" id="{BEB62FC1-6644-C7A8-3D73-4962965F0D18}"/>
+              </a:ext>
+            </a:extLst>
+          </p:cNvPr>
+          <p:cNvCxnSpPr>
+            <a:cxnSpLocks/>
+          </p:cNvCxnSpPr>
+          <p:nvPr/>
+        </p:nvCxnSpPr>
+        <p:spPr>
+          <a:xfrm>
+            <a:off x="3266124" y="3227623"/>
+            <a:ext cx="0" cy="57150"/>
+          </a:xfrm>
+          <a:prstGeom prst="line">
+            <a:avLst/>
+          </a:prstGeom>
+          <a:ln w="19050">
+            <a:solidFill>
+              <a:srgbClr val="64A39B"/>
+            </a:solidFill>
+          </a:ln>
+        </p:spPr>
+        <p:style>
+          <a:lnRef idx="1">
+            <a:schemeClr val="accent1"/>
+          </a:lnRef>
+          <a:fillRef idx="0">
+            <a:schemeClr val="accent1"/>
+          </a:fillRef>
+          <a:effectRef idx="0">
+            <a:schemeClr val="accent1"/>
+          </a:effectRef>
+          <a:fontRef idx="minor">
+            <a:schemeClr val="tx1"/>
+          </a:fontRef>
+        </p:style>
+      </p:cxnSp>
+      <p:cxnSp>
+        <p:nvCxnSpPr>
+          <p:cNvPr id="2442" name="직선 연결선 2441">
+            <a:extLst>
+              <a:ext uri="{FF2B5EF4-FFF2-40B4-BE49-F238E27FC236}">
+                <a16:creationId xmlns:a16="http://schemas.microsoft.com/office/drawing/2014/main" id="{A7FA5971-602B-9125-4F35-7779512577D3}"/>
+              </a:ext>
+            </a:extLst>
+          </p:cNvPr>
+          <p:cNvCxnSpPr>
+            <a:cxnSpLocks/>
+          </p:cNvCxnSpPr>
+          <p:nvPr/>
+        </p:nvCxnSpPr>
+        <p:spPr>
+          <a:xfrm>
+            <a:off x="3301843" y="3227623"/>
+            <a:ext cx="0" cy="57150"/>
+          </a:xfrm>
+          <a:prstGeom prst="line">
+            <a:avLst/>
+          </a:prstGeom>
+          <a:ln w="19050">
+            <a:solidFill>
+              <a:srgbClr val="64A39B"/>
+            </a:solidFill>
+          </a:ln>
+        </p:spPr>
+        <p:style>
+          <a:lnRef idx="1">
+            <a:schemeClr val="accent1"/>
+          </a:lnRef>
+          <a:fillRef idx="0">
+            <a:schemeClr val="accent1"/>
+          </a:fillRef>
+          <a:effectRef idx="0">
+            <a:schemeClr val="accent1"/>
+          </a:effectRef>
+          <a:fontRef idx="minor">
+            <a:schemeClr val="tx1"/>
+          </a:fontRef>
+        </p:style>
+      </p:cxnSp>
+      <p:cxnSp>
+        <p:nvCxnSpPr>
+          <p:cNvPr id="2451" name="직선 연결선 2450">
+            <a:extLst>
+              <a:ext uri="{FF2B5EF4-FFF2-40B4-BE49-F238E27FC236}">
+                <a16:creationId xmlns:a16="http://schemas.microsoft.com/office/drawing/2014/main" id="{950F4AD2-AAA6-950B-31AD-3D1112BF7E7A}"/>
+              </a:ext>
+            </a:extLst>
+          </p:cNvPr>
+          <p:cNvCxnSpPr>
+            <a:cxnSpLocks/>
+          </p:cNvCxnSpPr>
+          <p:nvPr/>
+        </p:nvCxnSpPr>
+        <p:spPr>
+          <a:xfrm>
+            <a:off x="3337562" y="3227623"/>
+            <a:ext cx="0" cy="57150"/>
+          </a:xfrm>
+          <a:prstGeom prst="line">
+            <a:avLst/>
+          </a:prstGeom>
+          <a:ln w="19050">
+            <a:solidFill>
+              <a:srgbClr val="64A39B"/>
+            </a:solidFill>
+          </a:ln>
+        </p:spPr>
+        <p:style>
+          <a:lnRef idx="1">
+            <a:schemeClr val="accent1"/>
+          </a:lnRef>
+          <a:fillRef idx="0">
+            <a:schemeClr val="accent1"/>
+          </a:fillRef>
+          <a:effectRef idx="0">
+            <a:schemeClr val="accent1"/>
+          </a:effectRef>
+          <a:fontRef idx="minor">
+            <a:schemeClr val="tx1"/>
+          </a:fontRef>
+        </p:style>
+      </p:cxnSp>
+      <p:cxnSp>
+        <p:nvCxnSpPr>
+          <p:cNvPr id="2452" name="직선 연결선 2451">
+            <a:extLst>
+              <a:ext uri="{FF2B5EF4-FFF2-40B4-BE49-F238E27FC236}">
+                <a16:creationId xmlns:a16="http://schemas.microsoft.com/office/drawing/2014/main" id="{2364FC5F-9A4B-4282-AC29-8E28F077CB40}"/>
+              </a:ext>
+            </a:extLst>
+          </p:cNvPr>
+          <p:cNvCxnSpPr>
+            <a:cxnSpLocks/>
+          </p:cNvCxnSpPr>
+          <p:nvPr/>
+        </p:nvCxnSpPr>
+        <p:spPr>
+          <a:xfrm>
+            <a:off x="3373281" y="3227623"/>
+            <a:ext cx="0" cy="57150"/>
+          </a:xfrm>
+          <a:prstGeom prst="line">
+            <a:avLst/>
+          </a:prstGeom>
+          <a:ln w="19050">
+            <a:solidFill>
+              <a:srgbClr val="64A39B"/>
+            </a:solidFill>
+          </a:ln>
+        </p:spPr>
+        <p:style>
+          <a:lnRef idx="1">
+            <a:schemeClr val="accent1"/>
+          </a:lnRef>
+          <a:fillRef idx="0">
+            <a:schemeClr val="accent1"/>
+          </a:fillRef>
+          <a:effectRef idx="0">
+            <a:schemeClr val="accent1"/>
+          </a:effectRef>
+          <a:fontRef idx="minor">
+            <a:schemeClr val="tx1"/>
+          </a:fontRef>
+        </p:style>
+      </p:cxnSp>
+      <p:cxnSp>
+        <p:nvCxnSpPr>
+          <p:cNvPr id="2453" name="직선 연결선 2452">
+            <a:extLst>
+              <a:ext uri="{FF2B5EF4-FFF2-40B4-BE49-F238E27FC236}">
+                <a16:creationId xmlns:a16="http://schemas.microsoft.com/office/drawing/2014/main" id="{2A645C31-6C19-116D-A984-C589A70198D0}"/>
+              </a:ext>
+            </a:extLst>
+          </p:cNvPr>
+          <p:cNvCxnSpPr>
+            <a:cxnSpLocks/>
+          </p:cNvCxnSpPr>
+          <p:nvPr/>
+        </p:nvCxnSpPr>
+        <p:spPr>
+          <a:xfrm>
+            <a:off x="3406618" y="3202366"/>
+            <a:ext cx="0" cy="101457"/>
+          </a:xfrm>
+          <a:prstGeom prst="line">
+            <a:avLst/>
+          </a:prstGeom>
+          <a:ln w="19050">
+            <a:solidFill>
+              <a:srgbClr val="64A39B"/>
+            </a:solidFill>
+          </a:ln>
+        </p:spPr>
+        <p:style>
+          <a:lnRef idx="1">
+            <a:schemeClr val="accent1"/>
+          </a:lnRef>
+          <a:fillRef idx="0">
+            <a:schemeClr val="accent1"/>
+          </a:fillRef>
+          <a:effectRef idx="0">
+            <a:schemeClr val="accent1"/>
+          </a:effectRef>
+          <a:fontRef idx="minor">
+            <a:schemeClr val="tx1"/>
+          </a:fontRef>
+        </p:style>
+      </p:cxnSp>
+      <p:cxnSp>
+        <p:nvCxnSpPr>
+          <p:cNvPr id="2455" name="직선 연결선 2454">
+            <a:extLst>
+              <a:ext uri="{FF2B5EF4-FFF2-40B4-BE49-F238E27FC236}">
+                <a16:creationId xmlns:a16="http://schemas.microsoft.com/office/drawing/2014/main" id="{35AB4970-1650-2D6E-B639-C8C8B8DEC1C3}"/>
+              </a:ext>
+            </a:extLst>
+          </p:cNvPr>
+          <p:cNvCxnSpPr>
+            <a:cxnSpLocks/>
+          </p:cNvCxnSpPr>
+          <p:nvPr/>
+        </p:nvCxnSpPr>
+        <p:spPr>
+          <a:xfrm>
+            <a:off x="3442337" y="3183459"/>
+            <a:ext cx="0" cy="136239"/>
+          </a:xfrm>
+          <a:prstGeom prst="line">
+            <a:avLst/>
+          </a:prstGeom>
+          <a:ln w="19050">
+            <a:solidFill>
+              <a:srgbClr val="64A39B"/>
+            </a:solidFill>
+          </a:ln>
+        </p:spPr>
+        <p:style>
+          <a:lnRef idx="1">
+            <a:schemeClr val="accent1"/>
+          </a:lnRef>
+          <a:fillRef idx="0">
+            <a:schemeClr val="accent1"/>
+          </a:fillRef>
+          <a:effectRef idx="0">
+            <a:schemeClr val="accent1"/>
+          </a:effectRef>
+          <a:fontRef idx="minor">
+            <a:schemeClr val="tx1"/>
+          </a:fontRef>
+        </p:style>
+      </p:cxnSp>
+      <p:cxnSp>
+        <p:nvCxnSpPr>
+          <p:cNvPr id="2456" name="직선 연결선 2455">
+            <a:extLst>
+              <a:ext uri="{FF2B5EF4-FFF2-40B4-BE49-F238E27FC236}">
+                <a16:creationId xmlns:a16="http://schemas.microsoft.com/office/drawing/2014/main" id="{355816A0-6E65-D51A-9A06-06AD1DB91F7F}"/>
+              </a:ext>
+            </a:extLst>
+          </p:cNvPr>
+          <p:cNvCxnSpPr>
+            <a:cxnSpLocks/>
+          </p:cNvCxnSpPr>
+          <p:nvPr/>
+        </p:nvCxnSpPr>
+        <p:spPr>
+          <a:xfrm>
+            <a:off x="3478056" y="3177109"/>
+            <a:ext cx="0" cy="136239"/>
+          </a:xfrm>
+          <a:prstGeom prst="line">
+            <a:avLst/>
+          </a:prstGeom>
+          <a:ln w="19050">
+            <a:solidFill>
+              <a:srgbClr val="64A39B"/>
+            </a:solidFill>
+          </a:ln>
+        </p:spPr>
+        <p:style>
+          <a:lnRef idx="1">
+            <a:schemeClr val="accent1"/>
+          </a:lnRef>
+          <a:fillRef idx="0">
+            <a:schemeClr val="accent1"/>
+          </a:fillRef>
+          <a:effectRef idx="0">
+            <a:schemeClr val="accent1"/>
+          </a:effectRef>
+          <a:fontRef idx="minor">
+            <a:schemeClr val="tx1"/>
+          </a:fontRef>
+        </p:style>
+      </p:cxnSp>
+      <p:cxnSp>
+        <p:nvCxnSpPr>
+          <p:cNvPr id="2457" name="직선 연결선 2456">
+            <a:extLst>
+              <a:ext uri="{FF2B5EF4-FFF2-40B4-BE49-F238E27FC236}">
+                <a16:creationId xmlns:a16="http://schemas.microsoft.com/office/drawing/2014/main" id="{1E205F0E-7EC9-AFA5-9BC4-EABE2DDAB352}"/>
+              </a:ext>
+            </a:extLst>
+          </p:cNvPr>
+          <p:cNvCxnSpPr>
+            <a:cxnSpLocks/>
+          </p:cNvCxnSpPr>
+          <p:nvPr/>
+        </p:nvCxnSpPr>
+        <p:spPr>
+          <a:xfrm>
+            <a:off x="3513775" y="3192841"/>
+            <a:ext cx="0" cy="101457"/>
+          </a:xfrm>
+          <a:prstGeom prst="line">
+            <a:avLst/>
+          </a:prstGeom>
+          <a:ln w="19050">
+            <a:solidFill>
+              <a:srgbClr val="64A39B"/>
+            </a:solidFill>
+          </a:ln>
+        </p:spPr>
+        <p:style>
+          <a:lnRef idx="1">
+            <a:schemeClr val="accent1"/>
+          </a:lnRef>
+          <a:fillRef idx="0">
+            <a:schemeClr val="accent1"/>
+          </a:fillRef>
+          <a:effectRef idx="0">
+            <a:schemeClr val="accent1"/>
+          </a:effectRef>
+          <a:fontRef idx="minor">
+            <a:schemeClr val="tx1"/>
+          </a:fontRef>
+        </p:style>
+      </p:cxnSp>
+      <p:cxnSp>
+        <p:nvCxnSpPr>
+          <p:cNvPr id="2458" name="직선 연결선 2457">
+            <a:extLst>
+              <a:ext uri="{FF2B5EF4-FFF2-40B4-BE49-F238E27FC236}">
+                <a16:creationId xmlns:a16="http://schemas.microsoft.com/office/drawing/2014/main" id="{6705834F-6C4E-338E-0051-CBF1F94DDE62}"/>
+              </a:ext>
+            </a:extLst>
+          </p:cNvPr>
+          <p:cNvCxnSpPr>
+            <a:cxnSpLocks/>
+          </p:cNvCxnSpPr>
+          <p:nvPr/>
+        </p:nvCxnSpPr>
+        <p:spPr>
+          <a:xfrm>
+            <a:off x="3547112" y="3216368"/>
+            <a:ext cx="0" cy="68405"/>
+          </a:xfrm>
+          <a:prstGeom prst="line">
+            <a:avLst/>
+          </a:prstGeom>
+          <a:ln w="19050">
+            <a:solidFill>
+              <a:srgbClr val="64A39B"/>
+            </a:solidFill>
+          </a:ln>
+        </p:spPr>
+        <p:style>
+          <a:lnRef idx="1">
+            <a:schemeClr val="accent1"/>
+          </a:lnRef>
+          <a:fillRef idx="0">
+            <a:schemeClr val="accent1"/>
+          </a:fillRef>
+          <a:effectRef idx="0">
+            <a:schemeClr val="accent1"/>
+          </a:effectRef>
+          <a:fontRef idx="minor">
+            <a:schemeClr val="tx1"/>
+          </a:fontRef>
+        </p:style>
+      </p:cxnSp>
+      <p:cxnSp>
+        <p:nvCxnSpPr>
+          <p:cNvPr id="2459" name="직선 연결선 2458">
+            <a:extLst>
+              <a:ext uri="{FF2B5EF4-FFF2-40B4-BE49-F238E27FC236}">
+                <a16:creationId xmlns:a16="http://schemas.microsoft.com/office/drawing/2014/main" id="{300FBD7F-7044-A3A2-3CD5-6CA87452A81A}"/>
+              </a:ext>
+            </a:extLst>
+          </p:cNvPr>
+          <p:cNvCxnSpPr>
+            <a:cxnSpLocks/>
+          </p:cNvCxnSpPr>
+          <p:nvPr/>
+        </p:nvCxnSpPr>
+        <p:spPr>
+          <a:xfrm>
+            <a:off x="3582831" y="3205541"/>
+            <a:ext cx="0" cy="85582"/>
+          </a:xfrm>
+          <a:prstGeom prst="line">
+            <a:avLst/>
+          </a:prstGeom>
+          <a:ln w="19050">
+            <a:solidFill>
+              <a:srgbClr val="64A39B"/>
+            </a:solidFill>
+          </a:ln>
+        </p:spPr>
+        <p:style>
+          <a:lnRef idx="1">
+            <a:schemeClr val="accent1"/>
+          </a:lnRef>
+          <a:fillRef idx="0">
+            <a:schemeClr val="accent1"/>
+          </a:fillRef>
+          <a:effectRef idx="0">
+            <a:schemeClr val="accent1"/>
+          </a:effectRef>
+          <a:fontRef idx="minor">
+            <a:schemeClr val="tx1"/>
+          </a:fontRef>
+        </p:style>
+      </p:cxnSp>
+      <p:cxnSp>
+        <p:nvCxnSpPr>
+          <p:cNvPr id="2460" name="직선 연결선 2459">
+            <a:extLst>
+              <a:ext uri="{FF2B5EF4-FFF2-40B4-BE49-F238E27FC236}">
+                <a16:creationId xmlns:a16="http://schemas.microsoft.com/office/drawing/2014/main" id="{8BFCABEA-9380-02D0-EDA3-5D6FD452D5AB}"/>
+              </a:ext>
+            </a:extLst>
+          </p:cNvPr>
+          <p:cNvCxnSpPr>
+            <a:cxnSpLocks/>
+          </p:cNvCxnSpPr>
+          <p:nvPr/>
+        </p:nvCxnSpPr>
+        <p:spPr>
+          <a:xfrm>
+            <a:off x="3618550" y="3192841"/>
+            <a:ext cx="0" cy="101457"/>
+          </a:xfrm>
+          <a:prstGeom prst="line">
+            <a:avLst/>
+          </a:prstGeom>
+          <a:ln w="19050">
+            <a:solidFill>
+              <a:srgbClr val="64A39B"/>
+            </a:solidFill>
+          </a:ln>
+        </p:spPr>
+        <p:style>
+          <a:lnRef idx="1">
+            <a:schemeClr val="accent1"/>
+          </a:lnRef>
+          <a:fillRef idx="0">
+            <a:schemeClr val="accent1"/>
+          </a:fillRef>
+          <a:effectRef idx="0">
+            <a:schemeClr val="accent1"/>
+          </a:effectRef>
+          <a:fontRef idx="minor">
+            <a:schemeClr val="tx1"/>
+          </a:fontRef>
+        </p:style>
+      </p:cxnSp>
+      <p:cxnSp>
+        <p:nvCxnSpPr>
+          <p:cNvPr id="2461" name="직선 연결선 2460">
+            <a:extLst>
+              <a:ext uri="{FF2B5EF4-FFF2-40B4-BE49-F238E27FC236}">
+                <a16:creationId xmlns:a16="http://schemas.microsoft.com/office/drawing/2014/main" id="{18A67306-9FCB-B7A8-98E0-B7DC67C44030}"/>
+              </a:ext>
+            </a:extLst>
+          </p:cNvPr>
+          <p:cNvCxnSpPr>
+            <a:cxnSpLocks/>
+          </p:cNvCxnSpPr>
+          <p:nvPr/>
+        </p:nvCxnSpPr>
+        <p:spPr>
+          <a:xfrm>
+            <a:off x="3655539" y="3135834"/>
+            <a:ext cx="0" cy="202914"/>
+          </a:xfrm>
+          <a:prstGeom prst="line">
+            <a:avLst/>
+          </a:prstGeom>
+          <a:ln w="19050">
+            <a:solidFill>
+              <a:srgbClr val="64A39B"/>
+            </a:solidFill>
+          </a:ln>
+        </p:spPr>
+        <p:style>
+          <a:lnRef idx="1">
+            <a:schemeClr val="accent1"/>
+          </a:lnRef>
+          <a:fillRef idx="0">
+            <a:schemeClr val="accent1"/>
+          </a:fillRef>
+          <a:effectRef idx="0">
+            <a:schemeClr val="accent1"/>
+          </a:effectRef>
+          <a:fontRef idx="minor">
+            <a:schemeClr val="tx1"/>
+          </a:fontRef>
+        </p:style>
+      </p:cxnSp>
+      <p:cxnSp>
+        <p:nvCxnSpPr>
+          <p:cNvPr id="2462" name="직선 연결선 2461">
+            <a:extLst>
+              <a:ext uri="{FF2B5EF4-FFF2-40B4-BE49-F238E27FC236}">
+                <a16:creationId xmlns:a16="http://schemas.microsoft.com/office/drawing/2014/main" id="{831893A7-7FEC-CA6E-CC53-B1BDEAB14B0D}"/>
+              </a:ext>
+            </a:extLst>
+          </p:cNvPr>
+          <p:cNvCxnSpPr>
+            <a:cxnSpLocks/>
+          </p:cNvCxnSpPr>
+          <p:nvPr/>
+        </p:nvCxnSpPr>
+        <p:spPr>
+          <a:xfrm>
+            <a:off x="3687606" y="3154884"/>
+            <a:ext cx="0" cy="174339"/>
+          </a:xfrm>
+          <a:prstGeom prst="line">
+            <a:avLst/>
+          </a:prstGeom>
+          <a:ln w="19050">
+            <a:solidFill>
+              <a:srgbClr val="64A39B"/>
+            </a:solidFill>
+          </a:ln>
+        </p:spPr>
+        <p:style>
+          <a:lnRef idx="1">
+            <a:schemeClr val="accent1"/>
+          </a:lnRef>
+          <a:fillRef idx="0">
+            <a:schemeClr val="accent1"/>
+          </a:fillRef>
+          <a:effectRef idx="0">
+            <a:schemeClr val="accent1"/>
+          </a:effectRef>
+          <a:fontRef idx="minor">
+            <a:schemeClr val="tx1"/>
+          </a:fontRef>
+        </p:style>
+      </p:cxnSp>
+      <p:cxnSp>
+        <p:nvCxnSpPr>
+          <p:cNvPr id="2463" name="직선 연결선 2462">
+            <a:extLst>
+              <a:ext uri="{FF2B5EF4-FFF2-40B4-BE49-F238E27FC236}">
+                <a16:creationId xmlns:a16="http://schemas.microsoft.com/office/drawing/2014/main" id="{3BE2581E-ECDD-568C-8F8E-9A7B42285B0F}"/>
+              </a:ext>
+            </a:extLst>
+          </p:cNvPr>
+          <p:cNvCxnSpPr>
+            <a:cxnSpLocks/>
+          </p:cNvCxnSpPr>
+          <p:nvPr/>
+        </p:nvCxnSpPr>
+        <p:spPr>
+          <a:xfrm>
+            <a:off x="3723325" y="3178379"/>
+            <a:ext cx="0" cy="136239"/>
+          </a:xfrm>
+          <a:prstGeom prst="line">
+            <a:avLst/>
+          </a:prstGeom>
+          <a:ln w="19050">
+            <a:solidFill>
+              <a:srgbClr val="64A39B"/>
+            </a:solidFill>
+          </a:ln>
+        </p:spPr>
+        <p:style>
+          <a:lnRef idx="1">
+            <a:schemeClr val="accent1"/>
+          </a:lnRef>
+          <a:fillRef idx="0">
+            <a:schemeClr val="accent1"/>
+          </a:fillRef>
+          <a:effectRef idx="0">
+            <a:schemeClr val="accent1"/>
+          </a:effectRef>
+          <a:fontRef idx="minor">
+            <a:schemeClr val="tx1"/>
+          </a:fontRef>
+        </p:style>
+      </p:cxnSp>
+      <p:cxnSp>
+        <p:nvCxnSpPr>
+          <p:cNvPr id="2464" name="직선 연결선 2463">
+            <a:extLst>
+              <a:ext uri="{FF2B5EF4-FFF2-40B4-BE49-F238E27FC236}">
+                <a16:creationId xmlns:a16="http://schemas.microsoft.com/office/drawing/2014/main" id="{4963A904-9926-DE59-0406-AFCF36A1A5E1}"/>
+              </a:ext>
+            </a:extLst>
+          </p:cNvPr>
+          <p:cNvCxnSpPr>
+            <a:cxnSpLocks/>
+          </p:cNvCxnSpPr>
+          <p:nvPr/>
+        </p:nvCxnSpPr>
+        <p:spPr>
+          <a:xfrm>
+            <a:off x="3756662" y="3152979"/>
+            <a:ext cx="0" cy="174339"/>
+          </a:xfrm>
+          <a:prstGeom prst="line">
+            <a:avLst/>
+          </a:prstGeom>
+          <a:ln w="19050">
+            <a:solidFill>
+              <a:srgbClr val="64A39B"/>
+            </a:solidFill>
+          </a:ln>
+        </p:spPr>
+        <p:style>
+          <a:lnRef idx="1">
+            <a:schemeClr val="accent1"/>
+          </a:lnRef>
+          <a:fillRef idx="0">
+            <a:schemeClr val="accent1"/>
+          </a:fillRef>
+          <a:effectRef idx="0">
+            <a:schemeClr val="accent1"/>
+          </a:effectRef>
+          <a:fontRef idx="minor">
+            <a:schemeClr val="tx1"/>
+          </a:fontRef>
+        </p:style>
+      </p:cxnSp>
+      <p:cxnSp>
+        <p:nvCxnSpPr>
+          <p:cNvPr id="2465" name="직선 연결선 2464">
+            <a:extLst>
+              <a:ext uri="{FF2B5EF4-FFF2-40B4-BE49-F238E27FC236}">
+                <a16:creationId xmlns:a16="http://schemas.microsoft.com/office/drawing/2014/main" id="{F9F9051D-9203-9F25-6FAD-89FBA971A5DF}"/>
+              </a:ext>
+            </a:extLst>
+          </p:cNvPr>
+          <p:cNvCxnSpPr>
+            <a:cxnSpLocks/>
+          </p:cNvCxnSpPr>
+          <p:nvPr/>
+        </p:nvCxnSpPr>
+        <p:spPr>
+          <a:xfrm>
+            <a:off x="3792381" y="3133929"/>
+            <a:ext cx="0" cy="202914"/>
+          </a:xfrm>
+          <a:prstGeom prst="line">
+            <a:avLst/>
+          </a:prstGeom>
+          <a:ln w="19050">
+            <a:solidFill>
+              <a:srgbClr val="64A39B"/>
+            </a:solidFill>
+          </a:ln>
+        </p:spPr>
+        <p:style>
+          <a:lnRef idx="1">
+            <a:schemeClr val="accent1"/>
+          </a:lnRef>
+          <a:fillRef idx="0">
+            <a:schemeClr val="accent1"/>
+          </a:fillRef>
+          <a:effectRef idx="0">
+            <a:schemeClr val="accent1"/>
+          </a:effectRef>
+          <a:fontRef idx="minor">
+            <a:schemeClr val="tx1"/>
+          </a:fontRef>
+        </p:style>
+      </p:cxnSp>
+      <p:cxnSp>
+        <p:nvCxnSpPr>
+          <p:cNvPr id="2466" name="직선 연결선 2465">
+            <a:extLst>
+              <a:ext uri="{FF2B5EF4-FFF2-40B4-BE49-F238E27FC236}">
+                <a16:creationId xmlns:a16="http://schemas.microsoft.com/office/drawing/2014/main" id="{41788456-8ACE-3D54-0F43-F926BF7E7672}"/>
+              </a:ext>
+            </a:extLst>
+          </p:cNvPr>
+          <p:cNvCxnSpPr>
+            <a:cxnSpLocks/>
+          </p:cNvCxnSpPr>
+          <p:nvPr/>
+        </p:nvCxnSpPr>
+        <p:spPr>
+          <a:xfrm>
+            <a:off x="3825718" y="3152979"/>
+            <a:ext cx="0" cy="174339"/>
+          </a:xfrm>
+          <a:prstGeom prst="line">
+            <a:avLst/>
+          </a:prstGeom>
+          <a:ln w="19050">
+            <a:solidFill>
+              <a:srgbClr val="64A39B"/>
+            </a:solidFill>
+          </a:ln>
+        </p:spPr>
+        <p:style>
+          <a:lnRef idx="1">
+            <a:schemeClr val="accent1"/>
+          </a:lnRef>
+          <a:fillRef idx="0">
+            <a:schemeClr val="accent1"/>
+          </a:fillRef>
+          <a:effectRef idx="0">
+            <a:schemeClr val="accent1"/>
+          </a:effectRef>
+          <a:fontRef idx="minor">
+            <a:schemeClr val="tx1"/>
+          </a:fontRef>
+        </p:style>
+      </p:cxnSp>
+      <p:cxnSp>
+        <p:nvCxnSpPr>
+          <p:cNvPr id="2467" name="직선 연결선 2466">
+            <a:extLst>
+              <a:ext uri="{FF2B5EF4-FFF2-40B4-BE49-F238E27FC236}">
+                <a16:creationId xmlns:a16="http://schemas.microsoft.com/office/drawing/2014/main" id="{18A0768A-9E0B-550C-EBBC-2CC95834EEBF}"/>
+              </a:ext>
+            </a:extLst>
+          </p:cNvPr>
+          <p:cNvCxnSpPr>
+            <a:cxnSpLocks/>
+          </p:cNvCxnSpPr>
+          <p:nvPr/>
+        </p:nvCxnSpPr>
+        <p:spPr>
+          <a:xfrm>
+            <a:off x="3861437" y="3184729"/>
+            <a:ext cx="0" cy="136239"/>
+          </a:xfrm>
+          <a:prstGeom prst="line">
+            <a:avLst/>
+          </a:prstGeom>
+          <a:ln w="19050">
+            <a:solidFill>
+              <a:srgbClr val="64A39B"/>
+            </a:solidFill>
+          </a:ln>
+        </p:spPr>
+        <p:style>
+          <a:lnRef idx="1">
+            <a:schemeClr val="accent1"/>
+          </a:lnRef>
+          <a:fillRef idx="0">
+            <a:schemeClr val="accent1"/>
+          </a:fillRef>
+          <a:effectRef idx="0">
+            <a:schemeClr val="accent1"/>
+          </a:effectRef>
+          <a:fontRef idx="minor">
+            <a:schemeClr val="tx1"/>
+          </a:fontRef>
+        </p:style>
+      </p:cxnSp>
+      <p:cxnSp>
+        <p:nvCxnSpPr>
+          <p:cNvPr id="2468" name="직선 연결선 2467">
+            <a:extLst>
+              <a:ext uri="{FF2B5EF4-FFF2-40B4-BE49-F238E27FC236}">
+                <a16:creationId xmlns:a16="http://schemas.microsoft.com/office/drawing/2014/main" id="{B2E26AE3-2C02-E304-DE0D-7D027238A326}"/>
+              </a:ext>
+            </a:extLst>
+          </p:cNvPr>
+          <p:cNvCxnSpPr>
+            <a:cxnSpLocks/>
+          </p:cNvCxnSpPr>
+          <p:nvPr/>
+        </p:nvCxnSpPr>
+        <p:spPr>
+          <a:xfrm>
+            <a:off x="3897156" y="3219828"/>
+            <a:ext cx="0" cy="80820"/>
+          </a:xfrm>
+          <a:prstGeom prst="line">
+            <a:avLst/>
+          </a:prstGeom>
+          <a:ln w="19050">
+            <a:solidFill>
+              <a:srgbClr val="64A39B"/>
+            </a:solidFill>
+          </a:ln>
+        </p:spPr>
+        <p:style>
+          <a:lnRef idx="1">
+            <a:schemeClr val="accent1"/>
+          </a:lnRef>
+          <a:fillRef idx="0">
+            <a:schemeClr val="accent1"/>
+          </a:fillRef>
+          <a:effectRef idx="0">
+            <a:schemeClr val="accent1"/>
+          </a:effectRef>
+          <a:fontRef idx="minor">
+            <a:schemeClr val="tx1"/>
+          </a:fontRef>
+        </p:style>
+      </p:cxnSp>
+      <p:cxnSp>
+        <p:nvCxnSpPr>
+          <p:cNvPr id="2469" name="직선 연결선 2468">
+            <a:extLst>
+              <a:ext uri="{FF2B5EF4-FFF2-40B4-BE49-F238E27FC236}">
+                <a16:creationId xmlns:a16="http://schemas.microsoft.com/office/drawing/2014/main" id="{2941A516-8A9D-455B-F6BB-12E38F73EA0A}"/>
+              </a:ext>
+            </a:extLst>
+          </p:cNvPr>
+          <p:cNvCxnSpPr>
+            <a:cxnSpLocks/>
+          </p:cNvCxnSpPr>
+          <p:nvPr/>
+        </p:nvCxnSpPr>
+        <p:spPr>
+          <a:xfrm>
+            <a:off x="3932875" y="3227623"/>
+            <a:ext cx="0" cy="57150"/>
+          </a:xfrm>
+          <a:prstGeom prst="line">
+            <a:avLst/>
+          </a:prstGeom>
+          <a:ln w="19050">
+            <a:solidFill>
+              <a:srgbClr val="64A39B"/>
+            </a:solidFill>
+          </a:ln>
+        </p:spPr>
+        <p:style>
+          <a:lnRef idx="1">
+            <a:schemeClr val="accent1"/>
+          </a:lnRef>
+          <a:fillRef idx="0">
+            <a:schemeClr val="accent1"/>
+          </a:fillRef>
+          <a:effectRef idx="0">
+            <a:schemeClr val="accent1"/>
+          </a:effectRef>
+          <a:fontRef idx="minor">
+            <a:schemeClr val="tx1"/>
+          </a:fontRef>
+        </p:style>
+      </p:cxnSp>
+      <p:cxnSp>
+        <p:nvCxnSpPr>
+          <p:cNvPr id="2470" name="직선 연결선 2469">
+            <a:extLst>
+              <a:ext uri="{FF2B5EF4-FFF2-40B4-BE49-F238E27FC236}">
+                <a16:creationId xmlns:a16="http://schemas.microsoft.com/office/drawing/2014/main" id="{D844F90B-2C3A-2050-C86D-A1B0F883045B}"/>
+              </a:ext>
+            </a:extLst>
+          </p:cNvPr>
+          <p:cNvCxnSpPr>
+            <a:cxnSpLocks/>
+          </p:cNvCxnSpPr>
+          <p:nvPr/>
+        </p:nvCxnSpPr>
+        <p:spPr>
+          <a:xfrm>
+            <a:off x="3966212" y="3227623"/>
+            <a:ext cx="0" cy="57150"/>
+          </a:xfrm>
+          <a:prstGeom prst="line">
+            <a:avLst/>
+          </a:prstGeom>
+          <a:ln w="19050">
+            <a:solidFill>
+              <a:srgbClr val="64A39B"/>
+            </a:solidFill>
+          </a:ln>
+        </p:spPr>
+        <p:style>
+          <a:lnRef idx="1">
+            <a:schemeClr val="accent1"/>
+          </a:lnRef>
+          <a:fillRef idx="0">
+            <a:schemeClr val="accent1"/>
+          </a:fillRef>
+          <a:effectRef idx="0">
+            <a:schemeClr val="accent1"/>
+          </a:effectRef>
+          <a:fontRef idx="minor">
+            <a:schemeClr val="tx1"/>
+          </a:fontRef>
+        </p:style>
+      </p:cxnSp>
+      <p:cxnSp>
+        <p:nvCxnSpPr>
+          <p:cNvPr id="2471" name="직선 연결선 2470">
+            <a:extLst>
+              <a:ext uri="{FF2B5EF4-FFF2-40B4-BE49-F238E27FC236}">
+                <a16:creationId xmlns:a16="http://schemas.microsoft.com/office/drawing/2014/main" id="{A6A2B6F4-302E-A19D-00D1-E777236C8020}"/>
+              </a:ext>
+            </a:extLst>
+          </p:cNvPr>
+          <p:cNvCxnSpPr>
+            <a:cxnSpLocks/>
+          </p:cNvCxnSpPr>
+          <p:nvPr/>
+        </p:nvCxnSpPr>
+        <p:spPr>
+          <a:xfrm>
+            <a:off x="4001931" y="3227623"/>
+            <a:ext cx="0" cy="57150"/>
+          </a:xfrm>
+          <a:prstGeom prst="line">
+            <a:avLst/>
+          </a:prstGeom>
+          <a:ln w="19050">
+            <a:solidFill>
+              <a:srgbClr val="64A39B"/>
+            </a:solidFill>
+          </a:ln>
+        </p:spPr>
+        <p:style>
+          <a:lnRef idx="1">
+            <a:schemeClr val="accent1"/>
+          </a:lnRef>
+          <a:fillRef idx="0">
+            <a:schemeClr val="accent1"/>
+          </a:fillRef>
+          <a:effectRef idx="0">
+            <a:schemeClr val="accent1"/>
+          </a:effectRef>
+          <a:fontRef idx="minor">
+            <a:schemeClr val="tx1"/>
+          </a:fontRef>
+        </p:style>
+      </p:cxnSp>
+      <p:cxnSp>
+        <p:nvCxnSpPr>
+          <p:cNvPr id="2472" name="직선 연결선 2471">
+            <a:extLst>
+              <a:ext uri="{FF2B5EF4-FFF2-40B4-BE49-F238E27FC236}">
+                <a16:creationId xmlns:a16="http://schemas.microsoft.com/office/drawing/2014/main" id="{98882D5B-00B5-CCE3-D2EF-6E802DCDCAA8}"/>
+              </a:ext>
+            </a:extLst>
+          </p:cNvPr>
+          <p:cNvCxnSpPr>
+            <a:cxnSpLocks/>
+          </p:cNvCxnSpPr>
+          <p:nvPr/>
+        </p:nvCxnSpPr>
+        <p:spPr>
+          <a:xfrm>
+            <a:off x="4035269" y="3227623"/>
+            <a:ext cx="0" cy="57150"/>
+          </a:xfrm>
+          <a:prstGeom prst="line">
+            <a:avLst/>
+          </a:prstGeom>
+          <a:ln w="19050">
+            <a:solidFill>
+              <a:srgbClr val="64A39B"/>
+            </a:solidFill>
+          </a:ln>
+        </p:spPr>
+        <p:style>
+          <a:lnRef idx="1">
+            <a:schemeClr val="accent1"/>
+          </a:lnRef>
+          <a:fillRef idx="0">
+            <a:schemeClr val="accent1"/>
+          </a:fillRef>
+          <a:effectRef idx="0">
+            <a:schemeClr val="accent1"/>
+          </a:effectRef>
+          <a:fontRef idx="minor">
+            <a:schemeClr val="tx1"/>
+          </a:fontRef>
+        </p:style>
+      </p:cxnSp>
+      <p:cxnSp>
+        <p:nvCxnSpPr>
+          <p:cNvPr id="2473" name="직선 연결선 2472">
+            <a:extLst>
+              <a:ext uri="{FF2B5EF4-FFF2-40B4-BE49-F238E27FC236}">
+                <a16:creationId xmlns:a16="http://schemas.microsoft.com/office/drawing/2014/main" id="{599922AF-B6BA-F5FD-8DEB-28D96A2C6CBD}"/>
+              </a:ext>
+            </a:extLst>
+          </p:cNvPr>
+          <p:cNvCxnSpPr>
+            <a:cxnSpLocks/>
+          </p:cNvCxnSpPr>
+          <p:nvPr/>
+        </p:nvCxnSpPr>
+        <p:spPr>
+          <a:xfrm>
+            <a:off x="4070988" y="3227623"/>
+            <a:ext cx="0" cy="57150"/>
+          </a:xfrm>
+          <a:prstGeom prst="line">
+            <a:avLst/>
+          </a:prstGeom>
+          <a:ln w="19050">
+            <a:solidFill>
+              <a:srgbClr val="64A39B"/>
+            </a:solidFill>
+          </a:ln>
+        </p:spPr>
+        <p:style>
+          <a:lnRef idx="1">
+            <a:schemeClr val="accent1"/>
+          </a:lnRef>
+          <a:fillRef idx="0">
+            <a:schemeClr val="accent1"/>
+          </a:fillRef>
+          <a:effectRef idx="0">
+            <a:schemeClr val="accent1"/>
+          </a:effectRef>
+          <a:fontRef idx="minor">
+            <a:schemeClr val="tx1"/>
+          </a:fontRef>
+        </p:style>
+      </p:cxnSp>
+      <p:cxnSp>
+        <p:nvCxnSpPr>
+          <p:cNvPr id="2474" name="직선 연결선 2473">
+            <a:extLst>
+              <a:ext uri="{FF2B5EF4-FFF2-40B4-BE49-F238E27FC236}">
+                <a16:creationId xmlns:a16="http://schemas.microsoft.com/office/drawing/2014/main" id="{3BBEDEE7-FB97-D21C-2ECD-95456B624D3E}"/>
+              </a:ext>
+            </a:extLst>
+          </p:cNvPr>
+          <p:cNvCxnSpPr>
+            <a:cxnSpLocks/>
+          </p:cNvCxnSpPr>
+          <p:nvPr/>
+        </p:nvCxnSpPr>
+        <p:spPr>
+          <a:xfrm>
+            <a:off x="4104325" y="3205541"/>
+            <a:ext cx="0" cy="101457"/>
+          </a:xfrm>
+          <a:prstGeom prst="line">
+            <a:avLst/>
+          </a:prstGeom>
+          <a:ln w="19050">
+            <a:solidFill>
+              <a:srgbClr val="64A39B"/>
+            </a:solidFill>
+          </a:ln>
+        </p:spPr>
+        <p:style>
+          <a:lnRef idx="1">
+            <a:schemeClr val="accent1"/>
+          </a:lnRef>
+          <a:fillRef idx="0">
+            <a:schemeClr val="accent1"/>
+          </a:fillRef>
+          <a:effectRef idx="0">
+            <a:schemeClr val="accent1"/>
+          </a:effectRef>
+          <a:fontRef idx="minor">
+            <a:schemeClr val="tx1"/>
+          </a:fontRef>
+        </p:style>
+      </p:cxnSp>
+      <p:cxnSp>
+        <p:nvCxnSpPr>
+          <p:cNvPr id="2475" name="직선 연결선 2474">
+            <a:extLst>
+              <a:ext uri="{FF2B5EF4-FFF2-40B4-BE49-F238E27FC236}">
+                <a16:creationId xmlns:a16="http://schemas.microsoft.com/office/drawing/2014/main" id="{D9A61491-6497-052A-C226-B623CD85FECC}"/>
+              </a:ext>
+            </a:extLst>
+          </p:cNvPr>
+          <p:cNvCxnSpPr>
+            <a:cxnSpLocks/>
+          </p:cNvCxnSpPr>
+          <p:nvPr/>
+        </p:nvCxnSpPr>
+        <p:spPr>
+          <a:xfrm>
+            <a:off x="4140044" y="3202366"/>
+            <a:ext cx="0" cy="101457"/>
+          </a:xfrm>
+          <a:prstGeom prst="line">
+            <a:avLst/>
+          </a:prstGeom>
+          <a:ln w="19050">
+            <a:solidFill>
+              <a:srgbClr val="64A39B"/>
+            </a:solidFill>
+          </a:ln>
+        </p:spPr>
+        <p:style>
+          <a:lnRef idx="1">
+            <a:schemeClr val="accent1"/>
+          </a:lnRef>
+          <a:fillRef idx="0">
+            <a:schemeClr val="accent1"/>
+          </a:fillRef>
+          <a:effectRef idx="0">
+            <a:schemeClr val="accent1"/>
+          </a:effectRef>
+          <a:fontRef idx="minor">
+            <a:schemeClr val="tx1"/>
+          </a:fontRef>
+        </p:style>
+      </p:cxnSp>
+      <p:cxnSp>
+        <p:nvCxnSpPr>
+          <p:cNvPr id="2476" name="직선 연결선 2475">
+            <a:extLst>
+              <a:ext uri="{FF2B5EF4-FFF2-40B4-BE49-F238E27FC236}">
+                <a16:creationId xmlns:a16="http://schemas.microsoft.com/office/drawing/2014/main" id="{B53500C2-7C7C-8050-FA58-54E374CB8370}"/>
+              </a:ext>
+            </a:extLst>
+          </p:cNvPr>
+          <p:cNvCxnSpPr>
+            <a:cxnSpLocks/>
+          </p:cNvCxnSpPr>
+          <p:nvPr/>
+        </p:nvCxnSpPr>
+        <p:spPr>
+          <a:xfrm>
+            <a:off x="4175763" y="3183459"/>
+            <a:ext cx="0" cy="136239"/>
+          </a:xfrm>
+          <a:prstGeom prst="line">
+            <a:avLst/>
+          </a:prstGeom>
+          <a:ln w="19050">
+            <a:solidFill>
+              <a:srgbClr val="64A39B"/>
+            </a:solidFill>
+          </a:ln>
+        </p:spPr>
+        <p:style>
+          <a:lnRef idx="1">
+            <a:schemeClr val="accent1"/>
+          </a:lnRef>
+          <a:fillRef idx="0">
+            <a:schemeClr val="accent1"/>
+          </a:fillRef>
+          <a:effectRef idx="0">
+            <a:schemeClr val="accent1"/>
+          </a:effectRef>
+          <a:fontRef idx="minor">
+            <a:schemeClr val="tx1"/>
+          </a:fontRef>
+        </p:style>
+      </p:cxnSp>
+      <p:cxnSp>
+        <p:nvCxnSpPr>
+          <p:cNvPr id="2477" name="직선 연결선 2476">
+            <a:extLst>
+              <a:ext uri="{FF2B5EF4-FFF2-40B4-BE49-F238E27FC236}">
+                <a16:creationId xmlns:a16="http://schemas.microsoft.com/office/drawing/2014/main" id="{25C83CCA-4EF1-83DF-A722-06AD363E734C}"/>
+              </a:ext>
+            </a:extLst>
+          </p:cNvPr>
+          <p:cNvCxnSpPr>
+            <a:cxnSpLocks/>
+          </p:cNvCxnSpPr>
+          <p:nvPr/>
+        </p:nvCxnSpPr>
+        <p:spPr>
+          <a:xfrm>
+            <a:off x="4211482" y="3213478"/>
+            <a:ext cx="0" cy="87170"/>
+          </a:xfrm>
+          <a:prstGeom prst="line">
+            <a:avLst/>
+          </a:prstGeom>
+          <a:ln w="19050">
+            <a:solidFill>
+              <a:srgbClr val="64A39B"/>
+            </a:solidFill>
+          </a:ln>
+        </p:spPr>
+        <p:style>
+          <a:lnRef idx="1">
+            <a:schemeClr val="accent1"/>
+          </a:lnRef>
+          <a:fillRef idx="0">
+            <a:schemeClr val="accent1"/>
+          </a:fillRef>
+          <a:effectRef idx="0">
+            <a:schemeClr val="accent1"/>
+          </a:effectRef>
+          <a:fontRef idx="minor">
+            <a:schemeClr val="tx1"/>
+          </a:fontRef>
+        </p:style>
+      </p:cxnSp>
+      <p:cxnSp>
+        <p:nvCxnSpPr>
+          <p:cNvPr id="2478" name="직선 연결선 2477">
+            <a:extLst>
+              <a:ext uri="{FF2B5EF4-FFF2-40B4-BE49-F238E27FC236}">
+                <a16:creationId xmlns:a16="http://schemas.microsoft.com/office/drawing/2014/main" id="{0460D38F-E93D-61AC-C57E-48146C0C274B}"/>
+              </a:ext>
+            </a:extLst>
+          </p:cNvPr>
+          <p:cNvCxnSpPr>
+            <a:cxnSpLocks/>
+          </p:cNvCxnSpPr>
+          <p:nvPr/>
+        </p:nvCxnSpPr>
+        <p:spPr>
+          <a:xfrm>
+            <a:off x="4244819" y="3183459"/>
+            <a:ext cx="0" cy="136239"/>
+          </a:xfrm>
+          <a:prstGeom prst="line">
+            <a:avLst/>
+          </a:prstGeom>
+          <a:ln w="19050">
+            <a:solidFill>
+              <a:srgbClr val="64A39B"/>
+            </a:solidFill>
+          </a:ln>
+        </p:spPr>
+        <p:style>
+          <a:lnRef idx="1">
+            <a:schemeClr val="accent1"/>
+          </a:lnRef>
+          <a:fillRef idx="0">
+            <a:schemeClr val="accent1"/>
+          </a:fillRef>
+          <a:effectRef idx="0">
+            <a:schemeClr val="accent1"/>
+          </a:effectRef>
+          <a:fontRef idx="minor">
+            <a:schemeClr val="tx1"/>
+          </a:fontRef>
+        </p:style>
+      </p:cxnSp>
+      <p:cxnSp>
+        <p:nvCxnSpPr>
+          <p:cNvPr id="2479" name="직선 연결선 2478">
+            <a:extLst>
+              <a:ext uri="{FF2B5EF4-FFF2-40B4-BE49-F238E27FC236}">
+                <a16:creationId xmlns:a16="http://schemas.microsoft.com/office/drawing/2014/main" id="{38542CB9-0DAD-A37F-7C88-1F3064A4006C}"/>
+              </a:ext>
+            </a:extLst>
+          </p:cNvPr>
+          <p:cNvCxnSpPr>
+            <a:cxnSpLocks/>
+          </p:cNvCxnSpPr>
+          <p:nvPr/>
+        </p:nvCxnSpPr>
+        <p:spPr>
+          <a:xfrm>
+            <a:off x="4280538" y="3199191"/>
+            <a:ext cx="0" cy="101457"/>
+          </a:xfrm>
+          <a:prstGeom prst="line">
+            <a:avLst/>
+          </a:prstGeom>
+          <a:ln w="19050">
+            <a:solidFill>
+              <a:srgbClr val="64A39B"/>
+            </a:solidFill>
+          </a:ln>
+        </p:spPr>
+        <p:style>
+          <a:lnRef idx="1">
+            <a:schemeClr val="accent1"/>
+          </a:lnRef>
+          <a:fillRef idx="0">
+            <a:schemeClr val="accent1"/>
+          </a:fillRef>
+          <a:effectRef idx="0">
+            <a:schemeClr val="accent1"/>
+          </a:effectRef>
+          <a:fontRef idx="minor">
+            <a:schemeClr val="tx1"/>
+          </a:fontRef>
+        </p:style>
+      </p:cxnSp>
+      <p:cxnSp>
+        <p:nvCxnSpPr>
+          <p:cNvPr id="2480" name="직선 연결선 2479">
+            <a:extLst>
+              <a:ext uri="{FF2B5EF4-FFF2-40B4-BE49-F238E27FC236}">
+                <a16:creationId xmlns:a16="http://schemas.microsoft.com/office/drawing/2014/main" id="{7534F271-1CF3-A50B-384D-F532E8FB3CE5}"/>
+              </a:ext>
+            </a:extLst>
+          </p:cNvPr>
+          <p:cNvCxnSpPr>
+            <a:cxnSpLocks/>
+          </p:cNvCxnSpPr>
+          <p:nvPr/>
+        </p:nvCxnSpPr>
+        <p:spPr>
+          <a:xfrm>
+            <a:off x="4313875" y="3227623"/>
+            <a:ext cx="0" cy="57150"/>
+          </a:xfrm>
+          <a:prstGeom prst="line">
+            <a:avLst/>
+          </a:prstGeom>
+          <a:ln w="19050">
+            <a:solidFill>
+              <a:srgbClr val="64A39B"/>
+            </a:solidFill>
+          </a:ln>
+        </p:spPr>
+        <p:style>
+          <a:lnRef idx="1">
+            <a:schemeClr val="accent1"/>
+          </a:lnRef>
+          <a:fillRef idx="0">
+            <a:schemeClr val="accent1"/>
+          </a:fillRef>
+          <a:effectRef idx="0">
+            <a:schemeClr val="accent1"/>
+          </a:effectRef>
+          <a:fontRef idx="minor">
+            <a:schemeClr val="tx1"/>
+          </a:fontRef>
+        </p:style>
+      </p:cxnSp>
+      <p:cxnSp>
+        <p:nvCxnSpPr>
+          <p:cNvPr id="2481" name="직선 연결선 2480">
+            <a:extLst>
+              <a:ext uri="{FF2B5EF4-FFF2-40B4-BE49-F238E27FC236}">
+                <a16:creationId xmlns:a16="http://schemas.microsoft.com/office/drawing/2014/main" id="{339EEA90-1E43-1191-8E19-D529E9505CA6}"/>
+              </a:ext>
+            </a:extLst>
+          </p:cNvPr>
+          <p:cNvCxnSpPr>
+            <a:cxnSpLocks/>
+          </p:cNvCxnSpPr>
+          <p:nvPr/>
+        </p:nvCxnSpPr>
+        <p:spPr>
+          <a:xfrm>
+            <a:off x="4349594" y="3227623"/>
+            <a:ext cx="0" cy="57150"/>
+          </a:xfrm>
+          <a:prstGeom prst="line">
+            <a:avLst/>
+          </a:prstGeom>
+          <a:ln w="19050">
+            <a:solidFill>
+              <a:srgbClr val="64A39B"/>
+            </a:solidFill>
+          </a:ln>
+        </p:spPr>
+        <p:style>
+          <a:lnRef idx="1">
+            <a:schemeClr val="accent1"/>
+          </a:lnRef>
+          <a:fillRef idx="0">
+            <a:schemeClr val="accent1"/>
+          </a:fillRef>
+          <a:effectRef idx="0">
+            <a:schemeClr val="accent1"/>
+          </a:effectRef>
+          <a:fontRef idx="minor">
+            <a:schemeClr val="tx1"/>
+          </a:fontRef>
+        </p:style>
+      </p:cxnSp>
+      <p:cxnSp>
+        <p:nvCxnSpPr>
+          <p:cNvPr id="2482" name="직선 연결선 2481">
+            <a:extLst>
+              <a:ext uri="{FF2B5EF4-FFF2-40B4-BE49-F238E27FC236}">
+                <a16:creationId xmlns:a16="http://schemas.microsoft.com/office/drawing/2014/main" id="{C1CEF9CD-D14B-D975-F508-8C0222678AEC}"/>
+              </a:ext>
+            </a:extLst>
+          </p:cNvPr>
+          <p:cNvCxnSpPr>
+            <a:cxnSpLocks/>
+          </p:cNvCxnSpPr>
+          <p:nvPr/>
+        </p:nvCxnSpPr>
+        <p:spPr>
+          <a:xfrm>
+            <a:off x="4382931" y="3227623"/>
+            <a:ext cx="0" cy="57150"/>
+          </a:xfrm>
+          <a:prstGeom prst="line">
+            <a:avLst/>
+          </a:prstGeom>
+          <a:ln w="19050">
+            <a:solidFill>
+              <a:srgbClr val="64A39B"/>
+            </a:solidFill>
+          </a:ln>
+        </p:spPr>
+        <p:style>
+          <a:lnRef idx="1">
+            <a:schemeClr val="accent1"/>
+          </a:lnRef>
+          <a:fillRef idx="0">
+            <a:schemeClr val="accent1"/>
+          </a:fillRef>
+          <a:effectRef idx="0">
+            <a:schemeClr val="accent1"/>
+          </a:effectRef>
+          <a:fontRef idx="minor">
+            <a:schemeClr val="tx1"/>
+          </a:fontRef>
+        </p:style>
+      </p:cxnSp>
+      <p:cxnSp>
+        <p:nvCxnSpPr>
+          <p:cNvPr id="2483" name="직선 연결선 2482">
+            <a:extLst>
+              <a:ext uri="{FF2B5EF4-FFF2-40B4-BE49-F238E27FC236}">
+                <a16:creationId xmlns:a16="http://schemas.microsoft.com/office/drawing/2014/main" id="{C25AA7AC-6B04-7DE7-7CBC-59CA5A94A5F5}"/>
+              </a:ext>
+            </a:extLst>
+          </p:cNvPr>
+          <p:cNvCxnSpPr>
+            <a:cxnSpLocks/>
+          </p:cNvCxnSpPr>
+          <p:nvPr/>
+        </p:nvCxnSpPr>
+        <p:spPr>
+          <a:xfrm>
+            <a:off x="4418650" y="3227623"/>
+            <a:ext cx="0" cy="57150"/>
+          </a:xfrm>
+          <a:prstGeom prst="line">
+            <a:avLst/>
+          </a:prstGeom>
+          <a:ln w="19050">
+            <a:solidFill>
+              <a:srgbClr val="64A39B"/>
+            </a:solidFill>
+          </a:ln>
+        </p:spPr>
+        <p:style>
+          <a:lnRef idx="1">
+            <a:schemeClr val="accent1"/>
+          </a:lnRef>
+          <a:fillRef idx="0">
+            <a:schemeClr val="accent1"/>
+          </a:fillRef>
+          <a:effectRef idx="0">
+            <a:schemeClr val="accent1"/>
+          </a:effectRef>
+          <a:fontRef idx="minor">
+            <a:schemeClr val="tx1"/>
+          </a:fontRef>
+        </p:style>
+      </p:cxnSp>
+      <p:cxnSp>
+        <p:nvCxnSpPr>
+          <p:cNvPr id="2484" name="직선 연결선 2483">
+            <a:extLst>
+              <a:ext uri="{FF2B5EF4-FFF2-40B4-BE49-F238E27FC236}">
+                <a16:creationId xmlns:a16="http://schemas.microsoft.com/office/drawing/2014/main" id="{E40CED60-D1ED-17F5-477D-6C4E5DCADB2B}"/>
+              </a:ext>
+            </a:extLst>
+          </p:cNvPr>
+          <p:cNvCxnSpPr>
+            <a:cxnSpLocks/>
+          </p:cNvCxnSpPr>
+          <p:nvPr/>
+        </p:nvCxnSpPr>
+        <p:spPr>
+          <a:xfrm>
+            <a:off x="4454369" y="3227623"/>
+            <a:ext cx="0" cy="57150"/>
+          </a:xfrm>
+          <a:prstGeom prst="line">
+            <a:avLst/>
+          </a:prstGeom>
+          <a:ln w="19050">
+            <a:solidFill>
+              <a:srgbClr val="64A39B"/>
+            </a:solidFill>
+          </a:ln>
+        </p:spPr>
+        <p:style>
+          <a:lnRef idx="1">
+            <a:schemeClr val="accent1"/>
+          </a:lnRef>
+          <a:fillRef idx="0">
+            <a:schemeClr val="accent1"/>
+          </a:fillRef>
+          <a:effectRef idx="0">
+            <a:schemeClr val="accent1"/>
+          </a:effectRef>
+          <a:fontRef idx="minor">
+            <a:schemeClr val="tx1"/>
+          </a:fontRef>
+        </p:style>
+      </p:cxnSp>
+      <p:cxnSp>
+        <p:nvCxnSpPr>
+          <p:cNvPr id="2485" name="직선 연결선 2484">
+            <a:extLst>
+              <a:ext uri="{FF2B5EF4-FFF2-40B4-BE49-F238E27FC236}">
+                <a16:creationId xmlns:a16="http://schemas.microsoft.com/office/drawing/2014/main" id="{F757556F-A4C2-9018-26A9-82F88DC2E6F7}"/>
+              </a:ext>
+            </a:extLst>
+          </p:cNvPr>
+          <p:cNvCxnSpPr>
+            <a:cxnSpLocks/>
+          </p:cNvCxnSpPr>
+          <p:nvPr/>
+        </p:nvCxnSpPr>
+        <p:spPr>
+          <a:xfrm>
+            <a:off x="4490088" y="3210303"/>
+            <a:ext cx="0" cy="87170"/>
+          </a:xfrm>
+          <a:prstGeom prst="line">
+            <a:avLst/>
+          </a:prstGeom>
+          <a:ln w="19050">
+            <a:solidFill>
+              <a:srgbClr val="64A39B"/>
+            </a:solidFill>
+          </a:ln>
+        </p:spPr>
+        <p:style>
+          <a:lnRef idx="1">
+            <a:schemeClr val="accent1"/>
+          </a:lnRef>
+          <a:fillRef idx="0">
+            <a:schemeClr val="accent1"/>
+          </a:fillRef>
+          <a:effectRef idx="0">
+            <a:schemeClr val="accent1"/>
+          </a:effectRef>
+          <a:fontRef idx="minor">
+            <a:schemeClr val="tx1"/>
+          </a:fontRef>
+        </p:style>
+      </p:cxnSp>
+      <p:cxnSp>
+        <p:nvCxnSpPr>
+          <p:cNvPr id="2486" name="직선 연결선 2485">
+            <a:extLst>
+              <a:ext uri="{FF2B5EF4-FFF2-40B4-BE49-F238E27FC236}">
+                <a16:creationId xmlns:a16="http://schemas.microsoft.com/office/drawing/2014/main" id="{78E9C79F-EAAC-1D81-91CE-B83271DAB157}"/>
+              </a:ext>
+            </a:extLst>
+          </p:cNvPr>
+          <p:cNvCxnSpPr>
+            <a:cxnSpLocks/>
+          </p:cNvCxnSpPr>
+          <p:nvPr/>
+        </p:nvCxnSpPr>
+        <p:spPr>
+          <a:xfrm>
+            <a:off x="4523425" y="3205541"/>
+            <a:ext cx="0" cy="101457"/>
+          </a:xfrm>
+          <a:prstGeom prst="line">
+            <a:avLst/>
+          </a:prstGeom>
+          <a:ln w="19050">
+            <a:solidFill>
+              <a:srgbClr val="64A39B"/>
+            </a:solidFill>
+          </a:ln>
+        </p:spPr>
+        <p:style>
+          <a:lnRef idx="1">
+            <a:schemeClr val="accent1"/>
+          </a:lnRef>
+          <a:fillRef idx="0">
+            <a:schemeClr val="accent1"/>
+          </a:fillRef>
+          <a:effectRef idx="0">
+            <a:schemeClr val="accent1"/>
+          </a:effectRef>
+          <a:fontRef idx="minor">
+            <a:schemeClr val="tx1"/>
+          </a:fontRef>
+        </p:style>
+      </p:cxnSp>
+      <p:cxnSp>
+        <p:nvCxnSpPr>
+          <p:cNvPr id="2487" name="직선 연결선 2486">
+            <a:extLst>
+              <a:ext uri="{FF2B5EF4-FFF2-40B4-BE49-F238E27FC236}">
+                <a16:creationId xmlns:a16="http://schemas.microsoft.com/office/drawing/2014/main" id="{45BE677F-5A1B-B9A0-6F5E-912FDDC58B4E}"/>
+              </a:ext>
+            </a:extLst>
+          </p:cNvPr>
+          <p:cNvCxnSpPr>
+            <a:cxnSpLocks/>
+          </p:cNvCxnSpPr>
+          <p:nvPr/>
+        </p:nvCxnSpPr>
+        <p:spPr>
+          <a:xfrm>
+            <a:off x="4559144" y="3186634"/>
+            <a:ext cx="0" cy="136239"/>
+          </a:xfrm>
+          <a:prstGeom prst="line">
+            <a:avLst/>
+          </a:prstGeom>
+          <a:ln w="19050">
+            <a:solidFill>
+              <a:srgbClr val="64A39B"/>
+            </a:solidFill>
+          </a:ln>
+        </p:spPr>
+        <p:style>
+          <a:lnRef idx="1">
+            <a:schemeClr val="accent1"/>
+          </a:lnRef>
+          <a:fillRef idx="0">
+            <a:schemeClr val="accent1"/>
+          </a:fillRef>
+          <a:effectRef idx="0">
+            <a:schemeClr val="accent1"/>
+          </a:effectRef>
+          <a:fontRef idx="minor">
+            <a:schemeClr val="tx1"/>
+          </a:fontRef>
+        </p:style>
+      </p:cxnSp>
+      <p:cxnSp>
+        <p:nvCxnSpPr>
+          <p:cNvPr id="2488" name="직선 연결선 2487">
+            <a:extLst>
+              <a:ext uri="{FF2B5EF4-FFF2-40B4-BE49-F238E27FC236}">
+                <a16:creationId xmlns:a16="http://schemas.microsoft.com/office/drawing/2014/main" id="{1C0A7F78-BF9B-2C1D-9BF0-BC1D2087792E}"/>
+              </a:ext>
+            </a:extLst>
+          </p:cNvPr>
+          <p:cNvCxnSpPr>
+            <a:cxnSpLocks/>
+          </p:cNvCxnSpPr>
+          <p:nvPr/>
+        </p:nvCxnSpPr>
+        <p:spPr>
+          <a:xfrm>
+            <a:off x="4594863" y="3177109"/>
+            <a:ext cx="0" cy="136239"/>
+          </a:xfrm>
+          <a:prstGeom prst="line">
+            <a:avLst/>
+          </a:prstGeom>
+          <a:ln w="19050">
+            <a:solidFill>
+              <a:srgbClr val="64A39B"/>
+            </a:solidFill>
+          </a:ln>
+        </p:spPr>
+        <p:style>
+          <a:lnRef idx="1">
+            <a:schemeClr val="accent1"/>
+          </a:lnRef>
+          <a:fillRef idx="0">
+            <a:schemeClr val="accent1"/>
+          </a:fillRef>
+          <a:effectRef idx="0">
+            <a:schemeClr val="accent1"/>
+          </a:effectRef>
+          <a:fontRef idx="minor">
+            <a:schemeClr val="tx1"/>
+          </a:fontRef>
+        </p:style>
+      </p:cxnSp>
+      <p:cxnSp>
+        <p:nvCxnSpPr>
+          <p:cNvPr id="2489" name="직선 연결선 2488">
+            <a:extLst>
+              <a:ext uri="{FF2B5EF4-FFF2-40B4-BE49-F238E27FC236}">
+                <a16:creationId xmlns:a16="http://schemas.microsoft.com/office/drawing/2014/main" id="{B1CBA163-593D-B5A0-686C-5E6759FF467C}"/>
+              </a:ext>
+            </a:extLst>
+          </p:cNvPr>
+          <p:cNvCxnSpPr>
+            <a:cxnSpLocks/>
+          </p:cNvCxnSpPr>
+          <p:nvPr/>
+        </p:nvCxnSpPr>
+        <p:spPr>
+          <a:xfrm>
+            <a:off x="4630582" y="3202366"/>
+            <a:ext cx="0" cy="101457"/>
+          </a:xfrm>
+          <a:prstGeom prst="line">
+            <a:avLst/>
+          </a:prstGeom>
+          <a:ln w="19050">
+            <a:solidFill>
+              <a:srgbClr val="64A39B"/>
+            </a:solidFill>
+          </a:ln>
+        </p:spPr>
+        <p:style>
+          <a:lnRef idx="1">
+            <a:schemeClr val="accent1"/>
+          </a:lnRef>
+          <a:fillRef idx="0">
+            <a:schemeClr val="accent1"/>
+          </a:fillRef>
+          <a:effectRef idx="0">
+            <a:schemeClr val="accent1"/>
+          </a:effectRef>
+          <a:fontRef idx="minor">
+            <a:schemeClr val="tx1"/>
+          </a:fontRef>
+        </p:style>
+      </p:cxnSp>
+      <p:cxnSp>
+        <p:nvCxnSpPr>
+          <p:cNvPr id="2490" name="직선 연결선 2489">
+            <a:extLst>
+              <a:ext uri="{FF2B5EF4-FFF2-40B4-BE49-F238E27FC236}">
+                <a16:creationId xmlns:a16="http://schemas.microsoft.com/office/drawing/2014/main" id="{A90B819D-84DF-5F7A-62E7-160E608CE36C}"/>
+              </a:ext>
+            </a:extLst>
+          </p:cNvPr>
+          <p:cNvCxnSpPr>
+            <a:cxnSpLocks/>
+          </p:cNvCxnSpPr>
+          <p:nvPr/>
+        </p:nvCxnSpPr>
+        <p:spPr>
+          <a:xfrm>
+            <a:off x="4663919" y="3222718"/>
+            <a:ext cx="0" cy="68405"/>
+          </a:xfrm>
+          <a:prstGeom prst="line">
+            <a:avLst/>
+          </a:prstGeom>
+          <a:ln w="19050">
+            <a:solidFill>
+              <a:srgbClr val="64A39B"/>
+            </a:solidFill>
+          </a:ln>
+        </p:spPr>
+        <p:style>
+          <a:lnRef idx="1">
+            <a:schemeClr val="accent1"/>
+          </a:lnRef>
+          <a:fillRef idx="0">
+            <a:schemeClr val="accent1"/>
+          </a:fillRef>
+          <a:effectRef idx="0">
+            <a:schemeClr val="accent1"/>
+          </a:effectRef>
+          <a:fontRef idx="minor">
+            <a:schemeClr val="tx1"/>
+          </a:fontRef>
+        </p:style>
+      </p:cxnSp>
+      <p:cxnSp>
+        <p:nvCxnSpPr>
+          <p:cNvPr id="2491" name="직선 연결선 2490">
+            <a:extLst>
+              <a:ext uri="{FF2B5EF4-FFF2-40B4-BE49-F238E27FC236}">
+                <a16:creationId xmlns:a16="http://schemas.microsoft.com/office/drawing/2014/main" id="{C51EA70A-52D3-108A-A424-94446A1CE37D}"/>
+              </a:ext>
+            </a:extLst>
+          </p:cNvPr>
+          <p:cNvCxnSpPr>
+            <a:cxnSpLocks/>
+          </p:cNvCxnSpPr>
+          <p:nvPr/>
+        </p:nvCxnSpPr>
+        <p:spPr>
+          <a:xfrm>
+            <a:off x="4699638" y="3227623"/>
+            <a:ext cx="0" cy="57150"/>
+          </a:xfrm>
+          <a:prstGeom prst="line">
+            <a:avLst/>
+          </a:prstGeom>
+          <a:ln w="19050">
+            <a:solidFill>
+              <a:srgbClr val="64A39B"/>
+            </a:solidFill>
+          </a:ln>
+        </p:spPr>
+        <p:style>
+          <a:lnRef idx="1">
+            <a:schemeClr val="accent1"/>
+          </a:lnRef>
+          <a:fillRef idx="0">
+            <a:schemeClr val="accent1"/>
+          </a:fillRef>
+          <a:effectRef idx="0">
+            <a:schemeClr val="accent1"/>
+          </a:effectRef>
+          <a:fontRef idx="minor">
+            <a:schemeClr val="tx1"/>
+          </a:fontRef>
+        </p:style>
+      </p:cxnSp>
+      <p:cxnSp>
+        <p:nvCxnSpPr>
+          <p:cNvPr id="2492" name="직선 연결선 2491">
+            <a:extLst>
+              <a:ext uri="{FF2B5EF4-FFF2-40B4-BE49-F238E27FC236}">
+                <a16:creationId xmlns:a16="http://schemas.microsoft.com/office/drawing/2014/main" id="{C7C754DC-7F2A-3896-EB9F-8C9780A364A7}"/>
+              </a:ext>
+            </a:extLst>
+          </p:cNvPr>
+          <p:cNvCxnSpPr>
+            <a:cxnSpLocks/>
+          </p:cNvCxnSpPr>
+          <p:nvPr/>
+        </p:nvCxnSpPr>
+        <p:spPr>
+          <a:xfrm>
+            <a:off x="4735357" y="3227623"/>
+            <a:ext cx="0" cy="57150"/>
+          </a:xfrm>
+          <a:prstGeom prst="line">
+            <a:avLst/>
+          </a:prstGeom>
+          <a:ln w="19050">
+            <a:solidFill>
+              <a:srgbClr val="64A39B"/>
+            </a:solidFill>
+          </a:ln>
+        </p:spPr>
+        <p:style>
+          <a:lnRef idx="1">
+            <a:schemeClr val="accent1"/>
+          </a:lnRef>
+          <a:fillRef idx="0">
+            <a:schemeClr val="accent1"/>
+          </a:fillRef>
+          <a:effectRef idx="0">
+            <a:schemeClr val="accent1"/>
+          </a:effectRef>
+          <a:fontRef idx="minor">
+            <a:schemeClr val="tx1"/>
+          </a:fontRef>
+        </p:style>
+      </p:cxnSp>
+      <p:cxnSp>
+        <p:nvCxnSpPr>
+          <p:cNvPr id="2493" name="직선 연결선 2492">
+            <a:extLst>
+              <a:ext uri="{FF2B5EF4-FFF2-40B4-BE49-F238E27FC236}">
+                <a16:creationId xmlns:a16="http://schemas.microsoft.com/office/drawing/2014/main" id="{DD36A9B6-4CA5-B0D0-57AD-450610E89584}"/>
+              </a:ext>
+            </a:extLst>
+          </p:cNvPr>
+          <p:cNvCxnSpPr>
+            <a:cxnSpLocks/>
+          </p:cNvCxnSpPr>
+          <p:nvPr/>
+        </p:nvCxnSpPr>
+        <p:spPr>
+          <a:xfrm>
+            <a:off x="4771076" y="3227623"/>
+            <a:ext cx="0" cy="57150"/>
+          </a:xfrm>
+          <a:prstGeom prst="line">
+            <a:avLst/>
+          </a:prstGeom>
+          <a:ln w="19050">
+            <a:solidFill>
+              <a:srgbClr val="64A39B"/>
+            </a:solidFill>
+          </a:ln>
+        </p:spPr>
+        <p:style>
+          <a:lnRef idx="1">
+            <a:schemeClr val="accent1"/>
+          </a:lnRef>
+          <a:fillRef idx="0">
+            <a:schemeClr val="accent1"/>
+          </a:fillRef>
+          <a:effectRef idx="0">
+            <a:schemeClr val="accent1"/>
+          </a:effectRef>
+          <a:fontRef idx="minor">
+            <a:schemeClr val="tx1"/>
+          </a:fontRef>
+        </p:style>
+      </p:cxnSp>
+      <p:cxnSp>
+        <p:nvCxnSpPr>
+          <p:cNvPr id="2494" name="직선 연결선 2493">
+            <a:extLst>
+              <a:ext uri="{FF2B5EF4-FFF2-40B4-BE49-F238E27FC236}">
+                <a16:creationId xmlns:a16="http://schemas.microsoft.com/office/drawing/2014/main" id="{46D7CF17-285D-F987-56AC-042E937A4A17}"/>
+              </a:ext>
+            </a:extLst>
+          </p:cNvPr>
+          <p:cNvCxnSpPr>
+            <a:cxnSpLocks/>
+          </p:cNvCxnSpPr>
+          <p:nvPr/>
+        </p:nvCxnSpPr>
+        <p:spPr>
+          <a:xfrm>
+            <a:off x="4804413" y="3205541"/>
+            <a:ext cx="0" cy="101457"/>
+          </a:xfrm>
+          <a:prstGeom prst="line">
+            <a:avLst/>
+          </a:prstGeom>
+          <a:ln w="19050">
+            <a:solidFill>
+              <a:srgbClr val="64A39B"/>
+            </a:solidFill>
+          </a:ln>
+        </p:spPr>
+        <p:style>
+          <a:lnRef idx="1">
+            <a:schemeClr val="accent1"/>
+          </a:lnRef>
+          <a:fillRef idx="0">
+            <a:schemeClr val="accent1"/>
+          </a:fillRef>
+          <a:effectRef idx="0">
+            <a:schemeClr val="accent1"/>
+          </a:effectRef>
+          <a:fontRef idx="minor">
+            <a:schemeClr val="tx1"/>
+          </a:fontRef>
+        </p:style>
+      </p:cxnSp>
+      <p:cxnSp>
+        <p:nvCxnSpPr>
+          <p:cNvPr id="2495" name="직선 연결선 2494">
+            <a:extLst>
+              <a:ext uri="{FF2B5EF4-FFF2-40B4-BE49-F238E27FC236}">
+                <a16:creationId xmlns:a16="http://schemas.microsoft.com/office/drawing/2014/main" id="{029DABBC-BFF5-54EE-218C-7863E2374A18}"/>
+              </a:ext>
+            </a:extLst>
+          </p:cNvPr>
+          <p:cNvCxnSpPr>
+            <a:cxnSpLocks/>
+          </p:cNvCxnSpPr>
+          <p:nvPr/>
+        </p:nvCxnSpPr>
+        <p:spPr>
+          <a:xfrm>
+            <a:off x="4840132" y="3186634"/>
+            <a:ext cx="0" cy="136239"/>
+          </a:xfrm>
+          <a:prstGeom prst="line">
+            <a:avLst/>
+          </a:prstGeom>
+          <a:ln w="19050">
+            <a:solidFill>
+              <a:srgbClr val="64A39B"/>
+            </a:solidFill>
+          </a:ln>
+        </p:spPr>
+        <p:style>
+          <a:lnRef idx="1">
+            <a:schemeClr val="accent1"/>
+          </a:lnRef>
+          <a:fillRef idx="0">
+            <a:schemeClr val="accent1"/>
+          </a:fillRef>
+          <a:effectRef idx="0">
+            <a:schemeClr val="accent1"/>
+          </a:effectRef>
+          <a:fontRef idx="minor">
+            <a:schemeClr val="tx1"/>
+          </a:fontRef>
+        </p:style>
+      </p:cxnSp>
+      <p:cxnSp>
+        <p:nvCxnSpPr>
+          <p:cNvPr id="2176" name="직선 연결선 2175">
+            <a:extLst>
+              <a:ext uri="{FF2B5EF4-FFF2-40B4-BE49-F238E27FC236}">
+                <a16:creationId xmlns:a16="http://schemas.microsoft.com/office/drawing/2014/main" id="{7F7BBE89-1498-2DF7-4F40-AC9DC2FF4B48}"/>
+              </a:ext>
+            </a:extLst>
+          </p:cNvPr>
+          <p:cNvCxnSpPr>
+            <a:cxnSpLocks/>
+          </p:cNvCxnSpPr>
+          <p:nvPr/>
+        </p:nvCxnSpPr>
+        <p:spPr>
+          <a:xfrm>
+            <a:off x="4882359" y="3158059"/>
+            <a:ext cx="0" cy="174339"/>
+          </a:xfrm>
+          <a:prstGeom prst="line">
+            <a:avLst/>
+          </a:prstGeom>
+          <a:ln w="19050">
+            <a:solidFill>
+              <a:srgbClr val="64A39B"/>
+            </a:solidFill>
+          </a:ln>
+        </p:spPr>
+        <p:style>
+          <a:lnRef idx="1">
+            <a:schemeClr val="accent1"/>
+          </a:lnRef>
+          <a:fillRef idx="0">
+            <a:schemeClr val="accent1"/>
+          </a:fillRef>
+          <a:effectRef idx="0">
+            <a:schemeClr val="accent1"/>
+          </a:effectRef>
+          <a:fontRef idx="minor">
+            <a:schemeClr val="tx1"/>
+          </a:fontRef>
+        </p:style>
+      </p:cxnSp>
+      <p:cxnSp>
+        <p:nvCxnSpPr>
+          <p:cNvPr id="2177" name="직선 연결선 2176">
+            <a:extLst>
+              <a:ext uri="{FF2B5EF4-FFF2-40B4-BE49-F238E27FC236}">
+                <a16:creationId xmlns:a16="http://schemas.microsoft.com/office/drawing/2014/main" id="{DBE27516-9E7A-BCFC-BE44-B5C613890733}"/>
+              </a:ext>
+            </a:extLst>
+          </p:cNvPr>
+          <p:cNvCxnSpPr>
+            <a:cxnSpLocks/>
+          </p:cNvCxnSpPr>
+          <p:nvPr/>
+        </p:nvCxnSpPr>
+        <p:spPr>
+          <a:xfrm>
+            <a:off x="4909188" y="3227623"/>
+            <a:ext cx="0" cy="57150"/>
+          </a:xfrm>
+          <a:prstGeom prst="line">
+            <a:avLst/>
+          </a:prstGeom>
+          <a:ln w="19050">
+            <a:solidFill>
+              <a:srgbClr val="64A39B"/>
+            </a:solidFill>
+          </a:ln>
+        </p:spPr>
+        <p:style>
+          <a:lnRef idx="1">
+            <a:schemeClr val="accent1"/>
+          </a:lnRef>
+          <a:fillRef idx="0">
+            <a:schemeClr val="accent1"/>
+          </a:fillRef>
+          <a:effectRef idx="0">
+            <a:schemeClr val="accent1"/>
+          </a:effectRef>
+          <a:fontRef idx="minor">
+            <a:schemeClr val="tx1"/>
+          </a:fontRef>
+        </p:style>
+      </p:cxnSp>
+      <p:sp>
+        <p:nvSpPr>
+          <p:cNvPr id="2178" name="사각형: 둥근 모서리 2177">
+            <a:extLst>
+              <a:ext uri="{FF2B5EF4-FFF2-40B4-BE49-F238E27FC236}">
+                <a16:creationId xmlns:a16="http://schemas.microsoft.com/office/drawing/2014/main" id="{2A4C6E23-F355-C8A6-8177-C0AF8D535A6C}"/>
+              </a:ext>
+            </a:extLst>
+          </p:cNvPr>
+          <p:cNvSpPr/>
+          <p:nvPr/>
+        </p:nvSpPr>
+        <p:spPr>
+          <a:xfrm>
+            <a:off x="3232787" y="4434689"/>
+            <a:ext cx="1251488" cy="321518"/>
+          </a:xfrm>
+          <a:prstGeom prst="roundRect">
+            <a:avLst>
+              <a:gd name="adj" fmla="val 34120"/>
+            </a:avLst>
+          </a:prstGeom>
+          <a:solidFill>
+            <a:srgbClr val="9B94C8"/>
+          </a:solidFill>
+          <a:ln>
             <a:noFill/>
-          </p:spPr>
-          <p:txBody>
-            <a:bodyPr wrap="none" rtlCol="0">
-              <a:spAutoFit/>
-            </a:bodyPr>
-            <a:lstStyle/>
-            <a:p>
-              <a:r>
-                <a:rPr lang="en-US" altLang="ko-KR" sz="500" dirty="0">
-                  <a:solidFill>
-                    <a:schemeClr val="bg2">
-                      <a:lumMod val="50000"/>
-                    </a:schemeClr>
-                  </a:solidFill>
-                </a:rPr>
-                <a:t>2023.09.11 17:35</a:t>
-              </a:r>
-              <a:endParaRPr lang="ko-KR" altLang="en-US" sz="500" dirty="0">
+          </a:ln>
+        </p:spPr>
+        <p:style>
+          <a:lnRef idx="2">
+            <a:schemeClr val="accent1">
+              <a:shade val="15000"/>
+            </a:schemeClr>
+          </a:lnRef>
+          <a:fillRef idx="1">
+            <a:schemeClr val="accent1"/>
+          </a:fillRef>
+          <a:effectRef idx="0">
+            <a:schemeClr val="accent1"/>
+          </a:effectRef>
+          <a:fontRef idx="minor">
+            <a:schemeClr val="lt1"/>
+          </a:fontRef>
+        </p:style>
+        <p:txBody>
+          <a:bodyPr rtlCol="0" anchor="ctr"/>
+          <a:lstStyle/>
+          <a:p>
+            <a:pPr algn="ctr"/>
+            <a:r>
+              <a:rPr lang="en-US" altLang="ko-KR" sz="1200" b="1" dirty="0"/>
+              <a:t>Play</a:t>
+            </a:r>
+            <a:endParaRPr lang="ko-KR" altLang="en-US" sz="1200" b="1" dirty="0"/>
+          </a:p>
+        </p:txBody>
+      </p:sp>
+      <p:sp>
+        <p:nvSpPr>
+          <p:cNvPr id="2180" name="TextBox 2179">
+            <a:extLst>
+              <a:ext uri="{FF2B5EF4-FFF2-40B4-BE49-F238E27FC236}">
+                <a16:creationId xmlns:a16="http://schemas.microsoft.com/office/drawing/2014/main" id="{9C56AC39-83DE-92EB-3BE0-019B8339B909}"/>
+              </a:ext>
+            </a:extLst>
+          </p:cNvPr>
+          <p:cNvSpPr txBox="1"/>
+          <p:nvPr/>
+        </p:nvSpPr>
+        <p:spPr>
+          <a:xfrm>
+            <a:off x="4140044" y="2320998"/>
+            <a:ext cx="673582" cy="169277"/>
+          </a:xfrm>
+          <a:prstGeom prst="rect">
+            <a:avLst/>
+          </a:prstGeom>
+          <a:noFill/>
+        </p:spPr>
+        <p:txBody>
+          <a:bodyPr wrap="none" rtlCol="0">
+            <a:spAutoFit/>
+          </a:bodyPr>
+          <a:lstStyle/>
+          <a:p>
+            <a:r>
+              <a:rPr lang="en-US" altLang="ko-KR" sz="500" dirty="0">
                 <a:solidFill>
                   <a:schemeClr val="bg2">
                     <a:lumMod val="50000"/>
                   </a:schemeClr>
                 </a:solidFill>
-              </a:endParaRPr>
-            </a:p>
-          </p:txBody>
-        </p:sp>
-        <p:sp>
-          <p:nvSpPr>
-            <p:cNvPr id="2181" name="TextBox 2180">
-              <a:extLst>
-                <a:ext uri="{FF2B5EF4-FFF2-40B4-BE49-F238E27FC236}">
-                  <a16:creationId xmlns:a16="http://schemas.microsoft.com/office/drawing/2014/main" id="{7F5A58D1-4284-1932-76AF-31D8C4955925}"/>
-                </a:ext>
-              </a:extLst>
-            </p:cNvPr>
-            <p:cNvSpPr txBox="1"/>
-            <p:nvPr/>
-          </p:nvSpPr>
-          <p:spPr>
-            <a:xfrm>
-              <a:off x="3030765" y="2285870"/>
-              <a:ext cx="558166" cy="200055"/>
-            </a:xfrm>
-            <a:prstGeom prst="rect">
-              <a:avLst/>
-            </a:prstGeom>
-            <a:noFill/>
-          </p:spPr>
-          <p:txBody>
-            <a:bodyPr wrap="none" rtlCol="0">
-              <a:spAutoFit/>
-            </a:bodyPr>
-            <a:lstStyle/>
-            <a:p>
-              <a:r>
-                <a:rPr lang="en-US" altLang="ko-KR" sz="700" b="1" dirty="0">
-                  <a:solidFill>
-                    <a:schemeClr val="bg2">
-                      <a:lumMod val="50000"/>
-                    </a:schemeClr>
-                  </a:solidFill>
-                </a:rPr>
-                <a:t>Car horn</a:t>
-              </a:r>
-              <a:endParaRPr lang="ko-KR" altLang="en-US" sz="700" b="1" dirty="0">
+              </a:rPr>
+              <a:t>2023.09.11 17:35</a:t>
+            </a:r>
+            <a:endParaRPr lang="ko-KR" altLang="en-US" sz="500" dirty="0">
+              <a:solidFill>
+                <a:schemeClr val="bg2">
+                  <a:lumMod val="50000"/>
+                </a:schemeClr>
+              </a:solidFill>
+            </a:endParaRPr>
+          </a:p>
+        </p:txBody>
+      </p:sp>
+      <p:sp>
+        <p:nvSpPr>
+          <p:cNvPr id="2181" name="TextBox 2180">
+            <a:extLst>
+              <a:ext uri="{FF2B5EF4-FFF2-40B4-BE49-F238E27FC236}">
+                <a16:creationId xmlns:a16="http://schemas.microsoft.com/office/drawing/2014/main" id="{7F5A58D1-4284-1932-76AF-31D8C4955925}"/>
+              </a:ext>
+            </a:extLst>
+          </p:cNvPr>
+          <p:cNvSpPr txBox="1"/>
+          <p:nvPr/>
+        </p:nvSpPr>
+        <p:spPr>
+          <a:xfrm>
+            <a:off x="3030765" y="2285870"/>
+            <a:ext cx="558166" cy="200055"/>
+          </a:xfrm>
+          <a:prstGeom prst="rect">
+            <a:avLst/>
+          </a:prstGeom>
+          <a:noFill/>
+        </p:spPr>
+        <p:txBody>
+          <a:bodyPr wrap="none" rtlCol="0">
+            <a:spAutoFit/>
+          </a:bodyPr>
+          <a:lstStyle/>
+          <a:p>
+            <a:r>
+              <a:rPr lang="en-US" altLang="ko-KR" sz="700" b="1" dirty="0">
                 <a:solidFill>
                   <a:schemeClr val="bg2">
                     <a:lumMod val="50000"/>
                   </a:schemeClr>
                 </a:solidFill>
-              </a:endParaRPr>
-            </a:p>
-          </p:txBody>
-        </p:sp>
-        <p:sp>
-          <p:nvSpPr>
-            <p:cNvPr id="2182" name="TextBox 2181">
-              <a:extLst>
-                <a:ext uri="{FF2B5EF4-FFF2-40B4-BE49-F238E27FC236}">
-                  <a16:creationId xmlns:a16="http://schemas.microsoft.com/office/drawing/2014/main" id="{05B616D2-2816-756B-A9EE-12941F41BFE4}"/>
-                </a:ext>
-              </a:extLst>
-            </p:cNvPr>
-            <p:cNvSpPr txBox="1"/>
-            <p:nvPr/>
-          </p:nvSpPr>
-          <p:spPr>
-            <a:xfrm>
-              <a:off x="2790836" y="4868253"/>
-              <a:ext cx="2223124" cy="246221"/>
-            </a:xfrm>
-            <a:prstGeom prst="rect">
-              <a:avLst/>
-            </a:prstGeom>
-            <a:noFill/>
-          </p:spPr>
-          <p:txBody>
-            <a:bodyPr wrap="square" rtlCol="0">
-              <a:spAutoFit/>
-            </a:bodyPr>
-            <a:lstStyle/>
-            <a:p>
-              <a:pPr algn="ctr"/>
-              <a:r>
-                <a:rPr lang="en-US" altLang="ko-KR" sz="1000" dirty="0">
-                  <a:solidFill>
-                    <a:schemeClr val="bg2">
-                      <a:lumMod val="50000"/>
-                    </a:schemeClr>
-                  </a:solidFill>
-                </a:rPr>
-                <a:t>Is this detection useful?</a:t>
-              </a:r>
-              <a:endParaRPr lang="ko-KR" altLang="en-US" sz="1000" dirty="0">
+              </a:rPr>
+              <a:t>Car horn</a:t>
+            </a:r>
+            <a:endParaRPr lang="ko-KR" altLang="en-US" sz="700" b="1" dirty="0">
+              <a:solidFill>
+                <a:schemeClr val="bg2">
+                  <a:lumMod val="50000"/>
+                </a:schemeClr>
+              </a:solidFill>
+            </a:endParaRPr>
+          </a:p>
+        </p:txBody>
+      </p:sp>
+      <p:sp>
+        <p:nvSpPr>
+          <p:cNvPr id="2182" name="TextBox 2181">
+            <a:extLst>
+              <a:ext uri="{FF2B5EF4-FFF2-40B4-BE49-F238E27FC236}">
+                <a16:creationId xmlns:a16="http://schemas.microsoft.com/office/drawing/2014/main" id="{05B616D2-2816-756B-A9EE-12941F41BFE4}"/>
+              </a:ext>
+            </a:extLst>
+          </p:cNvPr>
+          <p:cNvSpPr txBox="1"/>
+          <p:nvPr/>
+        </p:nvSpPr>
+        <p:spPr>
+          <a:xfrm>
+            <a:off x="2790836" y="4868253"/>
+            <a:ext cx="2223124" cy="246221"/>
+          </a:xfrm>
+          <a:prstGeom prst="rect">
+            <a:avLst/>
+          </a:prstGeom>
+          <a:noFill/>
+        </p:spPr>
+        <p:txBody>
+          <a:bodyPr wrap="square" rtlCol="0">
+            <a:spAutoFit/>
+          </a:bodyPr>
+          <a:lstStyle/>
+          <a:p>
+            <a:pPr algn="ctr"/>
+            <a:r>
+              <a:rPr lang="en-US" altLang="ko-KR" sz="1000" dirty="0">
                 <a:solidFill>
                   <a:schemeClr val="bg2">
                     <a:lumMod val="50000"/>
                   </a:schemeClr>
                 </a:solidFill>
-              </a:endParaRPr>
-            </a:p>
-          </p:txBody>
-        </p:sp>
-        <p:sp>
-          <p:nvSpPr>
-            <p:cNvPr id="2183" name="사각형: 둥근 모서리 2182">
-              <a:extLst>
-                <a:ext uri="{FF2B5EF4-FFF2-40B4-BE49-F238E27FC236}">
-                  <a16:creationId xmlns:a16="http://schemas.microsoft.com/office/drawing/2014/main" id="{4CD64C5E-A74A-E2EE-C4A7-2EBEB7F4426F}"/>
-                </a:ext>
-              </a:extLst>
-            </p:cNvPr>
-            <p:cNvSpPr/>
-            <p:nvPr/>
-          </p:nvSpPr>
-          <p:spPr>
-            <a:xfrm>
-              <a:off x="3287754" y="5124243"/>
-              <a:ext cx="512784" cy="321518"/>
-            </a:xfrm>
-            <a:prstGeom prst="roundRect">
-              <a:avLst>
-                <a:gd name="adj" fmla="val 36353"/>
-              </a:avLst>
-            </a:prstGeom>
-            <a:solidFill>
-              <a:srgbClr val="9B94C8"/>
-            </a:solidFill>
-            <a:ln>
-              <a:noFill/>
-            </a:ln>
-          </p:spPr>
-          <p:style>
-            <a:lnRef idx="2">
-              <a:schemeClr val="accent1">
-                <a:shade val="15000"/>
-              </a:schemeClr>
-            </a:lnRef>
-            <a:fillRef idx="1">
-              <a:schemeClr val="accent1"/>
-            </a:fillRef>
-            <a:effectRef idx="0">
-              <a:schemeClr val="accent1"/>
-            </a:effectRef>
-            <a:fontRef idx="minor">
-              <a:schemeClr val="lt1"/>
-            </a:fontRef>
-          </p:style>
-          <p:txBody>
-            <a:bodyPr rtlCol="0" anchor="ctr"/>
-            <a:lstStyle/>
-            <a:p>
-              <a:pPr algn="ctr"/>
-              <a:r>
-                <a:rPr lang="en-US" altLang="ko-KR" sz="1200" b="1" dirty="0"/>
-                <a:t>Yes</a:t>
-              </a:r>
-              <a:endParaRPr lang="ko-KR" altLang="en-US" sz="1200" b="1" dirty="0"/>
-            </a:p>
-          </p:txBody>
-        </p:sp>
-        <p:sp>
-          <p:nvSpPr>
-            <p:cNvPr id="2184" name="사각형: 둥근 모서리 2183">
-              <a:extLst>
-                <a:ext uri="{FF2B5EF4-FFF2-40B4-BE49-F238E27FC236}">
-                  <a16:creationId xmlns:a16="http://schemas.microsoft.com/office/drawing/2014/main" id="{E65654C7-8D59-2970-8B75-087398DE2966}"/>
-                </a:ext>
-              </a:extLst>
-            </p:cNvPr>
-            <p:cNvSpPr/>
-            <p:nvPr/>
-          </p:nvSpPr>
-          <p:spPr>
-            <a:xfrm>
-              <a:off x="3971491" y="5124243"/>
-              <a:ext cx="512784" cy="321518"/>
-            </a:xfrm>
-            <a:prstGeom prst="roundRect">
-              <a:avLst>
-                <a:gd name="adj" fmla="val 35113"/>
-              </a:avLst>
-            </a:prstGeom>
-            <a:solidFill>
-              <a:srgbClr val="9B94C8"/>
-            </a:solidFill>
-            <a:ln>
-              <a:noFill/>
-            </a:ln>
-          </p:spPr>
-          <p:style>
-            <a:lnRef idx="2">
-              <a:schemeClr val="accent1">
-                <a:shade val="15000"/>
-              </a:schemeClr>
-            </a:lnRef>
-            <a:fillRef idx="1">
-              <a:schemeClr val="accent1"/>
-            </a:fillRef>
-            <a:effectRef idx="0">
-              <a:schemeClr val="accent1"/>
-            </a:effectRef>
-            <a:fontRef idx="minor">
-              <a:schemeClr val="lt1"/>
-            </a:fontRef>
-          </p:style>
-          <p:txBody>
-            <a:bodyPr rtlCol="0" anchor="ctr"/>
-            <a:lstStyle/>
-            <a:p>
-              <a:pPr algn="ctr"/>
-              <a:r>
-                <a:rPr lang="en-US" altLang="ko-KR" sz="1200" b="1" dirty="0"/>
-                <a:t>No</a:t>
-              </a:r>
-              <a:endParaRPr lang="ko-KR" altLang="en-US" sz="1200" b="1" dirty="0"/>
-            </a:p>
-          </p:txBody>
-        </p:sp>
-        <p:pic>
-          <p:nvPicPr>
-            <p:cNvPr id="2392" name="그림 2391" descr="스크린샷, 블랙, 디자인이(가) 표시된 사진&#10;&#10;자동 생성된 설명">
-              <a:extLst>
-                <a:ext uri="{FF2B5EF4-FFF2-40B4-BE49-F238E27FC236}">
-                  <a16:creationId xmlns:a16="http://schemas.microsoft.com/office/drawing/2014/main" id="{8B9F3D27-12B6-EA57-8177-3A09234F59A8}"/>
-                </a:ext>
-              </a:extLst>
-            </p:cNvPr>
-            <p:cNvPicPr>
-              <a:picLocks noChangeAspect="1"/>
-            </p:cNvPicPr>
-            <p:nvPr/>
-          </p:nvPicPr>
-          <p:blipFill rotWithShape="1">
-            <a:blip r:embed="rId4">
-              <a:extLst>
-                <a:ext uri="{28A0092B-C50C-407E-A947-70E740481C1C}">
-                  <a14:useLocalDpi xmlns:a14="http://schemas.microsoft.com/office/drawing/2010/main" val="0"/>
-                </a:ext>
-              </a:extLst>
-            </a:blip>
-            <a:srcRect l="24830" r="25827"/>
-            <a:stretch/>
-          </p:blipFill>
-          <p:spPr>
-            <a:xfrm>
-              <a:off x="2703834" y="1009650"/>
-              <a:ext cx="2387600" cy="4838700"/>
-            </a:xfrm>
-            <a:prstGeom prst="rect">
-              <a:avLst/>
-            </a:prstGeom>
-          </p:spPr>
-        </p:pic>
-      </p:grpSp>
+              </a:rPr>
+              <a:t>Is this detection useful?</a:t>
+            </a:r>
+            <a:endParaRPr lang="ko-KR" altLang="en-US" sz="1000" dirty="0">
+              <a:solidFill>
+                <a:schemeClr val="bg2">
+                  <a:lumMod val="50000"/>
+                </a:schemeClr>
+              </a:solidFill>
+            </a:endParaRPr>
+          </a:p>
+        </p:txBody>
+      </p:sp>
+      <p:sp>
+        <p:nvSpPr>
+          <p:cNvPr id="2183" name="사각형: 둥근 모서리 2182">
+            <a:extLst>
+              <a:ext uri="{FF2B5EF4-FFF2-40B4-BE49-F238E27FC236}">
+                <a16:creationId xmlns:a16="http://schemas.microsoft.com/office/drawing/2014/main" id="{4CD64C5E-A74A-E2EE-C4A7-2EBEB7F4426F}"/>
+              </a:ext>
+            </a:extLst>
+          </p:cNvPr>
+          <p:cNvSpPr/>
+          <p:nvPr/>
+        </p:nvSpPr>
+        <p:spPr>
+          <a:xfrm>
+            <a:off x="3287754" y="5124243"/>
+            <a:ext cx="512784" cy="321518"/>
+          </a:xfrm>
+          <a:prstGeom prst="roundRect">
+            <a:avLst>
+              <a:gd name="adj" fmla="val 36353"/>
+            </a:avLst>
+          </a:prstGeom>
+          <a:solidFill>
+            <a:srgbClr val="9B94C8"/>
+          </a:solidFill>
+          <a:ln>
+            <a:noFill/>
+          </a:ln>
+        </p:spPr>
+        <p:style>
+          <a:lnRef idx="2">
+            <a:schemeClr val="accent1">
+              <a:shade val="15000"/>
+            </a:schemeClr>
+          </a:lnRef>
+          <a:fillRef idx="1">
+            <a:schemeClr val="accent1"/>
+          </a:fillRef>
+          <a:effectRef idx="0">
+            <a:schemeClr val="accent1"/>
+          </a:effectRef>
+          <a:fontRef idx="minor">
+            <a:schemeClr val="lt1"/>
+          </a:fontRef>
+        </p:style>
+        <p:txBody>
+          <a:bodyPr rtlCol="0" anchor="ctr"/>
+          <a:lstStyle/>
+          <a:p>
+            <a:pPr algn="ctr"/>
+            <a:r>
+              <a:rPr lang="en-US" altLang="ko-KR" sz="1200" b="1" dirty="0"/>
+              <a:t>Yes</a:t>
+            </a:r>
+            <a:endParaRPr lang="ko-KR" altLang="en-US" sz="1200" b="1" dirty="0"/>
+          </a:p>
+        </p:txBody>
+      </p:sp>
+      <p:sp>
+        <p:nvSpPr>
+          <p:cNvPr id="2184" name="사각형: 둥근 모서리 2183">
+            <a:extLst>
+              <a:ext uri="{FF2B5EF4-FFF2-40B4-BE49-F238E27FC236}">
+                <a16:creationId xmlns:a16="http://schemas.microsoft.com/office/drawing/2014/main" id="{E65654C7-8D59-2970-8B75-087398DE2966}"/>
+              </a:ext>
+            </a:extLst>
+          </p:cNvPr>
+          <p:cNvSpPr/>
+          <p:nvPr/>
+        </p:nvSpPr>
+        <p:spPr>
+          <a:xfrm>
+            <a:off x="3971491" y="5124243"/>
+            <a:ext cx="512784" cy="321518"/>
+          </a:xfrm>
+          <a:prstGeom prst="roundRect">
+            <a:avLst>
+              <a:gd name="adj" fmla="val 35113"/>
+            </a:avLst>
+          </a:prstGeom>
+          <a:solidFill>
+            <a:srgbClr val="9B94C8"/>
+          </a:solidFill>
+          <a:ln>
+            <a:noFill/>
+          </a:ln>
+        </p:spPr>
+        <p:style>
+          <a:lnRef idx="2">
+            <a:schemeClr val="accent1">
+              <a:shade val="15000"/>
+            </a:schemeClr>
+          </a:lnRef>
+          <a:fillRef idx="1">
+            <a:schemeClr val="accent1"/>
+          </a:fillRef>
+          <a:effectRef idx="0">
+            <a:schemeClr val="accent1"/>
+          </a:effectRef>
+          <a:fontRef idx="minor">
+            <a:schemeClr val="lt1"/>
+          </a:fontRef>
+        </p:style>
+        <p:txBody>
+          <a:bodyPr rtlCol="0" anchor="ctr"/>
+          <a:lstStyle/>
+          <a:p>
+            <a:pPr algn="ctr"/>
+            <a:r>
+              <a:rPr lang="en-US" altLang="ko-KR" sz="1200" b="1" dirty="0"/>
+              <a:t>No</a:t>
+            </a:r>
+            <a:endParaRPr lang="ko-KR" altLang="en-US" sz="1200" b="1" dirty="0"/>
+          </a:p>
+        </p:txBody>
+      </p:sp>
+      <p:pic>
+        <p:nvPicPr>
+          <p:cNvPr id="2392" name="그림 2391" descr="스크린샷, 블랙, 디자인이(가) 표시된 사진&#10;&#10;자동 생성된 설명">
+            <a:extLst>
+              <a:ext uri="{FF2B5EF4-FFF2-40B4-BE49-F238E27FC236}">
+                <a16:creationId xmlns:a16="http://schemas.microsoft.com/office/drawing/2014/main" id="{8B9F3D27-12B6-EA57-8177-3A09234F59A8}"/>
+              </a:ext>
+            </a:extLst>
+          </p:cNvPr>
+          <p:cNvPicPr>
+            <a:picLocks noChangeAspect="1"/>
+          </p:cNvPicPr>
+          <p:nvPr/>
+        </p:nvPicPr>
+        <p:blipFill rotWithShape="1">
+          <a:blip r:embed="rId4">
+            <a:extLst>
+              <a:ext uri="{28A0092B-C50C-407E-A947-70E740481C1C}">
+                <a14:useLocalDpi xmlns:a14="http://schemas.microsoft.com/office/drawing/2010/main" val="0"/>
+              </a:ext>
+            </a:extLst>
+          </a:blip>
+          <a:srcRect l="24830" r="25827"/>
+          <a:stretch/>
+        </p:blipFill>
+        <p:spPr>
+          <a:xfrm>
+            <a:off x="2703834" y="1009650"/>
+            <a:ext cx="2387600" cy="4838700"/>
+          </a:xfrm>
+          <a:prstGeom prst="rect">
+            <a:avLst/>
+          </a:prstGeom>
+        </p:spPr>
+      </p:pic>
     </p:spTree>
     <p:extLst>
       <p:ext uri="{BB962C8B-B14F-4D97-AF65-F5344CB8AC3E}">
